--- a/doc/Group_K_Project_3.pptx
+++ b/doc/Group_K_Project_3.pptx
@@ -5,28 +5,33 @@
     <p:sldMasterId id="2147483891" r:id="rId1"/>
   </p:sldMasterIdLst>
   <p:notesMasterIdLst>
-    <p:notesMasterId r:id="rId8"/>
+    <p:notesMasterId r:id="rId13"/>
   </p:notesMasterIdLst>
   <p:handoutMasterIdLst>
-    <p:handoutMasterId r:id="rId9"/>
+    <p:handoutMasterId r:id="rId14"/>
   </p:handoutMasterIdLst>
   <p:sldIdLst>
     <p:sldId id="256" r:id="rId2"/>
     <p:sldId id="294" r:id="rId3"/>
     <p:sldId id="295" r:id="rId4"/>
-    <p:sldId id="298" r:id="rId5"/>
-    <p:sldId id="296" r:id="rId6"/>
-    <p:sldId id="297" r:id="rId7"/>
+    <p:sldId id="299" r:id="rId5"/>
+    <p:sldId id="300" r:id="rId6"/>
+    <p:sldId id="296" r:id="rId7"/>
+    <p:sldId id="301" r:id="rId8"/>
+    <p:sldId id="302" r:id="rId9"/>
+    <p:sldId id="297" r:id="rId10"/>
+    <p:sldId id="303" r:id="rId11"/>
+    <p:sldId id="304" r:id="rId12"/>
   </p:sldIdLst>
   <p:sldSz cx="12192000" cy="6858000"/>
   <p:notesSz cx="6858000" cy="9144000"/>
   <p:embeddedFontLst>
     <p:embeddedFont>
       <p:font typeface="Open Sans" panose="020B0606030504020204" pitchFamily="34" charset="0"/>
-      <p:regular r:id="rId10"/>
-      <p:bold r:id="rId11"/>
-      <p:italic r:id="rId12"/>
-      <p:boldItalic r:id="rId13"/>
+      <p:regular r:id="rId15"/>
+      <p:bold r:id="rId16"/>
+      <p:italic r:id="rId17"/>
+      <p:boldItalic r:id="rId18"/>
     </p:embeddedFont>
   </p:embeddedFontLst>
   <p:defaultTextStyle>
@@ -226,7 +231,7 @@
           <a:p>
             <a:fld id="{C6AC6211-610F-44E5-BF19-D3CDF6EDD281}" type="datetimeFigureOut">
               <a:rPr lang="de-DE" smtClean="0"/>
-              <a:t>03.02.2025</a:t>
+              <a:t>05.02.2025</a:t>
             </a:fld>
             <a:endParaRPr lang="de-DE"/>
           </a:p>
@@ -392,7 +397,7 @@
           <a:p>
             <a:fld id="{347435D3-23A6-45D3-8DFA-7317DC1E7A64}" type="datetimeFigureOut">
               <a:rPr lang="de-DE" smtClean="0"/>
-              <a:t>03.02.2025</a:t>
+              <a:t>05.02.2025</a:t>
             </a:fld>
             <a:endParaRPr lang="de-DE"/>
           </a:p>
@@ -11943,7 +11948,7 @@
         </p:nvSpPr>
         <p:spPr>
           <a:xfrm>
-            <a:off x="882808" y="2852116"/>
+            <a:off x="705526" y="1835079"/>
             <a:ext cx="3124060" cy="246221"/>
           </a:xfrm>
         </p:spPr>
@@ -11970,7 +11975,7 @@
         </p:nvSpPr>
         <p:spPr>
           <a:xfrm>
-            <a:off x="882771" y="3835706"/>
+            <a:off x="705526" y="2604458"/>
             <a:ext cx="10693248" cy="984885"/>
           </a:xfrm>
         </p:spPr>
@@ -12004,8 +12009,8 @@
         </p:nvSpPr>
         <p:spPr>
           <a:xfrm>
-            <a:off x="882772" y="5028236"/>
-            <a:ext cx="4281621" cy="1708160"/>
+            <a:off x="7045723" y="3719541"/>
+            <a:ext cx="4579780" cy="2677656"/>
           </a:xfrm>
         </p:spPr>
         <p:txBody>
@@ -12013,60 +12018,76 @@
           <a:lstStyle/>
           <a:p>
             <a:r>
-              <a:rPr lang="en-US" dirty="0"/>
-              <a:t>Group:    K</a:t>
-            </a:r>
+              <a:rPr lang="en-US" b="1" dirty="0"/>
+              <a:t>Group     : K</a:t>
+            </a:r>
+          </a:p>
+          <a:p>
+            <a:br>
+              <a:rPr lang="en-US" b="1" dirty="0"/>
+            </a:br>
+            <a:r>
+              <a:rPr lang="en-US" b="1" dirty="0"/>
+              <a:t>Students: </a:t>
+            </a:r>
+            <a:r>
+              <a:rPr lang="en-US" b="1" dirty="0" err="1"/>
+              <a:t>Bibin</a:t>
+            </a:r>
+            <a:r>
+              <a:rPr lang="en-US" b="1" dirty="0"/>
+              <a:t> Biju Joshua</a:t>
+            </a:r>
+          </a:p>
+          <a:p>
+            <a:r>
+              <a:rPr lang="en-US" b="1" dirty="0"/>
+              <a:t>	  Dhanush Harish Shetty</a:t>
+            </a:r>
+          </a:p>
+          <a:p>
+            <a:r>
+              <a:rPr lang="en-US" b="1" dirty="0"/>
+              <a:t>	  Nagaraj Venkatesh Reddy</a:t>
+            </a:r>
+          </a:p>
+          <a:p>
+            <a:r>
+              <a:rPr lang="en-US" b="1" dirty="0"/>
+              <a:t>	  Raghuveer </a:t>
+            </a:r>
+            <a:r>
+              <a:rPr lang="en-US" b="1" dirty="0" err="1"/>
+              <a:t>Pundaliksa</a:t>
+            </a:r>
+            <a:r>
+              <a:rPr lang="en-US" b="1" dirty="0"/>
+              <a:t> </a:t>
+            </a:r>
+            <a:r>
+              <a:rPr lang="en-US" b="1" dirty="0" err="1"/>
+              <a:t>Meharwade</a:t>
+            </a:r>
+            <a:endParaRPr lang="en-US" b="1" dirty="0"/>
+          </a:p>
+          <a:p>
+            <a:endParaRPr lang="en-US" b="1" dirty="0"/>
+          </a:p>
+          <a:p>
             <a:br>
               <a:rPr lang="en-US" dirty="0"/>
             </a:br>
             <a:r>
+              <a:rPr lang="en-US" b="1" dirty="0"/>
+              <a:t>Day of presentation</a:t>
+            </a:r>
+            <a:r>
               <a:rPr lang="en-US" dirty="0"/>
-              <a:t>Students: </a:t>
-            </a:r>
-            <a:r>
-              <a:rPr lang="en-US" dirty="0" err="1"/>
-              <a:t>Bibin</a:t>
-            </a:r>
-            <a:r>
-              <a:rPr lang="en-US" dirty="0"/>
-              <a:t> Biju Joshua</a:t>
-            </a:r>
-          </a:p>
-          <a:p>
-            <a:r>
-              <a:rPr lang="en-US" dirty="0"/>
-              <a:t>	 Dhanush Harish Shetty</a:t>
-            </a:r>
-          </a:p>
-          <a:p>
-            <a:r>
-              <a:rPr lang="en-US" dirty="0"/>
-              <a:t>	 Nagaraj Venkatesh Reddy</a:t>
-            </a:r>
-          </a:p>
-          <a:p>
-            <a:r>
-              <a:rPr lang="en-US" dirty="0"/>
-              <a:t>	 Raghuveer </a:t>
-            </a:r>
-            <a:r>
-              <a:rPr lang="en-US" dirty="0" err="1"/>
-              <a:t>Pundaliksa</a:t>
-            </a:r>
-            <a:r>
-              <a:rPr lang="en-US" dirty="0"/>
-              <a:t> </a:t>
-            </a:r>
-            <a:r>
-              <a:rPr lang="en-US" dirty="0" err="1"/>
-              <a:t>Meharwade</a:t>
-            </a:r>
-            <a:br>
-              <a:rPr lang="en-US" dirty="0"/>
-            </a:br>
-            <a:r>
-              <a:rPr lang="en-US" dirty="0"/>
-              <a:t>Day of presentation: 07/02/2025</a:t>
+              <a:t>: </a:t>
+            </a:r>
+            <a:r>
+              <a:rPr lang="en-US" b="1" dirty="0"/>
+              <a:t>07/02/2025</a:t>
             </a:r>
           </a:p>
         </p:txBody>
@@ -12083,7 +12104,7 @@
         </p:nvSpPr>
         <p:spPr>
           <a:xfrm>
-            <a:off x="882808" y="3138045"/>
+            <a:off x="705526" y="2165834"/>
             <a:ext cx="6340197" cy="246221"/>
           </a:xfrm>
         </p:spPr>
@@ -12110,6 +12131,357 @@
     <p:extLst>
       <p:ext uri="{BB962C8B-B14F-4D97-AF65-F5344CB8AC3E}">
         <p14:creationId xmlns:p14="http://schemas.microsoft.com/office/powerpoint/2010/main" val="868022722"/>
+      </p:ext>
+    </p:extLst>
+  </p:cSld>
+  <p:clrMapOvr>
+    <a:masterClrMapping/>
+  </p:clrMapOvr>
+</p:sld>
+</file>
+
+<file path=ppt/slides/slide10.xml><?xml version="1.0" encoding="utf-8"?>
+<p:sld xmlns:a="http://schemas.openxmlformats.org/drawingml/2006/main" xmlns:r="http://schemas.openxmlformats.org/officeDocument/2006/relationships" xmlns:p="http://schemas.openxmlformats.org/presentationml/2006/main">
+  <p:cSld>
+    <p:spTree>
+      <p:nvGrpSpPr>
+        <p:cNvPr id="1" name="">
+          <a:extLst>
+            <a:ext uri="{FF2B5EF4-FFF2-40B4-BE49-F238E27FC236}">
+              <a16:creationId xmlns:a16="http://schemas.microsoft.com/office/drawing/2014/main" id="{112934A6-FC2E-2D8F-52FE-45AE7B76D9C0}"/>
+            </a:ext>
+          </a:extLst>
+        </p:cNvPr>
+        <p:cNvGrpSpPr/>
+        <p:nvPr/>
+      </p:nvGrpSpPr>
+      <p:grpSpPr>
+        <a:xfrm>
+          <a:off x="0" y="0"/>
+          <a:ext cx="0" cy="0"/>
+          <a:chOff x="0" y="0"/>
+          <a:chExt cx="0" cy="0"/>
+        </a:xfrm>
+      </p:grpSpPr>
+      <p:sp>
+        <p:nvSpPr>
+          <p:cNvPr id="3" name="Titel 2">
+            <a:extLst>
+              <a:ext uri="{FF2B5EF4-FFF2-40B4-BE49-F238E27FC236}">
+                <a16:creationId xmlns:a16="http://schemas.microsoft.com/office/drawing/2014/main" id="{FF7761D0-2E41-F06B-4E61-9A32B0BEE6C5}"/>
+              </a:ext>
+            </a:extLst>
+          </p:cNvPr>
+          <p:cNvSpPr>
+            <a:spLocks noGrp="1"/>
+          </p:cNvSpPr>
+          <p:nvPr>
+            <p:ph type="title"/>
+          </p:nvPr>
+        </p:nvSpPr>
+        <p:spPr/>
+        <p:txBody>
+          <a:bodyPr/>
+          <a:lstStyle/>
+          <a:p>
+            <a:r>
+              <a:rPr lang="en-US" dirty="0"/>
+              <a:t>Summary</a:t>
+            </a:r>
+            <a:br>
+              <a:rPr lang="en-US" dirty="0"/>
+            </a:br>
+            <a:br>
+              <a:rPr lang="en-US" dirty="0"/>
+            </a:br>
+            <a:endParaRPr lang="en-US" b="0" dirty="0"/>
+          </a:p>
+        </p:txBody>
+      </p:sp>
+      <p:sp>
+        <p:nvSpPr>
+          <p:cNvPr id="2" name="Inhaltsplatzhalter 1">
+            <a:extLst>
+              <a:ext uri="{FF2B5EF4-FFF2-40B4-BE49-F238E27FC236}">
+                <a16:creationId xmlns:a16="http://schemas.microsoft.com/office/drawing/2014/main" id="{FA1CA48A-9AD4-DA3D-1604-2721E4AE82D6}"/>
+              </a:ext>
+            </a:extLst>
+          </p:cNvPr>
+          <p:cNvSpPr>
+            <a:spLocks noGrp="1"/>
+          </p:cNvSpPr>
+          <p:nvPr>
+            <p:ph sz="quarter" idx="10"/>
+          </p:nvPr>
+        </p:nvSpPr>
+        <p:spPr/>
+        <p:txBody>
+          <a:bodyPr/>
+          <a:lstStyle/>
+          <a:p>
+            <a:pPr lvl="2" algn="just">
+              <a:lnSpc>
+                <a:spcPct val="150000"/>
+              </a:lnSpc>
+              <a:spcBef>
+                <a:spcPts val="0"/>
+              </a:spcBef>
+            </a:pPr>
+            <a:r>
+              <a:rPr lang="en-US" dirty="0"/>
+              <a:t>Significantly lower the power dissipation of pseudo-memcapacitor can be used to emulate leaky integrate-and-fire neuron with a transistor.</a:t>
+            </a:r>
+          </a:p>
+          <a:p>
+            <a:pPr lvl="2" algn="just">
+              <a:lnSpc>
+                <a:spcPct val="150000"/>
+              </a:lnSpc>
+              <a:spcBef>
+                <a:spcPts val="0"/>
+              </a:spcBef>
+            </a:pPr>
+            <a:r>
+              <a:rPr lang="en-US" dirty="0"/>
+              <a:t>Key considerations are Roff/Ron &gt; 10 and Cgs/Cm &gt; 5</a:t>
+            </a:r>
+          </a:p>
+          <a:p>
+            <a:pPr lvl="2" algn="just">
+              <a:lnSpc>
+                <a:spcPct val="150000"/>
+              </a:lnSpc>
+              <a:spcBef>
+                <a:spcPts val="0"/>
+              </a:spcBef>
+            </a:pPr>
+            <a:r>
+              <a:rPr lang="en-US" dirty="0"/>
+              <a:t>In single neuro-transistor, </a:t>
+            </a:r>
+            <a:r>
+              <a:rPr lang="en-US" dirty="0">
+                <a:latin typeface="+mj-lt"/>
+                <a:ea typeface="+mj-ea"/>
+                <a:cs typeface="+mj-cs"/>
+              </a:rPr>
+              <a:t>a n</a:t>
+            </a:r>
+            <a:r>
+              <a:rPr lang="en-US" sz="1600" dirty="0">
+                <a:solidFill>
+                  <a:schemeClr val="accent1"/>
+                </a:solidFill>
+                <a:latin typeface="+mj-lt"/>
+                <a:ea typeface="+mj-ea"/>
+                <a:cs typeface="+mj-cs"/>
+              </a:rPr>
+              <a:t>ice gap between the On State current value and Off state current value are observed.</a:t>
+            </a:r>
+          </a:p>
+          <a:p>
+            <a:pPr lvl="2" algn="just">
+              <a:lnSpc>
+                <a:spcPct val="150000"/>
+              </a:lnSpc>
+              <a:spcBef>
+                <a:spcPts val="0"/>
+              </a:spcBef>
+            </a:pPr>
+            <a:r>
+              <a:rPr lang="en-US" dirty="0"/>
+              <a:t>In 3x1 neuro-transistor, for TTFS input, observed integration of voltage at the gate of transistor.</a:t>
+            </a:r>
+          </a:p>
+          <a:p>
+            <a:pPr lvl="2" algn="just">
+              <a:lnSpc>
+                <a:spcPct val="150000"/>
+              </a:lnSpc>
+              <a:spcBef>
+                <a:spcPts val="0"/>
+              </a:spcBef>
+            </a:pPr>
+            <a:r>
+              <a:rPr lang="en-US" dirty="0"/>
+              <a:t>In 3x3 neuro-transistor, observed </a:t>
+            </a:r>
+            <a:r>
+              <a:rPr lang="en-US" dirty="0">
+                <a:latin typeface="+mj-lt"/>
+                <a:ea typeface="+mj-ea"/>
+                <a:cs typeface="+mj-cs"/>
+              </a:rPr>
+              <a:t>a</a:t>
+            </a:r>
+            <a:r>
+              <a:rPr lang="en-US" sz="1600" dirty="0">
+                <a:solidFill>
+                  <a:schemeClr val="accent1"/>
+                </a:solidFill>
+                <a:latin typeface="+mj-lt"/>
+                <a:ea typeface="+mj-ea"/>
+                <a:cs typeface="+mj-cs"/>
+              </a:rPr>
+              <a:t>lmost Identical response in </a:t>
+            </a:r>
+            <a:r>
+              <a:rPr lang="en-US" dirty="0">
+                <a:latin typeface="+mj-lt"/>
+                <a:ea typeface="+mj-ea"/>
+                <a:cs typeface="+mj-cs"/>
+              </a:rPr>
+              <a:t>symmetric row, column arrangement </a:t>
+            </a:r>
+            <a:r>
+              <a:rPr lang="en-US" sz="1600" dirty="0">
+                <a:solidFill>
+                  <a:schemeClr val="accent1"/>
+                </a:solidFill>
+                <a:latin typeface="+mj-lt"/>
+                <a:ea typeface="+mj-ea"/>
+                <a:cs typeface="+mj-cs"/>
+              </a:rPr>
+              <a:t>when steady state reached. And a small difference observed at the start.</a:t>
+            </a:r>
+            <a:endParaRPr lang="en-IN" dirty="0"/>
+          </a:p>
+          <a:p>
+            <a:pPr lvl="2" algn="just">
+              <a:lnSpc>
+                <a:spcPct val="150000"/>
+              </a:lnSpc>
+              <a:spcBef>
+                <a:spcPts val="0"/>
+              </a:spcBef>
+            </a:pPr>
+            <a:r>
+              <a:rPr lang="en-US" b="0" dirty="0"/>
+              <a:t>A current to voltage amplifier can be used to </a:t>
+            </a:r>
+            <a:r>
+              <a:rPr lang="en-US" dirty="0"/>
+              <a:t>c</a:t>
+            </a:r>
+            <a:r>
+              <a:rPr lang="en-US" b="0" dirty="0"/>
+              <a:t>ascade neuro-transistor to realize a spiking neural network.</a:t>
+            </a:r>
+            <a:endParaRPr lang="en-US" dirty="0"/>
+          </a:p>
+          <a:p>
+            <a:pPr lvl="2">
+              <a:spcBef>
+                <a:spcPts val="0"/>
+              </a:spcBef>
+            </a:pPr>
+            <a:endParaRPr lang="en-US" dirty="0"/>
+          </a:p>
+          <a:p>
+            <a:pPr lvl="2">
+              <a:spcBef>
+                <a:spcPts val="0"/>
+              </a:spcBef>
+            </a:pPr>
+            <a:endParaRPr lang="en-US" dirty="0"/>
+          </a:p>
+          <a:p>
+            <a:pPr lvl="2">
+              <a:spcBef>
+                <a:spcPts val="0"/>
+              </a:spcBef>
+            </a:pPr>
+            <a:endParaRPr lang="en-US" dirty="0"/>
+          </a:p>
+          <a:p>
+            <a:pPr lvl="2">
+              <a:spcBef>
+                <a:spcPts val="0"/>
+              </a:spcBef>
+            </a:pPr>
+            <a:endParaRPr lang="en-US" dirty="0"/>
+          </a:p>
+          <a:p>
+            <a:pPr lvl="2">
+              <a:spcBef>
+                <a:spcPts val="0"/>
+              </a:spcBef>
+            </a:pPr>
+            <a:endParaRPr lang="en-US" dirty="0"/>
+          </a:p>
+        </p:txBody>
+      </p:sp>
+    </p:spTree>
+    <p:custDataLst>
+      <p:tags r:id="rId1"/>
+    </p:custDataLst>
+    <p:extLst>
+      <p:ext uri="{BB962C8B-B14F-4D97-AF65-F5344CB8AC3E}">
+        <p14:creationId xmlns:p14="http://schemas.microsoft.com/office/powerpoint/2010/main" val="79124595"/>
+      </p:ext>
+    </p:extLst>
+  </p:cSld>
+  <p:clrMapOvr>
+    <a:masterClrMapping/>
+  </p:clrMapOvr>
+</p:sld>
+</file>
+
+<file path=ppt/slides/slide11.xml><?xml version="1.0" encoding="utf-8"?>
+<p:sld xmlns:a="http://schemas.openxmlformats.org/drawingml/2006/main" xmlns:r="http://schemas.openxmlformats.org/officeDocument/2006/relationships" xmlns:p="http://schemas.openxmlformats.org/presentationml/2006/main">
+  <p:cSld>
+    <p:spTree>
+      <p:nvGrpSpPr>
+        <p:cNvPr id="1" name=""/>
+        <p:cNvGrpSpPr/>
+        <p:nvPr/>
+      </p:nvGrpSpPr>
+      <p:grpSpPr>
+        <a:xfrm>
+          <a:off x="0" y="0"/>
+          <a:ext cx="0" cy="0"/>
+          <a:chOff x="0" y="0"/>
+          <a:chExt cx="0" cy="0"/>
+        </a:xfrm>
+      </p:grpSpPr>
+      <p:sp>
+        <p:nvSpPr>
+          <p:cNvPr id="3" name="Title 2">
+            <a:extLst>
+              <a:ext uri="{FF2B5EF4-FFF2-40B4-BE49-F238E27FC236}">
+                <a16:creationId xmlns:a16="http://schemas.microsoft.com/office/drawing/2014/main" id="{0BECCC3C-6163-5D7F-CD80-CA28E2D95E88}"/>
+              </a:ext>
+            </a:extLst>
+          </p:cNvPr>
+          <p:cNvSpPr>
+            <a:spLocks noGrp="1"/>
+          </p:cNvSpPr>
+          <p:nvPr>
+            <p:ph type="title"/>
+          </p:nvPr>
+        </p:nvSpPr>
+        <p:spPr>
+          <a:xfrm>
+            <a:off x="3055744" y="3114778"/>
+            <a:ext cx="6080511" cy="1231106"/>
+          </a:xfrm>
+        </p:spPr>
+        <p:txBody>
+          <a:bodyPr/>
+          <a:lstStyle/>
+          <a:p>
+            <a:r>
+              <a:rPr lang="en-US" sz="8000" dirty="0"/>
+              <a:t>THANK YOU</a:t>
+            </a:r>
+            <a:endParaRPr lang="en-IN" sz="8000" dirty="0"/>
+          </a:p>
+        </p:txBody>
+      </p:sp>
+    </p:spTree>
+    <p:extLst>
+      <p:ext uri="{BB962C8B-B14F-4D97-AF65-F5344CB8AC3E}">
+        <p14:creationId xmlns:p14="http://schemas.microsoft.com/office/powerpoint/2010/main" val="187377327"/>
       </p:ext>
     </p:extLst>
   </p:cSld>
@@ -12146,18 +12518,20 @@
             <p:ph type="title"/>
           </p:nvPr>
         </p:nvSpPr>
-        <p:spPr/>
+        <p:spPr>
+          <a:xfrm>
+            <a:off x="874712" y="346075"/>
+            <a:ext cx="10580687" cy="437695"/>
+          </a:xfrm>
+        </p:spPr>
         <p:txBody>
           <a:bodyPr/>
           <a:lstStyle/>
           <a:p>
             <a:r>
               <a:rPr lang="en-US" dirty="0"/>
-              <a:t>Task, goal and research questions</a:t>
-            </a:r>
-            <a:br>
-              <a:rPr lang="en-US" dirty="0"/>
-            </a:br>
+              <a:t>Introduction</a:t>
+            </a:r>
             <a:endParaRPr lang="en-US" b="0" dirty="0"/>
           </a:p>
         </p:txBody>
@@ -12172,20 +12546,220 @@
             <p:ph sz="quarter" idx="10"/>
           </p:nvPr>
         </p:nvSpPr>
-        <p:spPr/>
+        <p:spPr>
+          <a:xfrm>
+            <a:off x="874711" y="925975"/>
+            <a:ext cx="10580688" cy="4903325"/>
+          </a:xfrm>
+        </p:spPr>
         <p:txBody>
           <a:bodyPr/>
           <a:lstStyle/>
           <a:p>
-            <a:pPr lvl="2">
+            <a:pPr marL="0" lvl="2" indent="0" algn="just">
               <a:spcBef>
                 <a:spcPts val="0"/>
               </a:spcBef>
+              <a:buNone/>
             </a:pPr>
             <a:r>
+              <a:rPr lang="en-US" b="1" dirty="0"/>
+              <a:t>Topic: </a:t>
+            </a:r>
+            <a:r>
               <a:rPr lang="en-US" dirty="0"/>
-              <a:t>…</a:t>
-            </a:r>
+              <a:t>Realization of the neuron functionality with a pseudo-memcapacitive transistor using LTSPICE </a:t>
+            </a:r>
+          </a:p>
+          <a:p>
+            <a:pPr marL="0" lvl="2" indent="0" algn="just">
+              <a:spcBef>
+                <a:spcPts val="0"/>
+              </a:spcBef>
+              <a:buNone/>
+            </a:pPr>
+            <a:endParaRPr lang="en-US" dirty="0"/>
+          </a:p>
+          <a:p>
+            <a:pPr marL="0" lvl="2" indent="0" algn="just">
+              <a:spcBef>
+                <a:spcPts val="0"/>
+              </a:spcBef>
+              <a:buNone/>
+            </a:pPr>
+            <a:r>
+              <a:rPr lang="en-US" dirty="0"/>
+              <a:t>A pseudo-memcapacitive device can be formed by the memristors intrinsic parallel capacitance, and a series capacitor. This can significantly lower the power dissipation of the circuit because the signal is expressed as a voltage rather than a current. </a:t>
+            </a:r>
+          </a:p>
+          <a:p>
+            <a:pPr marL="0" lvl="2" indent="0" algn="just">
+              <a:spcBef>
+                <a:spcPts val="0"/>
+              </a:spcBef>
+              <a:buNone/>
+            </a:pPr>
+            <a:endParaRPr lang="en-US" dirty="0"/>
+          </a:p>
+          <a:p>
+            <a:pPr marL="0" lvl="2" indent="0" algn="just">
+              <a:spcBef>
+                <a:spcPts val="0"/>
+              </a:spcBef>
+              <a:buNone/>
+            </a:pPr>
+            <a:r>
+              <a:rPr lang="en-US" dirty="0"/>
+              <a:t>The pseudo-memcapacitor at the gate of a transistor, can be used in leaky integrate-and-fire neuron emulator. </a:t>
+            </a:r>
+          </a:p>
+          <a:p>
+            <a:pPr marL="0" lvl="2" indent="0" algn="just">
+              <a:spcBef>
+                <a:spcPts val="0"/>
+              </a:spcBef>
+              <a:buNone/>
+            </a:pPr>
+            <a:endParaRPr lang="en-US" dirty="0"/>
+          </a:p>
+          <a:p>
+            <a:pPr marL="0" lvl="2" indent="0" algn="just">
+              <a:spcBef>
+                <a:spcPts val="0"/>
+              </a:spcBef>
+              <a:buNone/>
+            </a:pPr>
+            <a:r>
+              <a:rPr lang="en-US" dirty="0"/>
+              <a:t> </a:t>
+            </a:r>
+          </a:p>
+        </p:txBody>
+      </p:sp>
+      <p:pic>
+        <p:nvPicPr>
+          <p:cNvPr id="5" name="Picture 4">
+            <a:extLst>
+              <a:ext uri="{FF2B5EF4-FFF2-40B4-BE49-F238E27FC236}">
+                <a16:creationId xmlns:a16="http://schemas.microsoft.com/office/drawing/2014/main" id="{16AC56F3-EDA7-C29D-5602-FD1556F683A9}"/>
+              </a:ext>
+            </a:extLst>
+          </p:cNvPr>
+          <p:cNvPicPr>
+            <a:picLocks noChangeAspect="1"/>
+          </p:cNvPicPr>
+          <p:nvPr/>
+        </p:nvPicPr>
+        <p:blipFill>
+          <a:blip r:embed="rId3"/>
+          <a:stretch>
+            <a:fillRect/>
+          </a:stretch>
+        </p:blipFill>
+        <p:spPr>
+          <a:xfrm>
+            <a:off x="3719037" y="2647322"/>
+            <a:ext cx="5222799" cy="2772322"/>
+          </a:xfrm>
+          <a:prstGeom prst="rect">
+            <a:avLst/>
+          </a:prstGeom>
+        </p:spPr>
+      </p:pic>
+      <p:sp>
+        <p:nvSpPr>
+          <p:cNvPr id="6" name="TextBox 5">
+            <a:extLst>
+              <a:ext uri="{FF2B5EF4-FFF2-40B4-BE49-F238E27FC236}">
+                <a16:creationId xmlns:a16="http://schemas.microsoft.com/office/drawing/2014/main" id="{3A7113EE-0626-BFE4-892B-BA17E4206E88}"/>
+              </a:ext>
+            </a:extLst>
+          </p:cNvPr>
+          <p:cNvSpPr txBox="1"/>
+          <p:nvPr/>
+        </p:nvSpPr>
+        <p:spPr>
+          <a:xfrm>
+            <a:off x="805656" y="5490746"/>
+            <a:ext cx="10580687" cy="338554"/>
+          </a:xfrm>
+          <a:prstGeom prst="rect">
+            <a:avLst/>
+          </a:prstGeom>
+          <a:noFill/>
+        </p:spPr>
+        <p:txBody>
+          <a:bodyPr wrap="square" rtlCol="0">
+            <a:spAutoFit/>
+          </a:bodyPr>
+          <a:lstStyle/>
+          <a:p>
+            <a:pPr algn="just"/>
+            <a:r>
+              <a:rPr lang="en-IN" sz="800" dirty="0"/>
+              <a:t>R. </a:t>
+            </a:r>
+            <a:r>
+              <a:rPr lang="en-IN" sz="800" dirty="0" err="1"/>
+              <a:t>Schroedter</a:t>
+            </a:r>
+            <a:r>
+              <a:rPr lang="en-IN" sz="800" dirty="0"/>
+              <a:t>, A. S. </a:t>
+            </a:r>
+            <a:r>
+              <a:rPr lang="en-IN" sz="800" dirty="0" err="1"/>
+              <a:t>Demirkol</a:t>
+            </a:r>
+            <a:r>
+              <a:rPr lang="en-IN" sz="800" dirty="0"/>
+              <a:t>, A. Ascoli, B. Max, F. </a:t>
+            </a:r>
+            <a:r>
+              <a:rPr lang="en-IN" sz="800" dirty="0" err="1"/>
+              <a:t>Nebe</a:t>
+            </a:r>
+            <a:r>
+              <a:rPr lang="en-IN" sz="800" dirty="0"/>
+              <a:t>, T. </a:t>
+            </a:r>
+            <a:r>
+              <a:rPr lang="en-IN" sz="800" dirty="0" err="1"/>
+              <a:t>Mikolajick</a:t>
+            </a:r>
+            <a:r>
+              <a:rPr lang="en-IN" sz="800" dirty="0"/>
+              <a:t>,  R. Tetzlaff, "</a:t>
+            </a:r>
+            <a:r>
+              <a:rPr lang="en-IN" sz="800" dirty="0">
+                <a:hlinkClick r:id="rId4"/>
+              </a:rPr>
+              <a:t>A pseudo-memcapacitive </a:t>
+            </a:r>
+            <a:r>
+              <a:rPr lang="en-IN" sz="800" dirty="0" err="1">
+                <a:hlinkClick r:id="rId4"/>
+              </a:rPr>
+              <a:t>neurotransistor</a:t>
+            </a:r>
+            <a:r>
+              <a:rPr lang="en-IN" sz="800" dirty="0">
+                <a:hlinkClick r:id="rId4"/>
+              </a:rPr>
+              <a:t> for spiking neural networks</a:t>
+            </a:r>
+            <a:r>
+              <a:rPr lang="en-IN" sz="800" dirty="0"/>
+              <a:t>", 12th International Conference on Modern Circuits and Systems Technologies (MOCAST) on Electronics and Communications, Athens, Greece, pp. 1-4, 2023, DOI: </a:t>
+            </a:r>
+            <a:r>
+              <a:rPr lang="en-IN" sz="800" dirty="0">
+                <a:hlinkClick r:id="rId4"/>
+              </a:rPr>
+              <a:t>10.1109/MOCAST57943.2023.10176398</a:t>
+            </a:r>
+            <a:endParaRPr lang="en-IN" sz="800" dirty="0"/>
           </a:p>
         </p:txBody>
       </p:sp>
@@ -12258,23 +12832,314 @@
             <p:ph sz="quarter" idx="10"/>
           </p:nvPr>
         </p:nvSpPr>
-        <p:spPr/>
+        <p:spPr>
+          <a:xfrm>
+            <a:off x="874711" y="922021"/>
+            <a:ext cx="10580688" cy="4907280"/>
+          </a:xfrm>
+        </p:spPr>
         <p:txBody>
           <a:bodyPr/>
           <a:lstStyle/>
           <a:p>
-            <a:pPr lvl="2">
+            <a:pPr marL="342900" lvl="2" indent="-342900" algn="just">
               <a:spcBef>
                 <a:spcPts val="0"/>
               </a:spcBef>
+              <a:buAutoNum type="arabicPeriod"/>
             </a:pPr>
             <a:r>
               <a:rPr lang="en-US" dirty="0"/>
-              <a:t>…</a:t>
-            </a:r>
-          </a:p>
-        </p:txBody>
-      </p:sp>
+              <a:t>Find a pulse input setting which realizes the neuron firing after integration through the transistor </a:t>
+            </a:r>
+            <a:r>
+              <a:rPr lang="en-IN" dirty="0"/>
+              <a:t>depending on memristor states in neuro-transistor</a:t>
+            </a:r>
+            <a:r>
+              <a:rPr lang="en-US" dirty="0"/>
+              <a:t>. </a:t>
+            </a:r>
+          </a:p>
+          <a:p>
+            <a:pPr marL="342900" lvl="2" indent="-342900" algn="just">
+              <a:spcBef>
+                <a:spcPts val="0"/>
+              </a:spcBef>
+              <a:buAutoNum type="arabicPeriod"/>
+            </a:pPr>
+            <a:r>
+              <a:rPr lang="en-US" dirty="0"/>
+              <a:t>Discuss the neuro-transistor in cascade to form a spiking neural network.</a:t>
+            </a:r>
+          </a:p>
+          <a:p>
+            <a:pPr marL="0" lvl="2" indent="0">
+              <a:spcBef>
+                <a:spcPts val="0"/>
+              </a:spcBef>
+              <a:buNone/>
+            </a:pPr>
+            <a:endParaRPr lang="en-US" dirty="0"/>
+          </a:p>
+          <a:p>
+            <a:pPr marL="0" lvl="2" indent="0">
+              <a:spcBef>
+                <a:spcPts val="0"/>
+              </a:spcBef>
+              <a:buNone/>
+            </a:pPr>
+            <a:endParaRPr lang="en-US" dirty="0"/>
+          </a:p>
+          <a:p>
+            <a:pPr marL="0" lvl="2" indent="0">
+              <a:spcBef>
+                <a:spcPts val="0"/>
+              </a:spcBef>
+              <a:buNone/>
+            </a:pPr>
+            <a:endParaRPr lang="en-US" dirty="0"/>
+          </a:p>
+        </p:txBody>
+      </p:sp>
+      <p:sp>
+        <p:nvSpPr>
+          <p:cNvPr id="9" name="TextBox 8">
+            <a:extLst>
+              <a:ext uri="{FF2B5EF4-FFF2-40B4-BE49-F238E27FC236}">
+                <a16:creationId xmlns:a16="http://schemas.microsoft.com/office/drawing/2014/main" id="{370ED483-1AEB-A68A-5049-FC5AAFFFB36D}"/>
+              </a:ext>
+            </a:extLst>
+          </p:cNvPr>
+          <p:cNvSpPr txBox="1"/>
+          <p:nvPr/>
+        </p:nvSpPr>
+        <p:spPr>
+          <a:xfrm>
+            <a:off x="874712" y="4790957"/>
+            <a:ext cx="4015340" cy="992579"/>
+          </a:xfrm>
+          <a:prstGeom prst="rect">
+            <a:avLst/>
+          </a:prstGeom>
+          <a:noFill/>
+        </p:spPr>
+        <p:txBody>
+          <a:bodyPr wrap="square" rtlCol="0">
+            <a:spAutoFit/>
+          </a:bodyPr>
+          <a:lstStyle/>
+          <a:p>
+            <a:pPr algn="just"/>
+            <a:r>
+              <a:rPr lang="en-IN" sz="1050" b="1" dirty="0">
+                <a:solidFill>
+                  <a:schemeClr val="accent1"/>
+                </a:solidFill>
+                <a:latin typeface="+mj-lt"/>
+                <a:ea typeface="+mj-ea"/>
+                <a:cs typeface="+mj-cs"/>
+              </a:rPr>
+              <a:t>Memristor</a:t>
+            </a:r>
+            <a:r>
+              <a:rPr lang="en-IN" sz="1050" b="1" dirty="0"/>
+              <a:t> </a:t>
+            </a:r>
+            <a:r>
+              <a:rPr lang="en-IN" sz="1050" b="1" dirty="0">
+                <a:solidFill>
+                  <a:schemeClr val="accent1"/>
+                </a:solidFill>
+                <a:latin typeface="+mj-lt"/>
+                <a:ea typeface="+mj-ea"/>
+                <a:cs typeface="+mj-cs"/>
+              </a:rPr>
+              <a:t>Model</a:t>
+            </a:r>
+          </a:p>
+          <a:p>
+            <a:pPr algn="just"/>
+            <a:r>
+              <a:rPr lang="en-IN" sz="800" dirty="0"/>
+              <a:t>R. </a:t>
+            </a:r>
+            <a:r>
+              <a:rPr lang="en-IN" sz="800" dirty="0" err="1"/>
+              <a:t>Schroedter</a:t>
+            </a:r>
+            <a:r>
+              <a:rPr lang="en-IN" sz="800" dirty="0"/>
+              <a:t>, A. S. </a:t>
+            </a:r>
+            <a:r>
+              <a:rPr lang="en-IN" sz="800" dirty="0" err="1"/>
+              <a:t>Demirkol</a:t>
+            </a:r>
+            <a:r>
+              <a:rPr lang="en-IN" sz="800" dirty="0"/>
+              <a:t>, A. Ascoli, R. Tetzlaff, E. </a:t>
+            </a:r>
+            <a:r>
+              <a:rPr lang="en-IN" sz="800" dirty="0" err="1"/>
+              <a:t>Mgeladze</a:t>
+            </a:r>
+            <a:r>
+              <a:rPr lang="en-IN" sz="800" dirty="0"/>
+              <a:t>, M. Herzig, S. </a:t>
+            </a:r>
+            <a:r>
+              <a:rPr lang="en-IN" sz="800" dirty="0" err="1"/>
+              <a:t>Slesazeck</a:t>
+            </a:r>
+            <a:r>
+              <a:rPr lang="en-IN" sz="800" dirty="0"/>
+              <a:t>, T. </a:t>
+            </a:r>
+            <a:r>
+              <a:rPr lang="en-IN" sz="800" dirty="0" err="1"/>
+              <a:t>Mikolajick</a:t>
+            </a:r>
+            <a:r>
+              <a:rPr lang="en-IN" sz="800" dirty="0"/>
+              <a:t>, "</a:t>
+            </a:r>
+            <a:r>
+              <a:rPr lang="en-IN" sz="800" dirty="0">
+                <a:hlinkClick r:id="rId3"/>
+              </a:rPr>
+              <a:t>SPICE Compact Model for an Analog Switching Niobium Oxide Memristor</a:t>
+            </a:r>
+            <a:r>
+              <a:rPr lang="en-IN" sz="800" dirty="0"/>
+              <a:t>", International Conference on Modern Circuits and Systems Technologies (MOCAST) on Electronics and Communications, Bremen, 2022</a:t>
+            </a:r>
+            <a:br>
+              <a:rPr lang="en-IN" sz="800" dirty="0"/>
+            </a:br>
+            <a:r>
+              <a:rPr lang="en-IN" sz="800" dirty="0"/>
+              <a:t>DOI: </a:t>
+            </a:r>
+            <a:r>
+              <a:rPr lang="en-IN" sz="800" dirty="0">
+                <a:hlinkClick r:id="rId4"/>
+              </a:rPr>
+              <a:t>10.1109/MOCAST54814.2022.9837726</a:t>
+            </a:r>
+            <a:endParaRPr lang="en-IN" sz="800" dirty="0"/>
+          </a:p>
+          <a:p>
+            <a:endParaRPr lang="en-IN" sz="800" dirty="0"/>
+          </a:p>
+        </p:txBody>
+      </p:sp>
+      <p:pic>
+        <p:nvPicPr>
+          <p:cNvPr id="5" name="Picture 4">
+            <a:extLst>
+              <a:ext uri="{FF2B5EF4-FFF2-40B4-BE49-F238E27FC236}">
+                <a16:creationId xmlns:a16="http://schemas.microsoft.com/office/drawing/2014/main" id="{A86862C6-BEA8-F102-316F-9E40EE4615B6}"/>
+              </a:ext>
+            </a:extLst>
+          </p:cNvPr>
+          <p:cNvPicPr>
+            <a:picLocks noChangeAspect="1"/>
+          </p:cNvPicPr>
+          <p:nvPr/>
+        </p:nvPicPr>
+        <p:blipFill>
+          <a:blip r:embed="rId5"/>
+          <a:stretch>
+            <a:fillRect/>
+          </a:stretch>
+        </p:blipFill>
+        <p:spPr>
+          <a:xfrm>
+            <a:off x="874712" y="1651999"/>
+            <a:ext cx="3164793" cy="3138958"/>
+          </a:xfrm>
+          <a:prstGeom prst="rect">
+            <a:avLst/>
+          </a:prstGeom>
+        </p:spPr>
+      </p:pic>
+      <p:sp>
+        <p:nvSpPr>
+          <p:cNvPr id="12" name="Arrow: Right 11">
+            <a:extLst>
+              <a:ext uri="{FF2B5EF4-FFF2-40B4-BE49-F238E27FC236}">
+                <a16:creationId xmlns:a16="http://schemas.microsoft.com/office/drawing/2014/main" id="{E1632924-3643-70ED-F231-F09FD34B1383}"/>
+              </a:ext>
+            </a:extLst>
+          </p:cNvPr>
+          <p:cNvSpPr/>
+          <p:nvPr/>
+        </p:nvSpPr>
+        <p:spPr>
+          <a:xfrm>
+            <a:off x="4419135" y="3142352"/>
+            <a:ext cx="620005" cy="554303"/>
+          </a:xfrm>
+          <a:prstGeom prst="rightArrow">
+            <a:avLst/>
+          </a:prstGeom>
+        </p:spPr>
+        <p:style>
+          <a:lnRef idx="2">
+            <a:schemeClr val="accent1">
+              <a:shade val="15000"/>
+            </a:schemeClr>
+          </a:lnRef>
+          <a:fillRef idx="1">
+            <a:schemeClr val="accent1"/>
+          </a:fillRef>
+          <a:effectRef idx="0">
+            <a:schemeClr val="accent1"/>
+          </a:effectRef>
+          <a:fontRef idx="minor">
+            <a:schemeClr val="lt1"/>
+          </a:fontRef>
+        </p:style>
+        <p:txBody>
+          <a:bodyPr rtlCol="0" anchor="ctr"/>
+          <a:lstStyle/>
+          <a:p>
+            <a:pPr algn="ctr"/>
+            <a:endParaRPr lang="en-IN"/>
+          </a:p>
+        </p:txBody>
+      </p:sp>
+      <p:pic>
+        <p:nvPicPr>
+          <p:cNvPr id="18" name="Picture 17">
+            <a:extLst>
+              <a:ext uri="{FF2B5EF4-FFF2-40B4-BE49-F238E27FC236}">
+                <a16:creationId xmlns:a16="http://schemas.microsoft.com/office/drawing/2014/main" id="{349971AC-CFE9-5D1E-9E7D-D281BD7C1A4E}"/>
+              </a:ext>
+            </a:extLst>
+          </p:cNvPr>
+          <p:cNvPicPr>
+            <a:picLocks noChangeAspect="1"/>
+          </p:cNvPicPr>
+          <p:nvPr/>
+        </p:nvPicPr>
+        <p:blipFill>
+          <a:blip r:embed="rId6"/>
+          <a:stretch>
+            <a:fillRect/>
+          </a:stretch>
+        </p:blipFill>
+        <p:spPr>
+          <a:xfrm>
+            <a:off x="5418772" y="1771387"/>
+            <a:ext cx="6036627" cy="4012149"/>
+          </a:xfrm>
+          <a:prstGeom prst="rect">
+            <a:avLst/>
+          </a:prstGeom>
+        </p:spPr>
+      </p:pic>
     </p:spTree>
     <p:custDataLst>
       <p:tags r:id="rId1"/>
@@ -12296,7 +13161,13 @@
   <p:cSld>
     <p:spTree>
       <p:nvGrpSpPr>
-        <p:cNvPr id="1" name=""/>
+        <p:cNvPr id="1" name="">
+          <a:extLst>
+            <a:ext uri="{FF2B5EF4-FFF2-40B4-BE49-F238E27FC236}">
+              <a16:creationId xmlns:a16="http://schemas.microsoft.com/office/drawing/2014/main" id="{8F9B1A69-B36F-29CC-FAEB-FF5E8158919C}"/>
+            </a:ext>
+          </a:extLst>
+        </p:cNvPr>
         <p:cNvGrpSpPr/>
         <p:nvPr/>
       </p:nvGrpSpPr>
@@ -12310,7 +13181,13 @@
       </p:grpSpPr>
       <p:sp>
         <p:nvSpPr>
-          <p:cNvPr id="3" name="Titel 2"/>
+          <p:cNvPr id="3" name="Titel 2">
+            <a:extLst>
+              <a:ext uri="{FF2B5EF4-FFF2-40B4-BE49-F238E27FC236}">
+                <a16:creationId xmlns:a16="http://schemas.microsoft.com/office/drawing/2014/main" id="{23FC96D5-BA3A-ED95-94BF-99A897E52815}"/>
+              </a:ext>
+            </a:extLst>
+          </p:cNvPr>
           <p:cNvSpPr>
             <a:spLocks noGrp="1"/>
           </p:cNvSpPr>
@@ -12324,9 +13201,12 @@
           <a:lstStyle/>
           <a:p>
             <a:r>
-              <a:rPr lang="en-US" dirty="0"/>
-              <a:t>Methods</a:t>
-            </a:r>
+              <a:rPr lang="en-US" b="1" dirty="0"/>
+              <a:t>Considerations and calculations:</a:t>
+            </a:r>
+            <a:br>
+              <a:rPr lang="en-US" b="1" dirty="0"/>
+            </a:br>
             <a:br>
               <a:rPr lang="en-US" dirty="0"/>
             </a:br>
@@ -12336,27 +13216,685 @@
       </p:sp>
       <p:sp>
         <p:nvSpPr>
-          <p:cNvPr id="2" name="Inhaltsplatzhalter 1"/>
-          <p:cNvSpPr>
-            <a:spLocks noGrp="1"/>
-          </p:cNvSpPr>
-          <p:nvPr>
-            <p:ph sz="quarter" idx="10"/>
-          </p:nvPr>
-        </p:nvSpPr>
-        <p:spPr/>
+          <p:cNvPr id="2" name="Inhaltsplatzhalter 1">
+            <a:extLst>
+              <a:ext uri="{FF2B5EF4-FFF2-40B4-BE49-F238E27FC236}">
+                <a16:creationId xmlns:a16="http://schemas.microsoft.com/office/drawing/2014/main" id="{6B126538-414A-70CA-173A-E587396C061C}"/>
+              </a:ext>
+            </a:extLst>
+          </p:cNvPr>
+          <p:cNvSpPr>
+            <a:spLocks noGrp="1"/>
+          </p:cNvSpPr>
+          <p:nvPr>
+            <p:ph sz="quarter" idx="13"/>
+          </p:nvPr>
+        </p:nvSpPr>
+        <p:spPr>
+          <a:xfrm>
+            <a:off x="874713" y="925975"/>
+            <a:ext cx="3398837" cy="4916025"/>
+          </a:xfrm>
+        </p:spPr>
         <p:txBody>
           <a:bodyPr/>
           <a:lstStyle/>
           <a:p>
-            <a:pPr lvl="2">
+            <a:pPr marL="342900" lvl="2" indent="-342900">
               <a:spcBef>
                 <a:spcPts val="0"/>
               </a:spcBef>
+              <a:buAutoNum type="arabicPeriod"/>
             </a:pPr>
             <a:r>
+              <a:rPr lang="el-GR" dirty="0"/>
+              <a:t>τ</a:t>
+            </a:r>
+            <a:r>
+              <a:rPr lang="en-IN" dirty="0"/>
+              <a:t>on = Ron(Cm + Cgs)</a:t>
+            </a:r>
+          </a:p>
+          <a:p>
+            <a:pPr marL="342900" lvl="2" indent="-342900">
+              <a:buFont typeface="Arial" panose="020B0604020202020204" pitchFamily="34" charset="0"/>
+              <a:buAutoNum type="arabicPeriod"/>
+            </a:pPr>
+            <a:r>
+              <a:rPr lang="el-GR" dirty="0"/>
+              <a:t>τ</a:t>
+            </a:r>
+            <a:r>
+              <a:rPr lang="en-IN" dirty="0"/>
+              <a:t>off = Roff(Cm + Cgs)</a:t>
+            </a:r>
+          </a:p>
+          <a:p>
+            <a:pPr marL="342900" lvl="2" indent="-342900">
+              <a:buFont typeface="Arial" panose="020B0604020202020204" pitchFamily="34" charset="0"/>
+              <a:buAutoNum type="arabicPeriod"/>
+            </a:pPr>
+            <a:r>
+              <a:rPr lang="en-IN" dirty="0"/>
+              <a:t>Roff/Ron &gt; 10</a:t>
+            </a:r>
+          </a:p>
+          <a:p>
+            <a:pPr marL="342900" lvl="2" indent="-342900">
+              <a:buFont typeface="Arial" panose="020B0604020202020204" pitchFamily="34" charset="0"/>
+              <a:buAutoNum type="arabicPeriod"/>
+            </a:pPr>
+            <a:r>
+              <a:rPr lang="en-IN" dirty="0"/>
+              <a:t>Cgs/Cm &gt; 5</a:t>
+            </a:r>
+          </a:p>
+          <a:p>
+            <a:pPr marL="0" lvl="2" indent="0">
+              <a:spcBef>
+                <a:spcPts val="0"/>
+              </a:spcBef>
+              <a:buNone/>
+            </a:pPr>
+            <a:endParaRPr lang="en-IN" dirty="0"/>
+          </a:p>
+        </p:txBody>
+      </p:sp>
+      <p:pic>
+        <p:nvPicPr>
+          <p:cNvPr id="9" name="Content Placeholder 8">
+            <a:extLst>
+              <a:ext uri="{FF2B5EF4-FFF2-40B4-BE49-F238E27FC236}">
+                <a16:creationId xmlns:a16="http://schemas.microsoft.com/office/drawing/2014/main" id="{59B700DE-D2CD-E63E-18CE-486BE9131A6C}"/>
+              </a:ext>
+            </a:extLst>
+          </p:cNvPr>
+          <p:cNvPicPr>
+            <a:picLocks noGrp="1" noChangeAspect="1"/>
+          </p:cNvPicPr>
+          <p:nvPr>
+            <p:ph sz="quarter" idx="14"/>
+          </p:nvPr>
+        </p:nvPicPr>
+        <p:blipFill>
+          <a:blip r:embed="rId3"/>
+          <a:stretch>
+            <a:fillRect/>
+          </a:stretch>
+        </p:blipFill>
+        <p:spPr>
+          <a:xfrm>
+            <a:off x="4387849" y="759001"/>
+            <a:ext cx="3416300" cy="2546157"/>
+          </a:xfrm>
+        </p:spPr>
+      </p:pic>
+      <p:sp>
+        <p:nvSpPr>
+          <p:cNvPr id="7" name="Content Placeholder 6">
+            <a:extLst>
+              <a:ext uri="{FF2B5EF4-FFF2-40B4-BE49-F238E27FC236}">
+                <a16:creationId xmlns:a16="http://schemas.microsoft.com/office/drawing/2014/main" id="{CE0F5865-0709-4BBE-2869-D5CAA8F8B34B}"/>
+              </a:ext>
+            </a:extLst>
+          </p:cNvPr>
+          <p:cNvSpPr>
+            <a:spLocks noGrp="1"/>
+          </p:cNvSpPr>
+          <p:nvPr>
+            <p:ph sz="quarter" idx="15"/>
+          </p:nvPr>
+        </p:nvSpPr>
+        <p:spPr>
+          <a:xfrm>
+            <a:off x="8070849" y="925975"/>
+            <a:ext cx="3617567" cy="4916025"/>
+          </a:xfrm>
+        </p:spPr>
+        <p:txBody>
+          <a:bodyPr/>
+          <a:lstStyle/>
+          <a:p>
+            <a:pPr algn="just"/>
+            <a:r>
               <a:rPr lang="en-US" dirty="0"/>
-              <a:t>…</a:t>
+              <a:t>Calculation:</a:t>
+            </a:r>
+          </a:p>
+          <a:p>
+            <a:endParaRPr lang="en-US" dirty="0"/>
+          </a:p>
+          <a:p>
+            <a:r>
+              <a:rPr lang="en-IN" sz="1600" b="0" dirty="0" err="1">
+                <a:solidFill>
+                  <a:schemeClr val="accent1"/>
+                </a:solidFill>
+              </a:rPr>
+              <a:t>Ceff</a:t>
+            </a:r>
+            <a:r>
+              <a:rPr lang="en-IN" sz="1600" b="0" dirty="0">
+                <a:solidFill>
+                  <a:schemeClr val="accent1"/>
+                </a:solidFill>
+              </a:rPr>
+              <a:t> = Cm + Cgs </a:t>
+            </a:r>
+          </a:p>
+          <a:p>
+            <a:r>
+              <a:rPr lang="en-IN" b="0" dirty="0"/>
+              <a:t>         = (100pF x 10pF)/ (100pF + 10pF)</a:t>
+            </a:r>
+            <a:endParaRPr lang="en-IN" sz="1600" b="0" dirty="0">
+              <a:solidFill>
+                <a:schemeClr val="accent1"/>
+              </a:solidFill>
+            </a:endParaRPr>
+          </a:p>
+          <a:p>
+            <a:r>
+              <a:rPr lang="en-IN" dirty="0"/>
+              <a:t>         </a:t>
+            </a:r>
+            <a:r>
+              <a:rPr lang="en-IN" sz="1600" dirty="0">
+                <a:solidFill>
+                  <a:schemeClr val="accent1"/>
+                </a:solidFill>
+              </a:rPr>
+              <a:t>= 9.09 pF</a:t>
+            </a:r>
+            <a:endParaRPr lang="en-US" sz="1600" dirty="0">
+              <a:solidFill>
+                <a:schemeClr val="accent1"/>
+              </a:solidFill>
+            </a:endParaRPr>
+          </a:p>
+          <a:p>
+            <a:endParaRPr lang="en-US" dirty="0"/>
+          </a:p>
+          <a:p>
+            <a:endParaRPr lang="en-US" dirty="0"/>
+          </a:p>
+          <a:p>
+            <a:pPr algn="just"/>
+            <a:r>
+              <a:rPr lang="el-GR" b="0" dirty="0"/>
+              <a:t>τ</a:t>
+            </a:r>
+            <a:r>
+              <a:rPr lang="en-IN" b="0" dirty="0"/>
+              <a:t>on = Ron(Cm + Cgs)</a:t>
+            </a:r>
+          </a:p>
+          <a:p>
+            <a:pPr algn="just"/>
+            <a:r>
+              <a:rPr lang="en-IN" dirty="0"/>
+              <a:t> </a:t>
+            </a:r>
+            <a:r>
+              <a:rPr lang="en-IN" b="0" dirty="0"/>
+              <a:t>       = </a:t>
+            </a:r>
+            <a:r>
+              <a:rPr lang="en-US" sz="1600" b="0" dirty="0">
+                <a:solidFill>
+                  <a:schemeClr val="accent1"/>
+                </a:solidFill>
+              </a:rPr>
+              <a:t>53 k</a:t>
+            </a:r>
+            <a:r>
+              <a:rPr lang="el-GR" sz="1600" b="0" dirty="0">
+                <a:solidFill>
+                  <a:schemeClr val="accent1"/>
+                </a:solidFill>
+              </a:rPr>
+              <a:t>Ω</a:t>
+            </a:r>
+            <a:r>
+              <a:rPr lang="en-US" sz="1600" b="0" dirty="0">
+                <a:solidFill>
+                  <a:schemeClr val="accent1"/>
+                </a:solidFill>
+              </a:rPr>
+              <a:t> x </a:t>
+            </a:r>
+            <a:r>
+              <a:rPr lang="en-IN" sz="1600" b="0" dirty="0">
+                <a:solidFill>
+                  <a:schemeClr val="accent1"/>
+                </a:solidFill>
+              </a:rPr>
+              <a:t>9.09 pF</a:t>
+            </a:r>
+          </a:p>
+          <a:p>
+            <a:pPr algn="just"/>
+            <a:r>
+              <a:rPr lang="en-IN" dirty="0"/>
+              <a:t>        = 0.48181</a:t>
+            </a:r>
+            <a:r>
+              <a:rPr lang="el-GR" dirty="0"/>
+              <a:t> μ</a:t>
+            </a:r>
+            <a:r>
+              <a:rPr lang="en-IN" dirty="0"/>
+              <a:t>s</a:t>
+            </a:r>
+          </a:p>
+          <a:p>
+            <a:pPr algn="just"/>
+            <a:endParaRPr lang="en-IN" dirty="0"/>
+          </a:p>
+          <a:p>
+            <a:pPr algn="just"/>
+            <a:endParaRPr lang="en-IN" dirty="0"/>
+          </a:p>
+          <a:p>
+            <a:pPr algn="just"/>
+            <a:r>
+              <a:rPr lang="el-GR" b="0" dirty="0"/>
+              <a:t>τ</a:t>
+            </a:r>
+            <a:r>
+              <a:rPr lang="en-IN" b="0" dirty="0"/>
+              <a:t>off = Roff(Cm + Cgs)</a:t>
+            </a:r>
+          </a:p>
+          <a:p>
+            <a:pPr algn="just"/>
+            <a:r>
+              <a:rPr lang="en-IN" b="0" dirty="0"/>
+              <a:t>        = </a:t>
+            </a:r>
+            <a:r>
+              <a:rPr lang="en-IN" sz="1600" b="0" dirty="0">
+                <a:solidFill>
+                  <a:schemeClr val="accent1"/>
+                </a:solidFill>
+              </a:rPr>
+              <a:t>247 k</a:t>
+            </a:r>
+            <a:r>
+              <a:rPr lang="el-GR" sz="1600" b="0" dirty="0">
+                <a:solidFill>
+                  <a:schemeClr val="accent1"/>
+                </a:solidFill>
+              </a:rPr>
+              <a:t>Ω</a:t>
+            </a:r>
+            <a:r>
+              <a:rPr lang="en-US" sz="1600" b="0" dirty="0">
+                <a:solidFill>
+                  <a:schemeClr val="accent1"/>
+                </a:solidFill>
+              </a:rPr>
+              <a:t> x </a:t>
+            </a:r>
+            <a:r>
+              <a:rPr lang="en-IN" sz="1600" b="0" dirty="0">
+                <a:solidFill>
+                  <a:schemeClr val="accent1"/>
+                </a:solidFill>
+              </a:rPr>
+              <a:t>9.09 pF</a:t>
+            </a:r>
+          </a:p>
+          <a:p>
+            <a:pPr algn="just"/>
+            <a:r>
+              <a:rPr lang="en-IN" dirty="0"/>
+              <a:t>        = 2.245 </a:t>
+            </a:r>
+            <a:r>
+              <a:rPr lang="el-GR" dirty="0"/>
+              <a:t>μ</a:t>
+            </a:r>
+            <a:r>
+              <a:rPr lang="en-IN" dirty="0"/>
+              <a:t>s</a:t>
+            </a:r>
+          </a:p>
+          <a:p>
+            <a:endParaRPr lang="en-IN" dirty="0"/>
+          </a:p>
+        </p:txBody>
+      </p:sp>
+      <p:pic>
+        <p:nvPicPr>
+          <p:cNvPr id="5" name="Picture 4">
+            <a:extLst>
+              <a:ext uri="{FF2B5EF4-FFF2-40B4-BE49-F238E27FC236}">
+                <a16:creationId xmlns:a16="http://schemas.microsoft.com/office/drawing/2014/main" id="{42BCC59D-534C-A134-4F11-5AF0F5D44689}"/>
+              </a:ext>
+            </a:extLst>
+          </p:cNvPr>
+          <p:cNvPicPr>
+            <a:picLocks noChangeAspect="1"/>
+          </p:cNvPicPr>
+          <p:nvPr/>
+        </p:nvPicPr>
+        <p:blipFill>
+          <a:blip r:embed="rId4"/>
+          <a:stretch>
+            <a:fillRect/>
+          </a:stretch>
+        </p:blipFill>
+        <p:spPr>
+          <a:xfrm>
+            <a:off x="874712" y="2040738"/>
+            <a:ext cx="3280600" cy="2561079"/>
+          </a:xfrm>
+          <a:prstGeom prst="rect">
+            <a:avLst/>
+          </a:prstGeom>
+        </p:spPr>
+      </p:pic>
+      <p:sp>
+        <p:nvSpPr>
+          <p:cNvPr id="8" name="TextBox 7">
+            <a:extLst>
+              <a:ext uri="{FF2B5EF4-FFF2-40B4-BE49-F238E27FC236}">
+                <a16:creationId xmlns:a16="http://schemas.microsoft.com/office/drawing/2014/main" id="{B1563B4E-EE14-B509-E0B0-A15A69DBE820}"/>
+              </a:ext>
+            </a:extLst>
+          </p:cNvPr>
+          <p:cNvSpPr txBox="1"/>
+          <p:nvPr/>
+        </p:nvSpPr>
+        <p:spPr>
+          <a:xfrm>
+            <a:off x="874712" y="5011003"/>
+            <a:ext cx="3280599" cy="830997"/>
+          </a:xfrm>
+          <a:prstGeom prst="rect">
+            <a:avLst/>
+          </a:prstGeom>
+          <a:noFill/>
+        </p:spPr>
+        <p:txBody>
+          <a:bodyPr wrap="square" rtlCol="0">
+            <a:spAutoFit/>
+          </a:bodyPr>
+          <a:lstStyle/>
+          <a:p>
+            <a:pPr algn="just"/>
+            <a:r>
+              <a:rPr lang="en-IN" sz="800" dirty="0"/>
+              <a:t>R. </a:t>
+            </a:r>
+            <a:r>
+              <a:rPr lang="en-IN" sz="800" dirty="0" err="1"/>
+              <a:t>Schroedter</a:t>
+            </a:r>
+            <a:r>
+              <a:rPr lang="en-IN" sz="800" dirty="0"/>
+              <a:t>, A. S. </a:t>
+            </a:r>
+            <a:r>
+              <a:rPr lang="en-IN" sz="800" dirty="0" err="1"/>
+              <a:t>Demirkol</a:t>
+            </a:r>
+            <a:r>
+              <a:rPr lang="en-IN" sz="800" dirty="0"/>
+              <a:t>, A. Ascoli, B. Max, F. </a:t>
+            </a:r>
+            <a:r>
+              <a:rPr lang="en-IN" sz="800" dirty="0" err="1"/>
+              <a:t>Nebe</a:t>
+            </a:r>
+            <a:r>
+              <a:rPr lang="en-IN" sz="800" dirty="0"/>
+              <a:t>, T. </a:t>
+            </a:r>
+            <a:r>
+              <a:rPr lang="en-IN" sz="800" dirty="0" err="1"/>
+              <a:t>Mikolajick</a:t>
+            </a:r>
+            <a:r>
+              <a:rPr lang="en-IN" sz="800" dirty="0"/>
+              <a:t>,  R. Tetzlaff, "</a:t>
+            </a:r>
+            <a:r>
+              <a:rPr lang="en-IN" sz="800" dirty="0">
+                <a:hlinkClick r:id="rId5"/>
+              </a:rPr>
+              <a:t>A pseudo-memcapacitive </a:t>
+            </a:r>
+            <a:r>
+              <a:rPr lang="en-IN" sz="800" dirty="0" err="1">
+                <a:hlinkClick r:id="rId5"/>
+              </a:rPr>
+              <a:t>neurotransistor</a:t>
+            </a:r>
+            <a:r>
+              <a:rPr lang="en-IN" sz="800" dirty="0">
+                <a:hlinkClick r:id="rId5"/>
+              </a:rPr>
+              <a:t> for spiking neural networks</a:t>
+            </a:r>
+            <a:r>
+              <a:rPr lang="en-IN" sz="800" dirty="0"/>
+              <a:t>", 12th International Conference on Modern Circuits and Systems Technologies (MOCAST) on Electronics and Communications, Athens, Greece, pp. 1-4, 2023, DOI: </a:t>
+            </a:r>
+            <a:r>
+              <a:rPr lang="en-IN" sz="800" dirty="0">
+                <a:hlinkClick r:id="rId5"/>
+              </a:rPr>
+              <a:t>10.1109/MOCAST57943.2023.10176398</a:t>
+            </a:r>
+            <a:endParaRPr lang="en-IN" sz="800" dirty="0"/>
+          </a:p>
+        </p:txBody>
+      </p:sp>
+      <p:sp>
+        <p:nvSpPr>
+          <p:cNvPr id="10" name="TextBox 9">
+            <a:extLst>
+              <a:ext uri="{FF2B5EF4-FFF2-40B4-BE49-F238E27FC236}">
+                <a16:creationId xmlns:a16="http://schemas.microsoft.com/office/drawing/2014/main" id="{5D127641-4743-0853-C404-96F2C68C828B}"/>
+              </a:ext>
+            </a:extLst>
+          </p:cNvPr>
+          <p:cNvSpPr txBox="1"/>
+          <p:nvPr/>
+        </p:nvSpPr>
+        <p:spPr>
+          <a:xfrm>
+            <a:off x="4387849" y="3647918"/>
+            <a:ext cx="3416299" cy="830997"/>
+          </a:xfrm>
+          <a:prstGeom prst="rect">
+            <a:avLst/>
+          </a:prstGeom>
+          <a:noFill/>
+        </p:spPr>
+        <p:txBody>
+          <a:bodyPr wrap="square" rtlCol="0">
+            <a:spAutoFit/>
+          </a:bodyPr>
+          <a:lstStyle/>
+          <a:p>
+            <a:pPr algn="just"/>
+            <a:r>
+              <a:rPr lang="en-IN" sz="800" dirty="0"/>
+              <a:t>R. </a:t>
+            </a:r>
+            <a:r>
+              <a:rPr lang="en-IN" sz="800" dirty="0" err="1"/>
+              <a:t>Schroedter</a:t>
+            </a:r>
+            <a:r>
+              <a:rPr lang="en-IN" sz="800" dirty="0"/>
+              <a:t>, A. S. </a:t>
+            </a:r>
+            <a:r>
+              <a:rPr lang="en-IN" sz="800" dirty="0" err="1"/>
+              <a:t>Demirkol</a:t>
+            </a:r>
+            <a:r>
+              <a:rPr lang="en-IN" sz="800" dirty="0"/>
+              <a:t>, A. Ascoli, R. Tetzlaff, E. </a:t>
+            </a:r>
+            <a:r>
+              <a:rPr lang="en-IN" sz="800" dirty="0" err="1"/>
+              <a:t>Mgeladze</a:t>
+            </a:r>
+            <a:r>
+              <a:rPr lang="en-IN" sz="800" dirty="0"/>
+              <a:t>, M. Herzig, S. </a:t>
+            </a:r>
+            <a:r>
+              <a:rPr lang="en-IN" sz="800" dirty="0" err="1"/>
+              <a:t>Slesazeck</a:t>
+            </a:r>
+            <a:r>
+              <a:rPr lang="en-IN" sz="800" dirty="0"/>
+              <a:t>, T. </a:t>
+            </a:r>
+            <a:r>
+              <a:rPr lang="en-IN" sz="800" dirty="0" err="1"/>
+              <a:t>Mikolajick</a:t>
+            </a:r>
+            <a:r>
+              <a:rPr lang="en-IN" sz="800" dirty="0"/>
+              <a:t>, "</a:t>
+            </a:r>
+            <a:r>
+              <a:rPr lang="en-IN" sz="800" dirty="0">
+                <a:hlinkClick r:id="rId6"/>
+              </a:rPr>
+              <a:t>SPICE Compact Model for an Analog Switching Niobium Oxide Memristor</a:t>
+            </a:r>
+            <a:r>
+              <a:rPr lang="en-IN" sz="800" dirty="0"/>
+              <a:t>", International Conference on Modern Circuits and Systems Technologies (MOCAST) on Electronics and Communications, Bremen, 2022</a:t>
+            </a:r>
+            <a:br>
+              <a:rPr lang="en-IN" sz="800" dirty="0"/>
+            </a:br>
+            <a:r>
+              <a:rPr lang="en-IN" sz="800" dirty="0"/>
+              <a:t>DOI: </a:t>
+            </a:r>
+            <a:r>
+              <a:rPr lang="en-IN" sz="800" dirty="0">
+                <a:hlinkClick r:id="rId7"/>
+              </a:rPr>
+              <a:t>10.1109/MOCAST54814.2022.9837726</a:t>
+            </a:r>
+            <a:endParaRPr lang="en-IN" sz="800" dirty="0"/>
+          </a:p>
+        </p:txBody>
+      </p:sp>
+      <p:sp>
+        <p:nvSpPr>
+          <p:cNvPr id="14" name="TextBox 13">
+            <a:extLst>
+              <a:ext uri="{FF2B5EF4-FFF2-40B4-BE49-F238E27FC236}">
+                <a16:creationId xmlns:a16="http://schemas.microsoft.com/office/drawing/2014/main" id="{385EE477-B903-82C7-B4F1-9CC97A8021DF}"/>
+              </a:ext>
+            </a:extLst>
+          </p:cNvPr>
+          <p:cNvSpPr txBox="1"/>
+          <p:nvPr/>
+        </p:nvSpPr>
+        <p:spPr>
+          <a:xfrm>
+            <a:off x="4387850" y="4760677"/>
+            <a:ext cx="3301724" cy="1077218"/>
+          </a:xfrm>
+          <a:prstGeom prst="rect">
+            <a:avLst/>
+          </a:prstGeom>
+          <a:noFill/>
+        </p:spPr>
+        <p:txBody>
+          <a:bodyPr wrap="square" rtlCol="0">
+            <a:spAutoFit/>
+          </a:bodyPr>
+          <a:lstStyle/>
+          <a:p>
+            <a:pPr marL="0" lvl="2" defTabSz="914269"/>
+            <a:r>
+              <a:rPr lang="en-US" sz="1600" b="1" dirty="0">
+                <a:solidFill>
+                  <a:schemeClr val="accent1"/>
+                </a:solidFill>
+              </a:rPr>
+              <a:t>Values:</a:t>
+            </a:r>
+          </a:p>
+          <a:p>
+            <a:pPr marL="0" lvl="2" defTabSz="914269"/>
+            <a:r>
+              <a:rPr lang="en-US" sz="1600" dirty="0">
+                <a:solidFill>
+                  <a:schemeClr val="accent1"/>
+                </a:solidFill>
+              </a:rPr>
+              <a:t>Ron at 1V = 53k</a:t>
+            </a:r>
+            <a:r>
+              <a:rPr lang="el-GR" sz="1600" dirty="0">
+                <a:solidFill>
+                  <a:schemeClr val="accent1"/>
+                </a:solidFill>
+              </a:rPr>
+              <a:t>Ω</a:t>
+            </a:r>
+            <a:endParaRPr lang="en-US" sz="1600" dirty="0">
+              <a:solidFill>
+                <a:schemeClr val="accent1"/>
+              </a:solidFill>
+            </a:endParaRPr>
+          </a:p>
+          <a:p>
+            <a:pPr marL="0" lvl="2" defTabSz="914269"/>
+            <a:r>
+              <a:rPr lang="en-US" sz="1600" dirty="0">
+                <a:solidFill>
+                  <a:schemeClr val="accent1"/>
+                </a:solidFill>
+              </a:rPr>
+              <a:t>Roff at 1V = </a:t>
+            </a:r>
+            <a:r>
+              <a:rPr lang="en-IN" sz="1600" dirty="0">
+                <a:solidFill>
+                  <a:schemeClr val="accent1"/>
+                </a:solidFill>
+              </a:rPr>
+              <a:t>247k</a:t>
+            </a:r>
+            <a:r>
+              <a:rPr lang="el-GR" sz="1600" dirty="0">
+                <a:solidFill>
+                  <a:schemeClr val="accent1"/>
+                </a:solidFill>
+              </a:rPr>
+              <a:t>Ω</a:t>
+            </a:r>
+            <a:endParaRPr lang="en-US" sz="1600" dirty="0">
+              <a:solidFill>
+                <a:schemeClr val="accent1"/>
+              </a:solidFill>
+            </a:endParaRPr>
+          </a:p>
+          <a:p>
+            <a:pPr marL="0" lvl="2" defTabSz="914269"/>
+            <a:r>
+              <a:rPr lang="en-US" sz="1600" dirty="0">
+                <a:solidFill>
+                  <a:schemeClr val="accent1"/>
+                </a:solidFill>
+              </a:rPr>
+              <a:t>Cgs = 100pF and Cm = 10pF</a:t>
             </a:r>
           </a:p>
         </p:txBody>
@@ -12367,7 +13905,7 @@
     </p:custDataLst>
     <p:extLst>
       <p:ext uri="{BB962C8B-B14F-4D97-AF65-F5344CB8AC3E}">
-        <p14:creationId xmlns:p14="http://schemas.microsoft.com/office/powerpoint/2010/main" val="3672372848"/>
+        <p14:creationId xmlns:p14="http://schemas.microsoft.com/office/powerpoint/2010/main" val="3232030493"/>
       </p:ext>
     </p:extLst>
   </p:cSld>
@@ -12396,7 +13934,13 @@
       </p:grpSpPr>
       <p:sp>
         <p:nvSpPr>
-          <p:cNvPr id="3" name="Titel 2"/>
+          <p:cNvPr id="2" name="Title 1">
+            <a:extLst>
+              <a:ext uri="{FF2B5EF4-FFF2-40B4-BE49-F238E27FC236}">
+                <a16:creationId xmlns:a16="http://schemas.microsoft.com/office/drawing/2014/main" id="{C0B0BF99-23D0-BC87-A497-465C33380B7C}"/>
+              </a:ext>
+            </a:extLst>
+          </p:cNvPr>
           <p:cNvSpPr>
             <a:spLocks noGrp="1"/>
           </p:cNvSpPr>
@@ -12411,49 +13955,429 @@
           <a:p>
             <a:r>
               <a:rPr lang="en-US" dirty="0"/>
-              <a:t>Solution and results</a:t>
-            </a:r>
-            <a:br>
-              <a:rPr lang="en-US" dirty="0"/>
-            </a:br>
-            <a:endParaRPr lang="en-US" b="0" dirty="0"/>
-          </a:p>
-        </p:txBody>
-      </p:sp>
-      <p:sp>
-        <p:nvSpPr>
-          <p:cNvPr id="2" name="Inhaltsplatzhalter 1"/>
-          <p:cNvSpPr>
-            <a:spLocks noGrp="1"/>
-          </p:cNvSpPr>
-          <p:nvPr>
-            <p:ph sz="quarter" idx="10"/>
-          </p:nvPr>
-        </p:nvSpPr>
-        <p:spPr/>
+              <a:t>Approach</a:t>
+            </a:r>
+            <a:endParaRPr lang="en-IN" dirty="0"/>
+          </a:p>
+        </p:txBody>
+      </p:sp>
+      <p:sp>
+        <p:nvSpPr>
+          <p:cNvPr id="4" name="Content Placeholder 3">
+            <a:extLst>
+              <a:ext uri="{FF2B5EF4-FFF2-40B4-BE49-F238E27FC236}">
+                <a16:creationId xmlns:a16="http://schemas.microsoft.com/office/drawing/2014/main" id="{A4241FF2-E734-E7F8-9863-27643C8D1532}"/>
+              </a:ext>
+            </a:extLst>
+          </p:cNvPr>
+          <p:cNvSpPr>
+            <a:spLocks noGrp="1"/>
+          </p:cNvSpPr>
+          <p:nvPr>
+            <p:ph sz="quarter" idx="14"/>
+          </p:nvPr>
+        </p:nvSpPr>
+        <p:spPr>
+          <a:xfrm>
+            <a:off x="874713" y="1030289"/>
+            <a:ext cx="5195887" cy="4811712"/>
+          </a:xfrm>
+        </p:spPr>
         <p:txBody>
           <a:bodyPr/>
           <a:lstStyle/>
           <a:p>
-            <a:pPr lvl="2">
+            <a:pPr algn="just"/>
+            <a:r>
+              <a:rPr lang="en-IN" dirty="0"/>
+              <a:t>Steps for Problem 1</a:t>
+            </a:r>
+          </a:p>
+          <a:p>
+            <a:pPr algn="just"/>
+            <a:endParaRPr lang="en-IN" sz="800" dirty="0"/>
+          </a:p>
+          <a:p>
+            <a:pPr marL="342900" indent="-342900" algn="just">
+              <a:buAutoNum type="arabicPeriod"/>
+            </a:pPr>
+            <a:r>
+              <a:rPr lang="en-IN" b="0" dirty="0"/>
+              <a:t>Input pulse setting for single neuro-transistor.</a:t>
+            </a:r>
+          </a:p>
+          <a:p>
+            <a:pPr marL="342900" indent="-342900" algn="just">
+              <a:buFont typeface="Arial" panose="020B0604020202020204" pitchFamily="34" charset="0"/>
+              <a:buAutoNum type="arabicPeriod"/>
+            </a:pPr>
+            <a:r>
+              <a:rPr lang="en-IN" b="0" dirty="0"/>
+              <a:t>Input pulse setting for 3x1 neuro-transistor.</a:t>
+            </a:r>
+          </a:p>
+          <a:p>
+            <a:pPr marL="342900" indent="-342900" algn="just">
+              <a:buFont typeface="Arial" panose="020B0604020202020204" pitchFamily="34" charset="0"/>
+              <a:buAutoNum type="arabicPeriod"/>
+            </a:pPr>
+            <a:r>
+              <a:rPr lang="en-IN" b="0" dirty="0"/>
+              <a:t>Input pulse setting for 3x3 neuro-transistor.</a:t>
+            </a:r>
+          </a:p>
+          <a:p>
+            <a:pPr marL="342900" indent="-342900" algn="just">
+              <a:buAutoNum type="arabicPeriod"/>
+            </a:pPr>
+            <a:endParaRPr lang="en-IN" b="0" dirty="0"/>
+          </a:p>
+          <a:p>
+            <a:pPr algn="just"/>
+            <a:r>
+              <a:rPr lang="en-IN" dirty="0"/>
+              <a:t>Sweeping Values:</a:t>
+            </a:r>
+          </a:p>
+          <a:p>
+            <a:pPr algn="just"/>
+            <a:endParaRPr lang="en-IN" sz="800" b="0" dirty="0"/>
+          </a:p>
+          <a:p>
+            <a:pPr marL="342900" indent="-342900" algn="just">
+              <a:buAutoNum type="arabicPeriod"/>
+            </a:pPr>
+            <a:r>
+              <a:rPr lang="en-IN" b="0" dirty="0"/>
+              <a:t>Voltage : 0.8V, 1V, 1.2V</a:t>
+            </a:r>
+          </a:p>
+          <a:p>
+            <a:pPr marL="342900" indent="-342900" algn="just">
+              <a:buAutoNum type="arabicPeriod"/>
+            </a:pPr>
+            <a:r>
+              <a:rPr lang="en-IN" b="0" dirty="0"/>
+              <a:t>Ton : 1us, 2us, 3us</a:t>
+            </a:r>
+          </a:p>
+          <a:p>
+            <a:pPr marL="342900" indent="-342900" algn="just">
+              <a:buAutoNum type="arabicPeriod"/>
+            </a:pPr>
+            <a:r>
+              <a:rPr lang="en-IN" b="0" dirty="0" err="1"/>
+              <a:t>Tperiod</a:t>
+            </a:r>
+            <a:r>
+              <a:rPr lang="en-IN" b="0" dirty="0"/>
+              <a:t> : 10us, 50us, 100us</a:t>
+            </a:r>
+          </a:p>
+          <a:p>
+            <a:pPr marL="342900" indent="-342900" algn="just">
+              <a:buAutoNum type="arabicPeriod"/>
+            </a:pPr>
+            <a:r>
+              <a:rPr lang="en-IN" b="0" dirty="0"/>
+              <a:t>State : 0.1, 0.192, 0.284</a:t>
+            </a:r>
+          </a:p>
+          <a:p>
+            <a:pPr marL="342900" indent="-342900" algn="just">
+              <a:buAutoNum type="arabicPeriod"/>
+            </a:pPr>
+            <a:endParaRPr lang="en-IN" sz="800" b="0" dirty="0"/>
+          </a:p>
+          <a:p>
+            <a:pPr marL="342900" indent="-342900" algn="just">
+              <a:buAutoNum type="arabicPeriod"/>
+            </a:pPr>
+            <a:endParaRPr lang="en-IN" sz="800" b="0" dirty="0"/>
+          </a:p>
+          <a:p>
+            <a:pPr algn="just"/>
+            <a:r>
+              <a:rPr lang="en-IN" dirty="0"/>
+              <a:t>NOTE: </a:t>
+            </a:r>
+            <a:r>
+              <a:rPr lang="en-IN" b="0" dirty="0" err="1"/>
+              <a:t>PyLTSpice</a:t>
+            </a:r>
+            <a:r>
+              <a:rPr lang="en-IN" b="0" dirty="0"/>
+              <a:t> library is used to automate multiple run. </a:t>
+            </a:r>
+          </a:p>
+          <a:p>
+            <a:endParaRPr lang="en-IN" dirty="0"/>
+          </a:p>
+        </p:txBody>
+      </p:sp>
+      <p:sp>
+        <p:nvSpPr>
+          <p:cNvPr id="9" name="Content Placeholder 3">
+            <a:extLst>
+              <a:ext uri="{FF2B5EF4-FFF2-40B4-BE49-F238E27FC236}">
+                <a16:creationId xmlns:a16="http://schemas.microsoft.com/office/drawing/2014/main" id="{ED898542-BF3B-57D3-6370-C73E9615DB66}"/>
+              </a:ext>
+            </a:extLst>
+          </p:cNvPr>
+          <p:cNvSpPr txBox="1">
+            <a:spLocks/>
+          </p:cNvSpPr>
+          <p:nvPr/>
+        </p:nvSpPr>
+        <p:spPr>
+          <a:xfrm>
+            <a:off x="6259512" y="1030289"/>
+            <a:ext cx="5195887" cy="4811712"/>
+          </a:xfrm>
+          <a:prstGeom prst="rect">
+            <a:avLst/>
+          </a:prstGeom>
+          <a:ln>
+            <a:noFill/>
+          </a:ln>
+        </p:spPr>
+        <p:txBody>
+          <a:bodyPr vert="horz" lIns="0" tIns="0" rIns="0" bIns="0" rtlCol="0">
+            <a:noAutofit/>
+          </a:bodyPr>
+          <a:lstStyle>
+            <a:lvl1pPr marL="0" indent="0" algn="l" defTabSz="914269" rtl="0" eaLnBrk="1" latinLnBrk="0" hangingPunct="1">
+              <a:spcBef>
+                <a:spcPts val="600"/>
+              </a:spcBef>
+              <a:buFont typeface="Arial" panose="020B0604020202020204" pitchFamily="34" charset="0"/>
+              <a:buNone/>
+              <a:defRPr sz="1600" b="1" kern="1200">
+                <a:solidFill>
+                  <a:schemeClr val="accent1"/>
+                </a:solidFill>
+                <a:latin typeface="+mn-lt"/>
+                <a:ea typeface="+mn-ea"/>
+                <a:cs typeface="+mn-cs"/>
+              </a:defRPr>
+            </a:lvl1pPr>
+            <a:lvl2pPr marL="0" indent="0" algn="l" defTabSz="914269" rtl="0" eaLnBrk="1" latinLnBrk="0" hangingPunct="1">
+              <a:spcBef>
+                <a:spcPts val="600"/>
+              </a:spcBef>
+              <a:buFont typeface="Open Sans" panose="020B0606030504020204" pitchFamily="34" charset="0"/>
+              <a:buNone/>
+              <a:defRPr sz="1600" kern="1200" baseline="0">
+                <a:solidFill>
+                  <a:schemeClr val="accent1"/>
+                </a:solidFill>
+                <a:latin typeface="+mn-lt"/>
+                <a:ea typeface="+mn-ea"/>
+                <a:cs typeface="+mn-cs"/>
+              </a:defRPr>
+            </a:lvl2pPr>
+            <a:lvl3pPr marL="252000" indent="-252000" algn="l" defTabSz="914269" rtl="0" eaLnBrk="1" latinLnBrk="0" hangingPunct="1">
               <a:spcBef>
                 <a:spcPts val="0"/>
               </a:spcBef>
-            </a:pPr>
-            <a:r>
-              <a:rPr lang="en-US" dirty="0"/>
-              <a:t>…</a:t>
-            </a:r>
-          </a:p>
-        </p:txBody>
-      </p:sp>
+              <a:buFont typeface="Arial" panose="020B0604020202020204" pitchFamily="34" charset="0"/>
+              <a:buChar char="—"/>
+              <a:defRPr sz="1600" kern="1200">
+                <a:solidFill>
+                  <a:schemeClr val="accent1"/>
+                </a:solidFill>
+                <a:latin typeface="+mn-lt"/>
+                <a:ea typeface="+mn-ea"/>
+                <a:cs typeface="+mn-cs"/>
+              </a:defRPr>
+            </a:lvl3pPr>
+            <a:lvl4pPr marL="252000" indent="-144000" algn="l" defTabSz="914269" rtl="0" eaLnBrk="1" latinLnBrk="0" hangingPunct="1">
+              <a:spcBef>
+                <a:spcPts val="0"/>
+              </a:spcBef>
+              <a:buFont typeface="Open Sans" panose="020B0606030504020204" pitchFamily="34" charset="0"/>
+              <a:buChar char="–"/>
+              <a:defRPr sz="1600" kern="1200" baseline="0">
+                <a:solidFill>
+                  <a:schemeClr val="accent1"/>
+                </a:solidFill>
+                <a:latin typeface="+mn-lt"/>
+                <a:ea typeface="+mn-ea"/>
+                <a:cs typeface="+mn-cs"/>
+              </a:defRPr>
+            </a:lvl4pPr>
+            <a:lvl5pPr marL="0" indent="0" algn="l" defTabSz="914269" rtl="0" eaLnBrk="1" latinLnBrk="0" hangingPunct="1">
+              <a:spcBef>
+                <a:spcPts val="600"/>
+              </a:spcBef>
+              <a:spcAft>
+                <a:spcPts val="0"/>
+              </a:spcAft>
+              <a:buFont typeface="Symbol" panose="05050102010706020507" pitchFamily="18" charset="2"/>
+              <a:buNone/>
+              <a:defRPr sz="1400" b="1" kern="1200" baseline="0">
+                <a:solidFill>
+                  <a:schemeClr val="accent1"/>
+                </a:solidFill>
+                <a:latin typeface="+mn-lt"/>
+                <a:ea typeface="+mn-ea"/>
+                <a:cs typeface="+mn-cs"/>
+              </a:defRPr>
+            </a:lvl5pPr>
+            <a:lvl6pPr marL="0" marR="0" indent="0" algn="l" defTabSz="914269" rtl="0" eaLnBrk="1" fontAlgn="auto" latinLnBrk="0" hangingPunct="1">
+              <a:lnSpc>
+                <a:spcPct val="100000"/>
+              </a:lnSpc>
+              <a:spcBef>
+                <a:spcPts val="600"/>
+              </a:spcBef>
+              <a:spcAft>
+                <a:spcPts val="0"/>
+              </a:spcAft>
+              <a:buClrTx/>
+              <a:buSzTx/>
+              <a:buFont typeface="Arial" panose="020B0604020202020204" pitchFamily="34" charset="0"/>
+              <a:buNone/>
+              <a:tabLst/>
+              <a:defRPr sz="1400" b="0" kern="1200">
+                <a:solidFill>
+                  <a:schemeClr val="accent1"/>
+                </a:solidFill>
+                <a:latin typeface="+mn-lt"/>
+                <a:ea typeface="+mn-ea"/>
+                <a:cs typeface="+mn-cs"/>
+              </a:defRPr>
+            </a:lvl6pPr>
+            <a:lvl7pPr marL="252000" marR="0" indent="-252000" algn="l" defTabSz="914269" rtl="0" eaLnBrk="1" fontAlgn="auto" latinLnBrk="0" hangingPunct="1">
+              <a:lnSpc>
+                <a:spcPct val="100000"/>
+              </a:lnSpc>
+              <a:spcBef>
+                <a:spcPts val="0"/>
+              </a:spcBef>
+              <a:spcAft>
+                <a:spcPts val="0"/>
+              </a:spcAft>
+              <a:buClrTx/>
+              <a:buSzTx/>
+              <a:buFont typeface="Arial" panose="020B0604020202020204" pitchFamily="34" charset="0"/>
+              <a:buChar char="—"/>
+              <a:tabLst/>
+              <a:defRPr lang="de-DE" sz="1400" kern="1200" dirty="0" smtClean="0">
+                <a:solidFill>
+                  <a:schemeClr val="accent1"/>
+                </a:solidFill>
+                <a:latin typeface="+mn-lt"/>
+                <a:ea typeface="+mn-ea"/>
+                <a:cs typeface="+mn-cs"/>
+              </a:defRPr>
+            </a:lvl7pPr>
+            <a:lvl8pPr marL="252000" marR="0" indent="-144000" algn="l" defTabSz="914269" rtl="0" eaLnBrk="1" fontAlgn="auto" latinLnBrk="0" hangingPunct="1">
+              <a:lnSpc>
+                <a:spcPct val="100000"/>
+              </a:lnSpc>
+              <a:spcBef>
+                <a:spcPts val="0"/>
+              </a:spcBef>
+              <a:spcAft>
+                <a:spcPts val="0"/>
+              </a:spcAft>
+              <a:buClrTx/>
+              <a:buSzTx/>
+              <a:buFont typeface="Open Sans" panose="020B0606030504020204" pitchFamily="34" charset="0"/>
+              <a:buChar char="–"/>
+              <a:tabLst/>
+              <a:defRPr sz="1400" kern="1200" baseline="0">
+                <a:solidFill>
+                  <a:schemeClr val="accent1"/>
+                </a:solidFill>
+                <a:latin typeface="+mn-lt"/>
+                <a:ea typeface="+mn-ea"/>
+                <a:cs typeface="+mn-cs"/>
+              </a:defRPr>
+            </a:lvl8pPr>
+            <a:lvl9pPr marL="396000" marR="0" indent="-144000" algn="l" defTabSz="914269" rtl="0" eaLnBrk="1" fontAlgn="auto" latinLnBrk="0" hangingPunct="1">
+              <a:lnSpc>
+                <a:spcPct val="100000"/>
+              </a:lnSpc>
+              <a:spcBef>
+                <a:spcPts val="0"/>
+              </a:spcBef>
+              <a:spcAft>
+                <a:spcPts val="0"/>
+              </a:spcAft>
+              <a:buClrTx/>
+              <a:buSzTx/>
+              <a:buFont typeface="Wingdings" panose="05000000000000000000" pitchFamily="2" charset="2"/>
+              <a:buChar char="§"/>
+              <a:tabLst/>
+              <a:defRPr sz="1400" kern="1200">
+                <a:solidFill>
+                  <a:schemeClr val="accent1"/>
+                </a:solidFill>
+                <a:latin typeface="+mn-lt"/>
+                <a:ea typeface="+mn-ea"/>
+                <a:cs typeface="+mn-cs"/>
+              </a:defRPr>
+            </a:lvl9pPr>
+          </a:lstStyle>
+          <a:p>
+            <a:pPr algn="just"/>
+            <a:r>
+              <a:rPr lang="en-IN" dirty="0"/>
+              <a:t>Steps for Problem 2</a:t>
+            </a:r>
+          </a:p>
+          <a:p>
+            <a:pPr algn="just"/>
+            <a:endParaRPr lang="en-IN" sz="800" dirty="0"/>
+          </a:p>
+          <a:p>
+            <a:pPr algn="just"/>
+            <a:r>
+              <a:rPr lang="en-US" b="0" dirty="0"/>
+              <a:t>Used current to voltage amplifier to Cascade neuro-transistor.</a:t>
+            </a:r>
+          </a:p>
+          <a:p>
+            <a:endParaRPr lang="en-IN" dirty="0"/>
+          </a:p>
+        </p:txBody>
+      </p:sp>
+      <p:pic>
+        <p:nvPicPr>
+          <p:cNvPr id="12" name="Picture 11">
+            <a:extLst>
+              <a:ext uri="{FF2B5EF4-FFF2-40B4-BE49-F238E27FC236}">
+                <a16:creationId xmlns:a16="http://schemas.microsoft.com/office/drawing/2014/main" id="{986D4240-0191-C9E1-19D0-330AD71FDA49}"/>
+              </a:ext>
+            </a:extLst>
+          </p:cNvPr>
+          <p:cNvPicPr>
+            <a:picLocks noChangeAspect="1"/>
+          </p:cNvPicPr>
+          <p:nvPr/>
+        </p:nvPicPr>
+        <p:blipFill>
+          <a:blip r:embed="rId2"/>
+          <a:stretch>
+            <a:fillRect/>
+          </a:stretch>
+        </p:blipFill>
+        <p:spPr>
+          <a:xfrm>
+            <a:off x="7521640" y="2216426"/>
+            <a:ext cx="2924386" cy="3367951"/>
+          </a:xfrm>
+          <a:prstGeom prst="rect">
+            <a:avLst/>
+          </a:prstGeom>
+        </p:spPr>
+      </p:pic>
     </p:spTree>
-    <p:custDataLst>
-      <p:tags r:id="rId1"/>
-    </p:custDataLst>
     <p:extLst>
       <p:ext uri="{BB962C8B-B14F-4D97-AF65-F5344CB8AC3E}">
-        <p14:creationId xmlns:p14="http://schemas.microsoft.com/office/powerpoint/2010/main" val="2641189355"/>
+        <p14:creationId xmlns:p14="http://schemas.microsoft.com/office/powerpoint/2010/main" val="1927111925"/>
       </p:ext>
     </p:extLst>
   </p:cSld>
@@ -12490,14 +14414,306 @@
             <p:ph type="title"/>
           </p:nvPr>
         </p:nvSpPr>
-        <p:spPr/>
+        <p:spPr>
+          <a:xfrm>
+            <a:off x="874711" y="346076"/>
+            <a:ext cx="10580687" cy="684213"/>
+          </a:xfrm>
+        </p:spPr>
         <p:txBody>
           <a:bodyPr/>
           <a:lstStyle/>
           <a:p>
             <a:r>
               <a:rPr lang="en-US" dirty="0"/>
-              <a:t>Take-home message and summary</a:t>
+              <a:t>Single </a:t>
+            </a:r>
+            <a:r>
+              <a:rPr lang="en-IN" dirty="0"/>
+              <a:t>neuro-transistor</a:t>
+            </a:r>
+            <a:br>
+              <a:rPr lang="en-US" dirty="0"/>
+            </a:br>
+            <a:endParaRPr lang="en-US" b="0" dirty="0"/>
+          </a:p>
+        </p:txBody>
+      </p:sp>
+      <p:pic>
+        <p:nvPicPr>
+          <p:cNvPr id="13" name="Content Placeholder 12">
+            <a:extLst>
+              <a:ext uri="{FF2B5EF4-FFF2-40B4-BE49-F238E27FC236}">
+                <a16:creationId xmlns:a16="http://schemas.microsoft.com/office/drawing/2014/main" id="{07D6EF1D-0EF6-D6C5-79E9-2C1A3B403A06}"/>
+              </a:ext>
+            </a:extLst>
+          </p:cNvPr>
+          <p:cNvPicPr>
+            <a:picLocks noGrp="1" noChangeAspect="1"/>
+          </p:cNvPicPr>
+          <p:nvPr>
+            <p:ph sz="quarter" idx="10"/>
+          </p:nvPr>
+        </p:nvPicPr>
+        <p:blipFill>
+          <a:blip r:embed="rId3"/>
+          <a:stretch>
+            <a:fillRect/>
+          </a:stretch>
+        </p:blipFill>
+        <p:spPr>
+          <a:xfrm>
+            <a:off x="4894986" y="688182"/>
+            <a:ext cx="6560412" cy="2680182"/>
+          </a:xfrm>
+        </p:spPr>
+      </p:pic>
+      <p:pic>
+        <p:nvPicPr>
+          <p:cNvPr id="15" name="Picture 14">
+            <a:extLst>
+              <a:ext uri="{FF2B5EF4-FFF2-40B4-BE49-F238E27FC236}">
+                <a16:creationId xmlns:a16="http://schemas.microsoft.com/office/drawing/2014/main" id="{B7D96B18-97AE-698D-834A-1287B9CB8A32}"/>
+              </a:ext>
+            </a:extLst>
+          </p:cNvPr>
+          <p:cNvPicPr>
+            <a:picLocks noChangeAspect="1"/>
+          </p:cNvPicPr>
+          <p:nvPr/>
+        </p:nvPicPr>
+        <p:blipFill>
+          <a:blip r:embed="rId4" cstate="print">
+            <a:extLst>
+              <a:ext uri="{28A0092B-C50C-407E-A947-70E740481C1C}">
+                <a14:useLocalDpi xmlns:a14="http://schemas.microsoft.com/office/drawing/2010/main" val="0"/>
+              </a:ext>
+            </a:extLst>
+          </a:blip>
+          <a:stretch>
+            <a:fillRect/>
+          </a:stretch>
+        </p:blipFill>
+        <p:spPr>
+          <a:xfrm>
+            <a:off x="874711" y="786883"/>
+            <a:ext cx="4020275" cy="2680183"/>
+          </a:xfrm>
+          <a:prstGeom prst="rect">
+            <a:avLst/>
+          </a:prstGeom>
+        </p:spPr>
+      </p:pic>
+      <p:pic>
+        <p:nvPicPr>
+          <p:cNvPr id="17" name="Picture 16">
+            <a:extLst>
+              <a:ext uri="{FF2B5EF4-FFF2-40B4-BE49-F238E27FC236}">
+                <a16:creationId xmlns:a16="http://schemas.microsoft.com/office/drawing/2014/main" id="{37D68846-6B28-30D5-1FB9-6425A1A141F6}"/>
+              </a:ext>
+            </a:extLst>
+          </p:cNvPr>
+          <p:cNvPicPr>
+            <a:picLocks noChangeAspect="1"/>
+          </p:cNvPicPr>
+          <p:nvPr/>
+        </p:nvPicPr>
+        <p:blipFill>
+          <a:blip r:embed="rId5" cstate="print">
+            <a:extLst>
+              <a:ext uri="{28A0092B-C50C-407E-A947-70E740481C1C}">
+                <a14:useLocalDpi xmlns:a14="http://schemas.microsoft.com/office/drawing/2010/main" val="0"/>
+              </a:ext>
+            </a:extLst>
+          </a:blip>
+          <a:stretch>
+            <a:fillRect/>
+          </a:stretch>
+        </p:blipFill>
+        <p:spPr>
+          <a:xfrm>
+            <a:off x="874711" y="3518452"/>
+            <a:ext cx="4020275" cy="2680183"/>
+          </a:xfrm>
+          <a:prstGeom prst="rect">
+            <a:avLst/>
+          </a:prstGeom>
+        </p:spPr>
+      </p:pic>
+      <p:pic>
+        <p:nvPicPr>
+          <p:cNvPr id="19" name="Picture 18">
+            <a:extLst>
+              <a:ext uri="{FF2B5EF4-FFF2-40B4-BE49-F238E27FC236}">
+                <a16:creationId xmlns:a16="http://schemas.microsoft.com/office/drawing/2014/main" id="{FF9E4F81-8456-FD3D-A3CA-A93CA2522E27}"/>
+              </a:ext>
+            </a:extLst>
+          </p:cNvPr>
+          <p:cNvPicPr>
+            <a:picLocks noChangeAspect="1"/>
+          </p:cNvPicPr>
+          <p:nvPr/>
+        </p:nvPicPr>
+        <p:blipFill>
+          <a:blip r:embed="rId6" cstate="print">
+            <a:extLst>
+              <a:ext uri="{28A0092B-C50C-407E-A947-70E740481C1C}">
+                <a14:useLocalDpi xmlns:a14="http://schemas.microsoft.com/office/drawing/2010/main" val="0"/>
+              </a:ext>
+            </a:extLst>
+          </a:blip>
+          <a:stretch>
+            <a:fillRect/>
+          </a:stretch>
+        </p:blipFill>
+        <p:spPr>
+          <a:xfrm>
+            <a:off x="4894986" y="3518452"/>
+            <a:ext cx="4020275" cy="2680183"/>
+          </a:xfrm>
+          <a:prstGeom prst="rect">
+            <a:avLst/>
+          </a:prstGeom>
+        </p:spPr>
+      </p:pic>
+      <p:sp>
+        <p:nvSpPr>
+          <p:cNvPr id="20" name="TextBox 19">
+            <a:extLst>
+              <a:ext uri="{FF2B5EF4-FFF2-40B4-BE49-F238E27FC236}">
+                <a16:creationId xmlns:a16="http://schemas.microsoft.com/office/drawing/2014/main" id="{7C60D794-3750-05CE-4E6D-A31167F2862B}"/>
+              </a:ext>
+            </a:extLst>
+          </p:cNvPr>
+          <p:cNvSpPr txBox="1"/>
+          <p:nvPr/>
+        </p:nvSpPr>
+        <p:spPr>
+          <a:xfrm>
+            <a:off x="8915261" y="4196823"/>
+            <a:ext cx="2540137" cy="1323439"/>
+          </a:xfrm>
+          <a:prstGeom prst="rect">
+            <a:avLst/>
+          </a:prstGeom>
+          <a:noFill/>
+        </p:spPr>
+        <p:txBody>
+          <a:bodyPr wrap="square" rtlCol="0">
+            <a:spAutoFit/>
+          </a:bodyPr>
+          <a:lstStyle/>
+          <a:p>
+            <a:r>
+              <a:rPr lang="en-US" sz="1600" b="1" dirty="0">
+                <a:solidFill>
+                  <a:schemeClr val="accent1"/>
+                </a:solidFill>
+                <a:latin typeface="+mj-lt"/>
+                <a:ea typeface="+mj-ea"/>
+                <a:cs typeface="+mj-cs"/>
+              </a:rPr>
+              <a:t>Observation:</a:t>
+            </a:r>
+            <a:br>
+              <a:rPr lang="en-US" sz="2400" b="1" dirty="0">
+                <a:solidFill>
+                  <a:schemeClr val="accent1"/>
+                </a:solidFill>
+                <a:latin typeface="+mj-lt"/>
+                <a:ea typeface="+mj-ea"/>
+                <a:cs typeface="+mj-cs"/>
+              </a:rPr>
+            </a:br>
+            <a:r>
+              <a:rPr lang="en-US" sz="1600" dirty="0">
+                <a:solidFill>
+                  <a:schemeClr val="accent1"/>
+                </a:solidFill>
+                <a:latin typeface="+mj-lt"/>
+                <a:ea typeface="+mj-ea"/>
+                <a:cs typeface="+mj-cs"/>
+              </a:rPr>
+              <a:t>Nice gap between the On State current value and Off state current value.</a:t>
+            </a:r>
+            <a:endParaRPr lang="en-IN" sz="1600" dirty="0">
+              <a:solidFill>
+                <a:schemeClr val="accent1"/>
+              </a:solidFill>
+              <a:latin typeface="+mj-lt"/>
+              <a:ea typeface="+mj-ea"/>
+              <a:cs typeface="+mj-cs"/>
+            </a:endParaRPr>
+          </a:p>
+        </p:txBody>
+      </p:sp>
+    </p:spTree>
+    <p:custDataLst>
+      <p:tags r:id="rId1"/>
+    </p:custDataLst>
+    <p:extLst>
+      <p:ext uri="{BB962C8B-B14F-4D97-AF65-F5344CB8AC3E}">
+        <p14:creationId xmlns:p14="http://schemas.microsoft.com/office/powerpoint/2010/main" val="2641189355"/>
+      </p:ext>
+    </p:extLst>
+  </p:cSld>
+  <p:clrMapOvr>
+    <a:masterClrMapping/>
+  </p:clrMapOvr>
+</p:sld>
+</file>
+
+<file path=ppt/slides/slide7.xml><?xml version="1.0" encoding="utf-8"?>
+<p:sld xmlns:a="http://schemas.openxmlformats.org/drawingml/2006/main" xmlns:r="http://schemas.openxmlformats.org/officeDocument/2006/relationships" xmlns:p="http://schemas.openxmlformats.org/presentationml/2006/main">
+  <p:cSld>
+    <p:spTree>
+      <p:nvGrpSpPr>
+        <p:cNvPr id="1" name="">
+          <a:extLst>
+            <a:ext uri="{FF2B5EF4-FFF2-40B4-BE49-F238E27FC236}">
+              <a16:creationId xmlns:a16="http://schemas.microsoft.com/office/drawing/2014/main" id="{4913E6FF-10E5-C55C-F566-94AC73477352}"/>
+            </a:ext>
+          </a:extLst>
+        </p:cNvPr>
+        <p:cNvGrpSpPr/>
+        <p:nvPr/>
+      </p:nvGrpSpPr>
+      <p:grpSpPr>
+        <a:xfrm>
+          <a:off x="0" y="0"/>
+          <a:ext cx="0" cy="0"/>
+          <a:chOff x="0" y="0"/>
+          <a:chExt cx="0" cy="0"/>
+        </a:xfrm>
+      </p:grpSpPr>
+      <p:sp>
+        <p:nvSpPr>
+          <p:cNvPr id="3" name="Titel 2">
+            <a:extLst>
+              <a:ext uri="{FF2B5EF4-FFF2-40B4-BE49-F238E27FC236}">
+                <a16:creationId xmlns:a16="http://schemas.microsoft.com/office/drawing/2014/main" id="{4383B450-D31F-521A-2B2E-D9B979D0BEA1}"/>
+              </a:ext>
+            </a:extLst>
+          </p:cNvPr>
+          <p:cNvSpPr>
+            <a:spLocks noGrp="1"/>
+          </p:cNvSpPr>
+          <p:nvPr>
+            <p:ph type="title"/>
+          </p:nvPr>
+        </p:nvSpPr>
+        <p:spPr/>
+        <p:txBody>
+          <a:bodyPr/>
+          <a:lstStyle/>
+          <a:p>
+            <a:r>
+              <a:rPr lang="en-US" dirty="0"/>
+              <a:t>3x1 </a:t>
+            </a:r>
+            <a:r>
+              <a:rPr lang="en-IN" dirty="0"/>
+              <a:t>neuro-transistor</a:t>
             </a:r>
             <a:br>
               <a:rPr lang="en-US" dirty="0"/>
@@ -12509,14 +14725,405 @@
           </a:p>
         </p:txBody>
       </p:sp>
-      <p:sp>
-        <p:nvSpPr>
-          <p:cNvPr id="2" name="Inhaltsplatzhalter 1"/>
-          <p:cNvSpPr>
-            <a:spLocks noGrp="1"/>
-          </p:cNvSpPr>
+      <p:pic>
+        <p:nvPicPr>
+          <p:cNvPr id="5" name="Content Placeholder 4">
+            <a:extLst>
+              <a:ext uri="{FF2B5EF4-FFF2-40B4-BE49-F238E27FC236}">
+                <a16:creationId xmlns:a16="http://schemas.microsoft.com/office/drawing/2014/main" id="{5C03DA38-3634-8E95-8466-CF2EFA4B666B}"/>
+              </a:ext>
+            </a:extLst>
+          </p:cNvPr>
+          <p:cNvPicPr>
+            <a:picLocks noGrp="1" noChangeAspect="1"/>
+          </p:cNvPicPr>
           <p:nvPr>
             <p:ph sz="quarter" idx="10"/>
+          </p:nvPr>
+        </p:nvPicPr>
+        <p:blipFill>
+          <a:blip r:embed="rId3"/>
+          <a:stretch>
+            <a:fillRect/>
+          </a:stretch>
+        </p:blipFill>
+        <p:spPr>
+          <a:xfrm>
+            <a:off x="736602" y="894523"/>
+            <a:ext cx="3519489" cy="4313581"/>
+          </a:xfrm>
+        </p:spPr>
+      </p:pic>
+      <p:pic>
+        <p:nvPicPr>
+          <p:cNvPr id="7" name="Picture 6">
+            <a:extLst>
+              <a:ext uri="{FF2B5EF4-FFF2-40B4-BE49-F238E27FC236}">
+                <a16:creationId xmlns:a16="http://schemas.microsoft.com/office/drawing/2014/main" id="{C9F8734F-6C24-185A-0D87-18CD3F2E928D}"/>
+              </a:ext>
+            </a:extLst>
+          </p:cNvPr>
+          <p:cNvPicPr>
+            <a:picLocks noChangeAspect="1"/>
+          </p:cNvPicPr>
+          <p:nvPr/>
+        </p:nvPicPr>
+        <p:blipFill>
+          <a:blip r:embed="rId4" cstate="print">
+            <a:extLst>
+              <a:ext uri="{28A0092B-C50C-407E-A947-70E740481C1C}">
+                <a14:useLocalDpi xmlns:a14="http://schemas.microsoft.com/office/drawing/2010/main" val="0"/>
+              </a:ext>
+            </a:extLst>
+          </a:blip>
+          <a:stretch>
+            <a:fillRect/>
+          </a:stretch>
+        </p:blipFill>
+        <p:spPr>
+          <a:xfrm>
+            <a:off x="4561025" y="1120534"/>
+            <a:ext cx="3519489" cy="2398712"/>
+          </a:xfrm>
+          <a:prstGeom prst="rect">
+            <a:avLst/>
+          </a:prstGeom>
+        </p:spPr>
+      </p:pic>
+      <p:pic>
+        <p:nvPicPr>
+          <p:cNvPr id="9" name="Picture 8">
+            <a:extLst>
+              <a:ext uri="{FF2B5EF4-FFF2-40B4-BE49-F238E27FC236}">
+                <a16:creationId xmlns:a16="http://schemas.microsoft.com/office/drawing/2014/main" id="{B66CC432-6957-9D82-9435-0AE791D9EBE0}"/>
+              </a:ext>
+            </a:extLst>
+          </p:cNvPr>
+          <p:cNvPicPr>
+            <a:picLocks noChangeAspect="1"/>
+          </p:cNvPicPr>
+          <p:nvPr/>
+        </p:nvPicPr>
+        <p:blipFill>
+          <a:blip r:embed="rId5" cstate="print">
+            <a:extLst>
+              <a:ext uri="{28A0092B-C50C-407E-A947-70E740481C1C}">
+                <a14:useLocalDpi xmlns:a14="http://schemas.microsoft.com/office/drawing/2010/main" val="0"/>
+              </a:ext>
+            </a:extLst>
+          </a:blip>
+          <a:stretch>
+            <a:fillRect/>
+          </a:stretch>
+        </p:blipFill>
+        <p:spPr>
+          <a:xfrm>
+            <a:off x="4561025" y="3609492"/>
+            <a:ext cx="3519489" cy="2398713"/>
+          </a:xfrm>
+          <a:prstGeom prst="rect">
+            <a:avLst/>
+          </a:prstGeom>
+        </p:spPr>
+      </p:pic>
+      <p:sp>
+        <p:nvSpPr>
+          <p:cNvPr id="14" name="TextBox 13">
+            <a:extLst>
+              <a:ext uri="{FF2B5EF4-FFF2-40B4-BE49-F238E27FC236}">
+                <a16:creationId xmlns:a16="http://schemas.microsoft.com/office/drawing/2014/main" id="{FE9545DE-E63C-0626-E98D-267DD81ED5E4}"/>
+              </a:ext>
+            </a:extLst>
+          </p:cNvPr>
+          <p:cNvSpPr txBox="1"/>
+          <p:nvPr/>
+        </p:nvSpPr>
+        <p:spPr>
+          <a:xfrm>
+            <a:off x="5013774" y="733779"/>
+            <a:ext cx="2613991" cy="341632"/>
+          </a:xfrm>
+          <a:prstGeom prst="rect">
+            <a:avLst/>
+          </a:prstGeom>
+          <a:noFill/>
+        </p:spPr>
+        <p:txBody>
+          <a:bodyPr wrap="square" rtlCol="0">
+            <a:spAutoFit/>
+          </a:bodyPr>
+          <a:lstStyle/>
+          <a:p>
+            <a:pPr algn="ctr"/>
+            <a:r>
+              <a:rPr lang="en-US" b="1" dirty="0">
+                <a:solidFill>
+                  <a:srgbClr val="DE2526"/>
+                </a:solidFill>
+              </a:rPr>
+              <a:t>Pulse Input</a:t>
+            </a:r>
+            <a:endParaRPr lang="en-IN" b="1" dirty="0">
+              <a:solidFill>
+                <a:srgbClr val="DE2526"/>
+              </a:solidFill>
+            </a:endParaRPr>
+          </a:p>
+        </p:txBody>
+      </p:sp>
+      <p:sp>
+        <p:nvSpPr>
+          <p:cNvPr id="15" name="TextBox 14">
+            <a:extLst>
+              <a:ext uri="{FF2B5EF4-FFF2-40B4-BE49-F238E27FC236}">
+                <a16:creationId xmlns:a16="http://schemas.microsoft.com/office/drawing/2014/main" id="{1831F9C9-68C6-DAA5-67A7-ACFCEE299157}"/>
+              </a:ext>
+            </a:extLst>
+          </p:cNvPr>
+          <p:cNvSpPr txBox="1"/>
+          <p:nvPr/>
+        </p:nvSpPr>
+        <p:spPr>
+          <a:xfrm>
+            <a:off x="8696437" y="723707"/>
+            <a:ext cx="2613991" cy="341632"/>
+          </a:xfrm>
+          <a:prstGeom prst="rect">
+            <a:avLst/>
+          </a:prstGeom>
+          <a:noFill/>
+        </p:spPr>
+        <p:txBody>
+          <a:bodyPr wrap="square" rtlCol="0">
+            <a:spAutoFit/>
+          </a:bodyPr>
+          <a:lstStyle/>
+          <a:p>
+            <a:pPr algn="ctr"/>
+            <a:r>
+              <a:rPr lang="en-US" b="1" dirty="0">
+                <a:solidFill>
+                  <a:srgbClr val="DE2526"/>
+                </a:solidFill>
+              </a:rPr>
+              <a:t>TTFS Input</a:t>
+            </a:r>
+            <a:endParaRPr lang="en-IN" b="1" dirty="0">
+              <a:solidFill>
+                <a:srgbClr val="DE2526"/>
+              </a:solidFill>
+            </a:endParaRPr>
+          </a:p>
+        </p:txBody>
+      </p:sp>
+      <p:pic>
+        <p:nvPicPr>
+          <p:cNvPr id="17" name="Picture 16">
+            <a:extLst>
+              <a:ext uri="{FF2B5EF4-FFF2-40B4-BE49-F238E27FC236}">
+                <a16:creationId xmlns:a16="http://schemas.microsoft.com/office/drawing/2014/main" id="{F5EF8598-E1D7-82AA-A023-00F519F7869D}"/>
+              </a:ext>
+            </a:extLst>
+          </p:cNvPr>
+          <p:cNvPicPr>
+            <a:picLocks noChangeAspect="1"/>
+          </p:cNvPicPr>
+          <p:nvPr/>
+        </p:nvPicPr>
+        <p:blipFill>
+          <a:blip r:embed="rId6" cstate="print">
+            <a:extLst>
+              <a:ext uri="{28A0092B-C50C-407E-A947-70E740481C1C}">
+                <a14:useLocalDpi xmlns:a14="http://schemas.microsoft.com/office/drawing/2010/main" val="0"/>
+              </a:ext>
+            </a:extLst>
+          </a:blip>
+          <a:stretch>
+            <a:fillRect/>
+          </a:stretch>
+        </p:blipFill>
+        <p:spPr>
+          <a:xfrm>
+            <a:off x="8385447" y="1120534"/>
+            <a:ext cx="3235971" cy="2308466"/>
+          </a:xfrm>
+          <a:prstGeom prst="rect">
+            <a:avLst/>
+          </a:prstGeom>
+        </p:spPr>
+      </p:pic>
+      <p:pic>
+        <p:nvPicPr>
+          <p:cNvPr id="19" name="Picture 18">
+            <a:extLst>
+              <a:ext uri="{FF2B5EF4-FFF2-40B4-BE49-F238E27FC236}">
+                <a16:creationId xmlns:a16="http://schemas.microsoft.com/office/drawing/2014/main" id="{A39AD2BF-00C0-5C92-C906-58F20D8141C5}"/>
+              </a:ext>
+            </a:extLst>
+          </p:cNvPr>
+          <p:cNvPicPr>
+            <a:picLocks noChangeAspect="1"/>
+          </p:cNvPicPr>
+          <p:nvPr/>
+        </p:nvPicPr>
+        <p:blipFill>
+          <a:blip r:embed="rId7" cstate="print">
+            <a:extLst>
+              <a:ext uri="{28A0092B-C50C-407E-A947-70E740481C1C}">
+                <a14:useLocalDpi xmlns:a14="http://schemas.microsoft.com/office/drawing/2010/main" val="0"/>
+              </a:ext>
+            </a:extLst>
+          </a:blip>
+          <a:stretch>
+            <a:fillRect/>
+          </a:stretch>
+        </p:blipFill>
+        <p:spPr>
+          <a:xfrm>
+            <a:off x="8385447" y="3609491"/>
+            <a:ext cx="3235971" cy="2398713"/>
+          </a:xfrm>
+          <a:prstGeom prst="rect">
+            <a:avLst/>
+          </a:prstGeom>
+        </p:spPr>
+      </p:pic>
+      <p:sp>
+        <p:nvSpPr>
+          <p:cNvPr id="20" name="TextBox 19">
+            <a:extLst>
+              <a:ext uri="{FF2B5EF4-FFF2-40B4-BE49-F238E27FC236}">
+                <a16:creationId xmlns:a16="http://schemas.microsoft.com/office/drawing/2014/main" id="{C44D1EC1-BA73-C2FF-96DE-D48402B8BEC4}"/>
+              </a:ext>
+            </a:extLst>
+          </p:cNvPr>
+          <p:cNvSpPr txBox="1"/>
+          <p:nvPr/>
+        </p:nvSpPr>
+        <p:spPr>
+          <a:xfrm>
+            <a:off x="736602" y="5330810"/>
+            <a:ext cx="3519489" cy="584775"/>
+          </a:xfrm>
+          <a:prstGeom prst="rect">
+            <a:avLst/>
+          </a:prstGeom>
+          <a:noFill/>
+        </p:spPr>
+        <p:txBody>
+          <a:bodyPr wrap="square" rtlCol="0">
+            <a:spAutoFit/>
+          </a:bodyPr>
+          <a:lstStyle/>
+          <a:p>
+            <a:pPr algn="just"/>
+            <a:r>
+              <a:rPr lang="en-US" sz="1600" b="1" dirty="0">
+                <a:solidFill>
+                  <a:schemeClr val="accent1"/>
+                </a:solidFill>
+                <a:latin typeface="+mj-lt"/>
+                <a:ea typeface="+mj-ea"/>
+                <a:cs typeface="+mj-cs"/>
+              </a:rPr>
+              <a:t>TTFS Input: </a:t>
+            </a:r>
+            <a:r>
+              <a:rPr lang="en-US" sz="1600" dirty="0">
+                <a:solidFill>
+                  <a:schemeClr val="accent1"/>
+                </a:solidFill>
+                <a:latin typeface="+mj-lt"/>
+                <a:ea typeface="+mj-ea"/>
+                <a:cs typeface="+mj-cs"/>
+              </a:rPr>
+              <a:t>A1.png from Project1,</a:t>
+            </a:r>
+            <a:br>
+              <a:rPr lang="en-US" sz="1600" dirty="0">
+                <a:solidFill>
+                  <a:schemeClr val="accent1"/>
+                </a:solidFill>
+                <a:latin typeface="+mj-lt"/>
+                <a:ea typeface="+mj-ea"/>
+                <a:cs typeface="+mj-cs"/>
+              </a:rPr>
+            </a:br>
+            <a:r>
+              <a:rPr lang="en-US" sz="1600" dirty="0">
+                <a:solidFill>
+                  <a:schemeClr val="accent1"/>
+                </a:solidFill>
+                <a:latin typeface="+mj-lt"/>
+                <a:ea typeface="+mj-ea"/>
+                <a:cs typeface="+mj-cs"/>
+              </a:rPr>
+              <a:t>resized to 3x3 pixels.</a:t>
+            </a:r>
+            <a:endParaRPr lang="en-IN" sz="1600" dirty="0">
+              <a:solidFill>
+                <a:schemeClr val="accent1"/>
+              </a:solidFill>
+              <a:latin typeface="+mj-lt"/>
+              <a:ea typeface="+mj-ea"/>
+              <a:cs typeface="+mj-cs"/>
+            </a:endParaRPr>
+          </a:p>
+        </p:txBody>
+      </p:sp>
+    </p:spTree>
+    <p:custDataLst>
+      <p:tags r:id="rId1"/>
+    </p:custDataLst>
+    <p:extLst>
+      <p:ext uri="{BB962C8B-B14F-4D97-AF65-F5344CB8AC3E}">
+        <p14:creationId xmlns:p14="http://schemas.microsoft.com/office/powerpoint/2010/main" val="3295894863"/>
+      </p:ext>
+    </p:extLst>
+  </p:cSld>
+  <p:clrMapOvr>
+    <a:masterClrMapping/>
+  </p:clrMapOvr>
+</p:sld>
+</file>
+
+<file path=ppt/slides/slide8.xml><?xml version="1.0" encoding="utf-8"?>
+<p:sld xmlns:a="http://schemas.openxmlformats.org/drawingml/2006/main" xmlns:r="http://schemas.openxmlformats.org/officeDocument/2006/relationships" xmlns:p="http://schemas.openxmlformats.org/presentationml/2006/main">
+  <p:cSld>
+    <p:spTree>
+      <p:nvGrpSpPr>
+        <p:cNvPr id="1" name="">
+          <a:extLst>
+            <a:ext uri="{FF2B5EF4-FFF2-40B4-BE49-F238E27FC236}">
+              <a16:creationId xmlns:a16="http://schemas.microsoft.com/office/drawing/2014/main" id="{72882180-ECD6-8907-93BA-83F63A95EB45}"/>
+            </a:ext>
+          </a:extLst>
+        </p:cNvPr>
+        <p:cNvGrpSpPr/>
+        <p:nvPr/>
+      </p:nvGrpSpPr>
+      <p:grpSpPr>
+        <a:xfrm>
+          <a:off x="0" y="0"/>
+          <a:ext cx="0" cy="0"/>
+          <a:chOff x="0" y="0"/>
+          <a:chExt cx="0" cy="0"/>
+        </a:xfrm>
+      </p:grpSpPr>
+      <p:sp>
+        <p:nvSpPr>
+          <p:cNvPr id="3" name="Titel 2">
+            <a:extLst>
+              <a:ext uri="{FF2B5EF4-FFF2-40B4-BE49-F238E27FC236}">
+                <a16:creationId xmlns:a16="http://schemas.microsoft.com/office/drawing/2014/main" id="{5D298901-9FD3-8835-A20D-C60DA1AF93C4}"/>
+              </a:ext>
+            </a:extLst>
+          </p:cNvPr>
+          <p:cNvSpPr>
+            <a:spLocks noGrp="1"/>
+          </p:cNvSpPr>
+          <p:nvPr>
+            <p:ph type="title"/>
           </p:nvPr>
         </p:nvSpPr>
         <p:spPr/>
@@ -12524,18 +15131,1791 @@
           <a:bodyPr/>
           <a:lstStyle/>
           <a:p>
-            <a:pPr lvl="2">
-              <a:spcBef>
-                <a:spcPts val="0"/>
-              </a:spcBef>
-            </a:pPr>
-            <a:r>
+            <a:r>
+              <a:rPr lang="en-IN" dirty="0"/>
+              <a:t>3x3 neuro-transistor</a:t>
+            </a:r>
+            <a:br>
               <a:rPr lang="en-US" dirty="0"/>
-              <a:t>…</a:t>
-            </a:r>
-          </a:p>
-        </p:txBody>
-      </p:sp>
+            </a:br>
+            <a:endParaRPr lang="en-US" b="0" dirty="0"/>
+          </a:p>
+        </p:txBody>
+      </p:sp>
+      <p:pic>
+        <p:nvPicPr>
+          <p:cNvPr id="5" name="Content Placeholder 4">
+            <a:extLst>
+              <a:ext uri="{FF2B5EF4-FFF2-40B4-BE49-F238E27FC236}">
+                <a16:creationId xmlns:a16="http://schemas.microsoft.com/office/drawing/2014/main" id="{F49166CC-DD5E-7298-9263-105C6D6B9056}"/>
+              </a:ext>
+            </a:extLst>
+          </p:cNvPr>
+          <p:cNvPicPr>
+            <a:picLocks noGrp="1" noChangeAspect="1"/>
+          </p:cNvPicPr>
+          <p:nvPr>
+            <p:ph sz="quarter" idx="10"/>
+          </p:nvPr>
+        </p:nvPicPr>
+        <p:blipFill>
+          <a:blip r:embed="rId3"/>
+          <a:stretch>
+            <a:fillRect/>
+          </a:stretch>
+        </p:blipFill>
+        <p:spPr>
+          <a:xfrm>
+            <a:off x="874712" y="874643"/>
+            <a:ext cx="3657531" cy="4641573"/>
+          </a:xfrm>
+        </p:spPr>
+      </p:pic>
+      <p:graphicFrame>
+        <p:nvGraphicFramePr>
+          <p:cNvPr id="6" name="Table 5">
+            <a:extLst>
+              <a:ext uri="{FF2B5EF4-FFF2-40B4-BE49-F238E27FC236}">
+                <a16:creationId xmlns:a16="http://schemas.microsoft.com/office/drawing/2014/main" id="{A4BD62A1-2550-0CB5-94E7-201557C3148A}"/>
+              </a:ext>
+            </a:extLst>
+          </p:cNvPr>
+          <p:cNvGraphicFramePr>
+            <a:graphicFrameLocks noGrp="1"/>
+          </p:cNvGraphicFramePr>
+          <p:nvPr>
+            <p:extLst>
+              <p:ext uri="{D42A27DB-BD31-4B8C-83A1-F6EECF244321}">
+                <p14:modId xmlns:p14="http://schemas.microsoft.com/office/powerpoint/2010/main" val="3405931782"/>
+              </p:ext>
+            </p:extLst>
+          </p:nvPr>
+        </p:nvGraphicFramePr>
+        <p:xfrm>
+          <a:off x="5373203" y="1232460"/>
+          <a:ext cx="2058573" cy="1112520"/>
+        </p:xfrm>
+        <a:graphic>
+          <a:graphicData uri="http://schemas.openxmlformats.org/drawingml/2006/table">
+            <a:tbl>
+              <a:tblPr firstRow="1" bandRow="1">
+                <a:tableStyleId>{5940675A-B579-460E-94D1-54222C63F5DA}</a:tableStyleId>
+              </a:tblPr>
+              <a:tblGrid>
+                <a:gridCol w="686191">
+                  <a:extLst>
+                    <a:ext uri="{9D8B030D-6E8A-4147-A177-3AD203B41FA5}">
+                      <a16:colId xmlns:a16="http://schemas.microsoft.com/office/drawing/2014/main" val="3521477546"/>
+                    </a:ext>
+                  </a:extLst>
+                </a:gridCol>
+                <a:gridCol w="686191">
+                  <a:extLst>
+                    <a:ext uri="{9D8B030D-6E8A-4147-A177-3AD203B41FA5}">
+                      <a16:colId xmlns:a16="http://schemas.microsoft.com/office/drawing/2014/main" val="854420662"/>
+                    </a:ext>
+                  </a:extLst>
+                </a:gridCol>
+                <a:gridCol w="686191">
+                  <a:extLst>
+                    <a:ext uri="{9D8B030D-6E8A-4147-A177-3AD203B41FA5}">
+                      <a16:colId xmlns:a16="http://schemas.microsoft.com/office/drawing/2014/main" val="530502544"/>
+                    </a:ext>
+                  </a:extLst>
+                </a:gridCol>
+              </a:tblGrid>
+              <a:tr h="370840">
+                <a:tc>
+                  <a:txBody>
+                    <a:bodyPr/>
+                    <a:lstStyle/>
+                    <a:p>
+                      <a:pPr algn="ctr"/>
+                      <a:r>
+                        <a:rPr lang="en-US" sz="1200" b="1" dirty="0">
+                          <a:solidFill>
+                            <a:schemeClr val="bg1"/>
+                          </a:solidFill>
+                        </a:rPr>
+                        <a:t>U1</a:t>
+                      </a:r>
+                      <a:endParaRPr lang="en-IN" sz="1200" b="1" dirty="0">
+                        <a:solidFill>
+                          <a:schemeClr val="bg1"/>
+                        </a:solidFill>
+                      </a:endParaRPr>
+                    </a:p>
+                  </a:txBody>
+                  <a:tcPr anchor="ctr">
+                    <a:solidFill>
+                      <a:schemeClr val="accent4"/>
+                    </a:solidFill>
+                  </a:tcPr>
+                </a:tc>
+                <a:tc>
+                  <a:txBody>
+                    <a:bodyPr/>
+                    <a:lstStyle/>
+                    <a:p>
+                      <a:pPr marL="0" marR="0" lvl="0" indent="0" algn="ctr" defTabSz="914269" rtl="0" eaLnBrk="1" fontAlgn="auto" latinLnBrk="0" hangingPunct="1">
+                        <a:lnSpc>
+                          <a:spcPct val="100000"/>
+                        </a:lnSpc>
+                        <a:spcBef>
+                          <a:spcPts val="0"/>
+                        </a:spcBef>
+                        <a:spcAft>
+                          <a:spcPts val="0"/>
+                        </a:spcAft>
+                        <a:buClrTx/>
+                        <a:buSzTx/>
+                        <a:buFontTx/>
+                        <a:buNone/>
+                        <a:tabLst/>
+                        <a:defRPr/>
+                      </a:pPr>
+                      <a:r>
+                        <a:rPr kumimoji="0" lang="en-US" sz="1200" b="1" i="0" u="none" strike="noStrike" kern="1200" cap="none" spc="0" normalizeH="0" baseline="0" noProof="0" dirty="0">
+                          <a:ln>
+                            <a:noFill/>
+                          </a:ln>
+                          <a:solidFill>
+                            <a:prstClr val="white"/>
+                          </a:solidFill>
+                          <a:effectLst/>
+                          <a:uLnTx/>
+                          <a:uFillTx/>
+                          <a:latin typeface="Open Sans"/>
+                          <a:ea typeface="+mn-ea"/>
+                          <a:cs typeface="+mn-cs"/>
+                        </a:rPr>
+                        <a:t>U4</a:t>
+                      </a:r>
+                      <a:endParaRPr kumimoji="0" lang="en-IN" sz="1200" b="1" i="0" u="none" strike="noStrike" kern="1200" cap="none" spc="0" normalizeH="0" baseline="0" noProof="0" dirty="0">
+                        <a:ln>
+                          <a:noFill/>
+                        </a:ln>
+                        <a:solidFill>
+                          <a:prstClr val="white"/>
+                        </a:solidFill>
+                        <a:effectLst/>
+                        <a:uLnTx/>
+                        <a:uFillTx/>
+                        <a:latin typeface="Open Sans"/>
+                        <a:ea typeface="+mn-ea"/>
+                        <a:cs typeface="+mn-cs"/>
+                      </a:endParaRPr>
+                    </a:p>
+                  </a:txBody>
+                  <a:tcPr anchor="ctr">
+                    <a:solidFill>
+                      <a:srgbClr val="FFC000"/>
+                    </a:solidFill>
+                  </a:tcPr>
+                </a:tc>
+                <a:tc>
+                  <a:txBody>
+                    <a:bodyPr/>
+                    <a:lstStyle/>
+                    <a:p>
+                      <a:pPr marL="0" marR="0" lvl="0" indent="0" algn="ctr" defTabSz="914269" rtl="0" eaLnBrk="1" fontAlgn="auto" latinLnBrk="0" hangingPunct="1">
+                        <a:lnSpc>
+                          <a:spcPct val="100000"/>
+                        </a:lnSpc>
+                        <a:spcBef>
+                          <a:spcPts val="0"/>
+                        </a:spcBef>
+                        <a:spcAft>
+                          <a:spcPts val="0"/>
+                        </a:spcAft>
+                        <a:buClrTx/>
+                        <a:buSzTx/>
+                        <a:buFontTx/>
+                        <a:buNone/>
+                        <a:tabLst/>
+                        <a:defRPr/>
+                      </a:pPr>
+                      <a:r>
+                        <a:rPr kumimoji="0" lang="en-US" sz="1200" b="1" i="0" u="none" strike="noStrike" kern="1200" cap="none" spc="0" normalizeH="0" baseline="0" noProof="0" dirty="0">
+                          <a:ln>
+                            <a:noFill/>
+                          </a:ln>
+                          <a:solidFill>
+                            <a:prstClr val="white"/>
+                          </a:solidFill>
+                          <a:effectLst/>
+                          <a:uLnTx/>
+                          <a:uFillTx/>
+                          <a:latin typeface="Open Sans"/>
+                          <a:ea typeface="+mn-ea"/>
+                          <a:cs typeface="+mn-cs"/>
+                        </a:rPr>
+                        <a:t>U7</a:t>
+                      </a:r>
+                      <a:endParaRPr kumimoji="0" lang="en-IN" sz="1200" b="1" i="0" u="none" strike="noStrike" kern="1200" cap="none" spc="0" normalizeH="0" baseline="0" noProof="0" dirty="0">
+                        <a:ln>
+                          <a:noFill/>
+                        </a:ln>
+                        <a:solidFill>
+                          <a:prstClr val="white"/>
+                        </a:solidFill>
+                        <a:effectLst/>
+                        <a:uLnTx/>
+                        <a:uFillTx/>
+                        <a:latin typeface="Open Sans"/>
+                        <a:ea typeface="+mn-ea"/>
+                        <a:cs typeface="+mn-cs"/>
+                      </a:endParaRPr>
+                    </a:p>
+                  </a:txBody>
+                  <a:tcPr anchor="ctr">
+                    <a:solidFill>
+                      <a:srgbClr val="FF0000"/>
+                    </a:solidFill>
+                  </a:tcPr>
+                </a:tc>
+                <a:extLst>
+                  <a:ext uri="{0D108BD9-81ED-4DB2-BD59-A6C34878D82A}">
+                    <a16:rowId xmlns:a16="http://schemas.microsoft.com/office/drawing/2014/main" val="3189296442"/>
+                  </a:ext>
+                </a:extLst>
+              </a:tr>
+              <a:tr h="370840">
+                <a:tc>
+                  <a:txBody>
+                    <a:bodyPr/>
+                    <a:lstStyle/>
+                    <a:p>
+                      <a:pPr marL="0" marR="0" lvl="0" indent="0" algn="ctr" defTabSz="914269" rtl="0" eaLnBrk="1" fontAlgn="auto" latinLnBrk="0" hangingPunct="1">
+                        <a:lnSpc>
+                          <a:spcPct val="100000"/>
+                        </a:lnSpc>
+                        <a:spcBef>
+                          <a:spcPts val="0"/>
+                        </a:spcBef>
+                        <a:spcAft>
+                          <a:spcPts val="0"/>
+                        </a:spcAft>
+                        <a:buClrTx/>
+                        <a:buSzTx/>
+                        <a:buFontTx/>
+                        <a:buNone/>
+                        <a:tabLst/>
+                        <a:defRPr/>
+                      </a:pPr>
+                      <a:r>
+                        <a:rPr kumimoji="0" lang="en-US" sz="1200" b="1" i="0" u="none" strike="noStrike" kern="1200" cap="none" spc="0" normalizeH="0" baseline="0" noProof="0" dirty="0">
+                          <a:ln>
+                            <a:noFill/>
+                          </a:ln>
+                          <a:solidFill>
+                            <a:prstClr val="white"/>
+                          </a:solidFill>
+                          <a:effectLst/>
+                          <a:uLnTx/>
+                          <a:uFillTx/>
+                          <a:latin typeface="+mn-lt"/>
+                          <a:ea typeface="+mn-ea"/>
+                          <a:cs typeface="+mn-cs"/>
+                        </a:rPr>
+                        <a:t>U2</a:t>
+                      </a:r>
+                      <a:endParaRPr kumimoji="0" lang="en-IN" sz="1200" b="1" i="0" u="none" strike="noStrike" kern="1200" cap="none" spc="0" normalizeH="0" baseline="0" noProof="0" dirty="0">
+                        <a:ln>
+                          <a:noFill/>
+                        </a:ln>
+                        <a:solidFill>
+                          <a:prstClr val="white"/>
+                        </a:solidFill>
+                        <a:effectLst/>
+                        <a:uLnTx/>
+                        <a:uFillTx/>
+                        <a:latin typeface="+mn-lt"/>
+                        <a:ea typeface="+mn-ea"/>
+                        <a:cs typeface="+mn-cs"/>
+                      </a:endParaRPr>
+                    </a:p>
+                  </a:txBody>
+                  <a:tcPr anchor="ctr">
+                    <a:solidFill>
+                      <a:schemeClr val="accent4"/>
+                    </a:solidFill>
+                  </a:tcPr>
+                </a:tc>
+                <a:tc>
+                  <a:txBody>
+                    <a:bodyPr/>
+                    <a:lstStyle/>
+                    <a:p>
+                      <a:pPr marL="0" marR="0" lvl="0" indent="0" algn="ctr" defTabSz="914269" rtl="0" eaLnBrk="1" fontAlgn="auto" latinLnBrk="0" hangingPunct="1">
+                        <a:lnSpc>
+                          <a:spcPct val="100000"/>
+                        </a:lnSpc>
+                        <a:spcBef>
+                          <a:spcPts val="0"/>
+                        </a:spcBef>
+                        <a:spcAft>
+                          <a:spcPts val="0"/>
+                        </a:spcAft>
+                        <a:buClrTx/>
+                        <a:buSzTx/>
+                        <a:buFontTx/>
+                        <a:buNone/>
+                        <a:tabLst/>
+                        <a:defRPr/>
+                      </a:pPr>
+                      <a:r>
+                        <a:rPr kumimoji="0" lang="en-US" sz="1200" b="1" i="0" u="none" strike="noStrike" kern="1200" cap="none" spc="0" normalizeH="0" baseline="0" noProof="0" dirty="0">
+                          <a:ln>
+                            <a:noFill/>
+                          </a:ln>
+                          <a:solidFill>
+                            <a:prstClr val="white"/>
+                          </a:solidFill>
+                          <a:effectLst/>
+                          <a:uLnTx/>
+                          <a:uFillTx/>
+                          <a:latin typeface="Open Sans"/>
+                          <a:ea typeface="+mn-ea"/>
+                          <a:cs typeface="+mn-cs"/>
+                        </a:rPr>
+                        <a:t>U5</a:t>
+                      </a:r>
+                      <a:endParaRPr kumimoji="0" lang="en-IN" sz="1200" b="1" i="0" u="none" strike="noStrike" kern="1200" cap="none" spc="0" normalizeH="0" baseline="0" noProof="0" dirty="0">
+                        <a:ln>
+                          <a:noFill/>
+                        </a:ln>
+                        <a:solidFill>
+                          <a:prstClr val="white"/>
+                        </a:solidFill>
+                        <a:effectLst/>
+                        <a:uLnTx/>
+                        <a:uFillTx/>
+                        <a:latin typeface="Open Sans"/>
+                        <a:ea typeface="+mn-ea"/>
+                        <a:cs typeface="+mn-cs"/>
+                      </a:endParaRPr>
+                    </a:p>
+                  </a:txBody>
+                  <a:tcPr anchor="ctr">
+                    <a:solidFill>
+                      <a:srgbClr val="FFC000"/>
+                    </a:solidFill>
+                  </a:tcPr>
+                </a:tc>
+                <a:tc>
+                  <a:txBody>
+                    <a:bodyPr/>
+                    <a:lstStyle/>
+                    <a:p>
+                      <a:pPr marL="0" marR="0" lvl="0" indent="0" algn="ctr" defTabSz="914269" rtl="0" eaLnBrk="1" fontAlgn="auto" latinLnBrk="0" hangingPunct="1">
+                        <a:lnSpc>
+                          <a:spcPct val="100000"/>
+                        </a:lnSpc>
+                        <a:spcBef>
+                          <a:spcPts val="0"/>
+                        </a:spcBef>
+                        <a:spcAft>
+                          <a:spcPts val="0"/>
+                        </a:spcAft>
+                        <a:buClrTx/>
+                        <a:buSzTx/>
+                        <a:buFontTx/>
+                        <a:buNone/>
+                        <a:tabLst/>
+                        <a:defRPr/>
+                      </a:pPr>
+                      <a:r>
+                        <a:rPr kumimoji="0" lang="en-US" sz="1200" b="1" i="0" u="none" strike="noStrike" kern="1200" cap="none" spc="0" normalizeH="0" baseline="0" noProof="0" dirty="0">
+                          <a:ln>
+                            <a:noFill/>
+                          </a:ln>
+                          <a:solidFill>
+                            <a:prstClr val="white"/>
+                          </a:solidFill>
+                          <a:effectLst/>
+                          <a:uLnTx/>
+                          <a:uFillTx/>
+                          <a:latin typeface="Open Sans"/>
+                          <a:ea typeface="+mn-ea"/>
+                          <a:cs typeface="+mn-cs"/>
+                        </a:rPr>
+                        <a:t>U8</a:t>
+                      </a:r>
+                      <a:endParaRPr kumimoji="0" lang="en-IN" sz="1200" b="1" i="0" u="none" strike="noStrike" kern="1200" cap="none" spc="0" normalizeH="0" baseline="0" noProof="0" dirty="0">
+                        <a:ln>
+                          <a:noFill/>
+                        </a:ln>
+                        <a:solidFill>
+                          <a:prstClr val="white"/>
+                        </a:solidFill>
+                        <a:effectLst/>
+                        <a:uLnTx/>
+                        <a:uFillTx/>
+                        <a:latin typeface="Open Sans"/>
+                        <a:ea typeface="+mn-ea"/>
+                        <a:cs typeface="+mn-cs"/>
+                      </a:endParaRPr>
+                    </a:p>
+                  </a:txBody>
+                  <a:tcPr anchor="ctr">
+                    <a:solidFill>
+                      <a:srgbClr val="FF0000"/>
+                    </a:solidFill>
+                  </a:tcPr>
+                </a:tc>
+                <a:extLst>
+                  <a:ext uri="{0D108BD9-81ED-4DB2-BD59-A6C34878D82A}">
+                    <a16:rowId xmlns:a16="http://schemas.microsoft.com/office/drawing/2014/main" val="500930785"/>
+                  </a:ext>
+                </a:extLst>
+              </a:tr>
+              <a:tr h="370840">
+                <a:tc>
+                  <a:txBody>
+                    <a:bodyPr/>
+                    <a:lstStyle/>
+                    <a:p>
+                      <a:pPr marL="0" marR="0" lvl="0" indent="0" algn="ctr" defTabSz="914269" rtl="0" eaLnBrk="1" fontAlgn="auto" latinLnBrk="0" hangingPunct="1">
+                        <a:lnSpc>
+                          <a:spcPct val="100000"/>
+                        </a:lnSpc>
+                        <a:spcBef>
+                          <a:spcPts val="0"/>
+                        </a:spcBef>
+                        <a:spcAft>
+                          <a:spcPts val="0"/>
+                        </a:spcAft>
+                        <a:buClrTx/>
+                        <a:buSzTx/>
+                        <a:buFontTx/>
+                        <a:buNone/>
+                        <a:tabLst/>
+                        <a:defRPr/>
+                      </a:pPr>
+                      <a:r>
+                        <a:rPr kumimoji="0" lang="en-US" sz="1200" b="1" i="0" u="none" strike="noStrike" kern="1200" cap="none" spc="0" normalizeH="0" baseline="0" noProof="0" dirty="0">
+                          <a:ln>
+                            <a:noFill/>
+                          </a:ln>
+                          <a:solidFill>
+                            <a:prstClr val="white"/>
+                          </a:solidFill>
+                          <a:effectLst/>
+                          <a:uLnTx/>
+                          <a:uFillTx/>
+                          <a:latin typeface="+mn-lt"/>
+                          <a:ea typeface="+mn-ea"/>
+                          <a:cs typeface="+mn-cs"/>
+                        </a:rPr>
+                        <a:t>U3</a:t>
+                      </a:r>
+                      <a:endParaRPr kumimoji="0" lang="en-IN" sz="1200" b="1" i="0" u="none" strike="noStrike" kern="1200" cap="none" spc="0" normalizeH="0" baseline="0" noProof="0" dirty="0">
+                        <a:ln>
+                          <a:noFill/>
+                        </a:ln>
+                        <a:solidFill>
+                          <a:prstClr val="white"/>
+                        </a:solidFill>
+                        <a:effectLst/>
+                        <a:uLnTx/>
+                        <a:uFillTx/>
+                        <a:latin typeface="+mn-lt"/>
+                        <a:ea typeface="+mn-ea"/>
+                        <a:cs typeface="+mn-cs"/>
+                      </a:endParaRPr>
+                    </a:p>
+                  </a:txBody>
+                  <a:tcPr anchor="ctr">
+                    <a:solidFill>
+                      <a:schemeClr val="accent4"/>
+                    </a:solidFill>
+                  </a:tcPr>
+                </a:tc>
+                <a:tc>
+                  <a:txBody>
+                    <a:bodyPr/>
+                    <a:lstStyle/>
+                    <a:p>
+                      <a:pPr marL="0" marR="0" lvl="0" indent="0" algn="ctr" defTabSz="914269" rtl="0" eaLnBrk="1" fontAlgn="auto" latinLnBrk="0" hangingPunct="1">
+                        <a:lnSpc>
+                          <a:spcPct val="100000"/>
+                        </a:lnSpc>
+                        <a:spcBef>
+                          <a:spcPts val="0"/>
+                        </a:spcBef>
+                        <a:spcAft>
+                          <a:spcPts val="0"/>
+                        </a:spcAft>
+                        <a:buClrTx/>
+                        <a:buSzTx/>
+                        <a:buFontTx/>
+                        <a:buNone/>
+                        <a:tabLst/>
+                        <a:defRPr/>
+                      </a:pPr>
+                      <a:r>
+                        <a:rPr kumimoji="0" lang="en-US" sz="1200" b="1" i="0" u="none" strike="noStrike" kern="1200" cap="none" spc="0" normalizeH="0" baseline="0" noProof="0" dirty="0">
+                          <a:ln>
+                            <a:noFill/>
+                          </a:ln>
+                          <a:solidFill>
+                            <a:prstClr val="white"/>
+                          </a:solidFill>
+                          <a:effectLst/>
+                          <a:uLnTx/>
+                          <a:uFillTx/>
+                          <a:latin typeface="Open Sans"/>
+                          <a:ea typeface="+mn-ea"/>
+                          <a:cs typeface="+mn-cs"/>
+                        </a:rPr>
+                        <a:t>U6</a:t>
+                      </a:r>
+                      <a:endParaRPr kumimoji="0" lang="en-IN" sz="1200" b="1" i="0" u="none" strike="noStrike" kern="1200" cap="none" spc="0" normalizeH="0" baseline="0" noProof="0" dirty="0">
+                        <a:ln>
+                          <a:noFill/>
+                        </a:ln>
+                        <a:solidFill>
+                          <a:prstClr val="white"/>
+                        </a:solidFill>
+                        <a:effectLst/>
+                        <a:uLnTx/>
+                        <a:uFillTx/>
+                        <a:latin typeface="Open Sans"/>
+                        <a:ea typeface="+mn-ea"/>
+                        <a:cs typeface="+mn-cs"/>
+                      </a:endParaRPr>
+                    </a:p>
+                  </a:txBody>
+                  <a:tcPr anchor="ctr">
+                    <a:solidFill>
+                      <a:srgbClr val="FFC000"/>
+                    </a:solidFill>
+                  </a:tcPr>
+                </a:tc>
+                <a:tc>
+                  <a:txBody>
+                    <a:bodyPr/>
+                    <a:lstStyle/>
+                    <a:p>
+                      <a:pPr marL="0" marR="0" lvl="0" indent="0" algn="ctr" defTabSz="914269" rtl="0" eaLnBrk="1" fontAlgn="auto" latinLnBrk="0" hangingPunct="1">
+                        <a:lnSpc>
+                          <a:spcPct val="100000"/>
+                        </a:lnSpc>
+                        <a:spcBef>
+                          <a:spcPts val="0"/>
+                        </a:spcBef>
+                        <a:spcAft>
+                          <a:spcPts val="0"/>
+                        </a:spcAft>
+                        <a:buClrTx/>
+                        <a:buSzTx/>
+                        <a:buFontTx/>
+                        <a:buNone/>
+                        <a:tabLst/>
+                        <a:defRPr/>
+                      </a:pPr>
+                      <a:r>
+                        <a:rPr kumimoji="0" lang="en-US" sz="1200" b="1" i="0" u="none" strike="noStrike" kern="1200" cap="none" spc="0" normalizeH="0" baseline="0" noProof="0" dirty="0">
+                          <a:ln>
+                            <a:noFill/>
+                          </a:ln>
+                          <a:solidFill>
+                            <a:prstClr val="white"/>
+                          </a:solidFill>
+                          <a:effectLst/>
+                          <a:uLnTx/>
+                          <a:uFillTx/>
+                          <a:latin typeface="Open Sans"/>
+                          <a:ea typeface="+mn-ea"/>
+                          <a:cs typeface="+mn-cs"/>
+                        </a:rPr>
+                        <a:t>U9</a:t>
+                      </a:r>
+                      <a:endParaRPr kumimoji="0" lang="en-IN" sz="1200" b="1" i="0" u="none" strike="noStrike" kern="1200" cap="none" spc="0" normalizeH="0" baseline="0" noProof="0" dirty="0">
+                        <a:ln>
+                          <a:noFill/>
+                        </a:ln>
+                        <a:solidFill>
+                          <a:prstClr val="white"/>
+                        </a:solidFill>
+                        <a:effectLst/>
+                        <a:uLnTx/>
+                        <a:uFillTx/>
+                        <a:latin typeface="Open Sans"/>
+                        <a:ea typeface="+mn-ea"/>
+                        <a:cs typeface="+mn-cs"/>
+                      </a:endParaRPr>
+                    </a:p>
+                  </a:txBody>
+                  <a:tcPr anchor="ctr">
+                    <a:solidFill>
+                      <a:srgbClr val="FF0000"/>
+                    </a:solidFill>
+                  </a:tcPr>
+                </a:tc>
+                <a:extLst>
+                  <a:ext uri="{0D108BD9-81ED-4DB2-BD59-A6C34878D82A}">
+                    <a16:rowId xmlns:a16="http://schemas.microsoft.com/office/drawing/2014/main" val="1178865150"/>
+                  </a:ext>
+                </a:extLst>
+              </a:tr>
+            </a:tbl>
+          </a:graphicData>
+        </a:graphic>
+      </p:graphicFrame>
+      <p:pic>
+        <p:nvPicPr>
+          <p:cNvPr id="9" name="Picture 8">
+            <a:extLst>
+              <a:ext uri="{FF2B5EF4-FFF2-40B4-BE49-F238E27FC236}">
+                <a16:creationId xmlns:a16="http://schemas.microsoft.com/office/drawing/2014/main" id="{6A0ECB14-D12C-DD0B-9F27-C26485549BAC}"/>
+              </a:ext>
+            </a:extLst>
+          </p:cNvPr>
+          <p:cNvPicPr>
+            <a:picLocks noChangeAspect="1"/>
+          </p:cNvPicPr>
+          <p:nvPr/>
+        </p:nvPicPr>
+        <p:blipFill>
+          <a:blip r:embed="rId4" cstate="print">
+            <a:extLst>
+              <a:ext uri="{28A0092B-C50C-407E-A947-70E740481C1C}">
+                <a14:useLocalDpi xmlns:a14="http://schemas.microsoft.com/office/drawing/2010/main" val="0"/>
+              </a:ext>
+            </a:extLst>
+          </a:blip>
+          <a:stretch>
+            <a:fillRect/>
+          </a:stretch>
+        </p:blipFill>
+        <p:spPr>
+          <a:xfrm>
+            <a:off x="4704589" y="2567022"/>
+            <a:ext cx="3395802" cy="2739673"/>
+          </a:xfrm>
+          <a:prstGeom prst="rect">
+            <a:avLst/>
+          </a:prstGeom>
+        </p:spPr>
+      </p:pic>
+      <p:graphicFrame>
+        <p:nvGraphicFramePr>
+          <p:cNvPr id="10" name="Table 9">
+            <a:extLst>
+              <a:ext uri="{FF2B5EF4-FFF2-40B4-BE49-F238E27FC236}">
+                <a16:creationId xmlns:a16="http://schemas.microsoft.com/office/drawing/2014/main" id="{B4A309CC-FAF0-7E9E-DF7D-C9EBCAAEBC79}"/>
+              </a:ext>
+            </a:extLst>
+          </p:cNvPr>
+          <p:cNvGraphicFramePr>
+            <a:graphicFrameLocks noGrp="1"/>
+          </p:cNvGraphicFramePr>
+          <p:nvPr>
+            <p:extLst>
+              <p:ext uri="{D42A27DB-BD31-4B8C-83A1-F6EECF244321}">
+                <p14:modId xmlns:p14="http://schemas.microsoft.com/office/powerpoint/2010/main" val="925969335"/>
+              </p:ext>
+            </p:extLst>
+          </p:nvPr>
+        </p:nvGraphicFramePr>
+        <p:xfrm>
+          <a:off x="8995486" y="1232460"/>
+          <a:ext cx="2058573" cy="1112520"/>
+        </p:xfrm>
+        <a:graphic>
+          <a:graphicData uri="http://schemas.openxmlformats.org/drawingml/2006/table">
+            <a:tbl>
+              <a:tblPr firstRow="1" bandRow="1">
+                <a:tableStyleId>{5940675A-B579-460E-94D1-54222C63F5DA}</a:tableStyleId>
+              </a:tblPr>
+              <a:tblGrid>
+                <a:gridCol w="686191">
+                  <a:extLst>
+                    <a:ext uri="{9D8B030D-6E8A-4147-A177-3AD203B41FA5}">
+                      <a16:colId xmlns:a16="http://schemas.microsoft.com/office/drawing/2014/main" val="3521477546"/>
+                    </a:ext>
+                  </a:extLst>
+                </a:gridCol>
+                <a:gridCol w="686191">
+                  <a:extLst>
+                    <a:ext uri="{9D8B030D-6E8A-4147-A177-3AD203B41FA5}">
+                      <a16:colId xmlns:a16="http://schemas.microsoft.com/office/drawing/2014/main" val="854420662"/>
+                    </a:ext>
+                  </a:extLst>
+                </a:gridCol>
+                <a:gridCol w="686191">
+                  <a:extLst>
+                    <a:ext uri="{9D8B030D-6E8A-4147-A177-3AD203B41FA5}">
+                      <a16:colId xmlns:a16="http://schemas.microsoft.com/office/drawing/2014/main" val="530502544"/>
+                    </a:ext>
+                  </a:extLst>
+                </a:gridCol>
+              </a:tblGrid>
+              <a:tr h="370840">
+                <a:tc>
+                  <a:txBody>
+                    <a:bodyPr/>
+                    <a:lstStyle/>
+                    <a:p>
+                      <a:pPr algn="ctr"/>
+                      <a:r>
+                        <a:rPr lang="en-US" sz="1200" b="1" dirty="0">
+                          <a:solidFill>
+                            <a:schemeClr val="bg1"/>
+                          </a:solidFill>
+                        </a:rPr>
+                        <a:t>U1</a:t>
+                      </a:r>
+                      <a:endParaRPr lang="en-IN" sz="1200" b="1" dirty="0">
+                        <a:solidFill>
+                          <a:schemeClr val="bg1"/>
+                        </a:solidFill>
+                      </a:endParaRPr>
+                    </a:p>
+                  </a:txBody>
+                  <a:tcPr anchor="ctr">
+                    <a:solidFill>
+                      <a:schemeClr val="accent4"/>
+                    </a:solidFill>
+                  </a:tcPr>
+                </a:tc>
+                <a:tc>
+                  <a:txBody>
+                    <a:bodyPr/>
+                    <a:lstStyle/>
+                    <a:p>
+                      <a:pPr marL="0" marR="0" lvl="0" indent="0" algn="ctr" defTabSz="914269" rtl="0" eaLnBrk="1" fontAlgn="auto" latinLnBrk="0" hangingPunct="1">
+                        <a:lnSpc>
+                          <a:spcPct val="100000"/>
+                        </a:lnSpc>
+                        <a:spcBef>
+                          <a:spcPts val="0"/>
+                        </a:spcBef>
+                        <a:spcAft>
+                          <a:spcPts val="0"/>
+                        </a:spcAft>
+                        <a:buClrTx/>
+                        <a:buSzTx/>
+                        <a:buFontTx/>
+                        <a:buNone/>
+                        <a:tabLst/>
+                        <a:defRPr/>
+                      </a:pPr>
+                      <a:r>
+                        <a:rPr kumimoji="0" lang="en-US" sz="1200" b="1" i="0" u="none" strike="noStrike" kern="1200" cap="none" spc="0" normalizeH="0" baseline="0" noProof="0" dirty="0">
+                          <a:ln>
+                            <a:noFill/>
+                          </a:ln>
+                          <a:solidFill>
+                            <a:prstClr val="white"/>
+                          </a:solidFill>
+                          <a:effectLst/>
+                          <a:uLnTx/>
+                          <a:uFillTx/>
+                          <a:latin typeface="Open Sans"/>
+                          <a:ea typeface="+mn-ea"/>
+                          <a:cs typeface="+mn-cs"/>
+                        </a:rPr>
+                        <a:t>U4</a:t>
+                      </a:r>
+                      <a:endParaRPr kumimoji="0" lang="en-IN" sz="1200" b="1" i="0" u="none" strike="noStrike" kern="1200" cap="none" spc="0" normalizeH="0" baseline="0" noProof="0" dirty="0">
+                        <a:ln>
+                          <a:noFill/>
+                        </a:ln>
+                        <a:solidFill>
+                          <a:prstClr val="white"/>
+                        </a:solidFill>
+                        <a:effectLst/>
+                        <a:uLnTx/>
+                        <a:uFillTx/>
+                        <a:latin typeface="Open Sans"/>
+                        <a:ea typeface="+mn-ea"/>
+                        <a:cs typeface="+mn-cs"/>
+                      </a:endParaRPr>
+                    </a:p>
+                  </a:txBody>
+                  <a:tcPr anchor="ctr">
+                    <a:solidFill>
+                      <a:schemeClr val="accent4"/>
+                    </a:solidFill>
+                  </a:tcPr>
+                </a:tc>
+                <a:tc>
+                  <a:txBody>
+                    <a:bodyPr/>
+                    <a:lstStyle/>
+                    <a:p>
+                      <a:pPr marL="0" marR="0" lvl="0" indent="0" algn="ctr" defTabSz="914269" rtl="0" eaLnBrk="1" fontAlgn="auto" latinLnBrk="0" hangingPunct="1">
+                        <a:lnSpc>
+                          <a:spcPct val="100000"/>
+                        </a:lnSpc>
+                        <a:spcBef>
+                          <a:spcPts val="0"/>
+                        </a:spcBef>
+                        <a:spcAft>
+                          <a:spcPts val="0"/>
+                        </a:spcAft>
+                        <a:buClrTx/>
+                        <a:buSzTx/>
+                        <a:buFontTx/>
+                        <a:buNone/>
+                        <a:tabLst/>
+                        <a:defRPr/>
+                      </a:pPr>
+                      <a:r>
+                        <a:rPr kumimoji="0" lang="en-US" sz="1200" b="1" i="0" u="none" strike="noStrike" kern="1200" cap="none" spc="0" normalizeH="0" baseline="0" noProof="0" dirty="0">
+                          <a:ln>
+                            <a:noFill/>
+                          </a:ln>
+                          <a:solidFill>
+                            <a:prstClr val="white"/>
+                          </a:solidFill>
+                          <a:effectLst/>
+                          <a:uLnTx/>
+                          <a:uFillTx/>
+                          <a:latin typeface="Open Sans"/>
+                          <a:ea typeface="+mn-ea"/>
+                          <a:cs typeface="+mn-cs"/>
+                        </a:rPr>
+                        <a:t>U7</a:t>
+                      </a:r>
+                      <a:endParaRPr kumimoji="0" lang="en-IN" sz="1200" b="1" i="0" u="none" strike="noStrike" kern="1200" cap="none" spc="0" normalizeH="0" baseline="0" noProof="0" dirty="0">
+                        <a:ln>
+                          <a:noFill/>
+                        </a:ln>
+                        <a:solidFill>
+                          <a:prstClr val="white"/>
+                        </a:solidFill>
+                        <a:effectLst/>
+                        <a:uLnTx/>
+                        <a:uFillTx/>
+                        <a:latin typeface="Open Sans"/>
+                        <a:ea typeface="+mn-ea"/>
+                        <a:cs typeface="+mn-cs"/>
+                      </a:endParaRPr>
+                    </a:p>
+                  </a:txBody>
+                  <a:tcPr anchor="ctr">
+                    <a:solidFill>
+                      <a:schemeClr val="accent4"/>
+                    </a:solidFill>
+                  </a:tcPr>
+                </a:tc>
+                <a:extLst>
+                  <a:ext uri="{0D108BD9-81ED-4DB2-BD59-A6C34878D82A}">
+                    <a16:rowId xmlns:a16="http://schemas.microsoft.com/office/drawing/2014/main" val="3189296442"/>
+                  </a:ext>
+                </a:extLst>
+              </a:tr>
+              <a:tr h="370840">
+                <a:tc>
+                  <a:txBody>
+                    <a:bodyPr/>
+                    <a:lstStyle/>
+                    <a:p>
+                      <a:pPr marL="0" marR="0" lvl="0" indent="0" algn="ctr" defTabSz="914269" rtl="0" eaLnBrk="1" fontAlgn="auto" latinLnBrk="0" hangingPunct="1">
+                        <a:lnSpc>
+                          <a:spcPct val="100000"/>
+                        </a:lnSpc>
+                        <a:spcBef>
+                          <a:spcPts val="0"/>
+                        </a:spcBef>
+                        <a:spcAft>
+                          <a:spcPts val="0"/>
+                        </a:spcAft>
+                        <a:buClrTx/>
+                        <a:buSzTx/>
+                        <a:buFontTx/>
+                        <a:buNone/>
+                        <a:tabLst/>
+                        <a:defRPr/>
+                      </a:pPr>
+                      <a:r>
+                        <a:rPr kumimoji="0" lang="en-US" sz="1200" b="1" i="0" u="none" strike="noStrike" kern="1200" cap="none" spc="0" normalizeH="0" baseline="0" noProof="0" dirty="0">
+                          <a:ln>
+                            <a:noFill/>
+                          </a:ln>
+                          <a:solidFill>
+                            <a:prstClr val="white"/>
+                          </a:solidFill>
+                          <a:effectLst/>
+                          <a:uLnTx/>
+                          <a:uFillTx/>
+                          <a:latin typeface="+mn-lt"/>
+                          <a:ea typeface="+mn-ea"/>
+                          <a:cs typeface="+mn-cs"/>
+                        </a:rPr>
+                        <a:t>U2</a:t>
+                      </a:r>
+                      <a:endParaRPr kumimoji="0" lang="en-IN" sz="1200" b="1" i="0" u="none" strike="noStrike" kern="1200" cap="none" spc="0" normalizeH="0" baseline="0" noProof="0" dirty="0">
+                        <a:ln>
+                          <a:noFill/>
+                        </a:ln>
+                        <a:solidFill>
+                          <a:prstClr val="white"/>
+                        </a:solidFill>
+                        <a:effectLst/>
+                        <a:uLnTx/>
+                        <a:uFillTx/>
+                        <a:latin typeface="+mn-lt"/>
+                        <a:ea typeface="+mn-ea"/>
+                        <a:cs typeface="+mn-cs"/>
+                      </a:endParaRPr>
+                    </a:p>
+                  </a:txBody>
+                  <a:tcPr anchor="ctr">
+                    <a:solidFill>
+                      <a:srgbClr val="FFC000"/>
+                    </a:solidFill>
+                  </a:tcPr>
+                </a:tc>
+                <a:tc>
+                  <a:txBody>
+                    <a:bodyPr/>
+                    <a:lstStyle/>
+                    <a:p>
+                      <a:pPr marL="0" marR="0" lvl="0" indent="0" algn="ctr" defTabSz="914269" rtl="0" eaLnBrk="1" fontAlgn="auto" latinLnBrk="0" hangingPunct="1">
+                        <a:lnSpc>
+                          <a:spcPct val="100000"/>
+                        </a:lnSpc>
+                        <a:spcBef>
+                          <a:spcPts val="0"/>
+                        </a:spcBef>
+                        <a:spcAft>
+                          <a:spcPts val="0"/>
+                        </a:spcAft>
+                        <a:buClrTx/>
+                        <a:buSzTx/>
+                        <a:buFontTx/>
+                        <a:buNone/>
+                        <a:tabLst/>
+                        <a:defRPr/>
+                      </a:pPr>
+                      <a:r>
+                        <a:rPr kumimoji="0" lang="en-US" sz="1200" b="1" i="0" u="none" strike="noStrike" kern="1200" cap="none" spc="0" normalizeH="0" baseline="0" noProof="0" dirty="0">
+                          <a:ln>
+                            <a:noFill/>
+                          </a:ln>
+                          <a:solidFill>
+                            <a:prstClr val="white"/>
+                          </a:solidFill>
+                          <a:effectLst/>
+                          <a:uLnTx/>
+                          <a:uFillTx/>
+                          <a:latin typeface="Open Sans"/>
+                          <a:ea typeface="+mn-ea"/>
+                          <a:cs typeface="+mn-cs"/>
+                        </a:rPr>
+                        <a:t>U5</a:t>
+                      </a:r>
+                      <a:endParaRPr kumimoji="0" lang="en-IN" sz="1200" b="1" i="0" u="none" strike="noStrike" kern="1200" cap="none" spc="0" normalizeH="0" baseline="0" noProof="0" dirty="0">
+                        <a:ln>
+                          <a:noFill/>
+                        </a:ln>
+                        <a:solidFill>
+                          <a:prstClr val="white"/>
+                        </a:solidFill>
+                        <a:effectLst/>
+                        <a:uLnTx/>
+                        <a:uFillTx/>
+                        <a:latin typeface="Open Sans"/>
+                        <a:ea typeface="+mn-ea"/>
+                        <a:cs typeface="+mn-cs"/>
+                      </a:endParaRPr>
+                    </a:p>
+                  </a:txBody>
+                  <a:tcPr anchor="ctr">
+                    <a:solidFill>
+                      <a:srgbClr val="FFC000"/>
+                    </a:solidFill>
+                  </a:tcPr>
+                </a:tc>
+                <a:tc>
+                  <a:txBody>
+                    <a:bodyPr/>
+                    <a:lstStyle/>
+                    <a:p>
+                      <a:pPr marL="0" marR="0" lvl="0" indent="0" algn="ctr" defTabSz="914269" rtl="0" eaLnBrk="1" fontAlgn="auto" latinLnBrk="0" hangingPunct="1">
+                        <a:lnSpc>
+                          <a:spcPct val="100000"/>
+                        </a:lnSpc>
+                        <a:spcBef>
+                          <a:spcPts val="0"/>
+                        </a:spcBef>
+                        <a:spcAft>
+                          <a:spcPts val="0"/>
+                        </a:spcAft>
+                        <a:buClrTx/>
+                        <a:buSzTx/>
+                        <a:buFontTx/>
+                        <a:buNone/>
+                        <a:tabLst/>
+                        <a:defRPr/>
+                      </a:pPr>
+                      <a:r>
+                        <a:rPr kumimoji="0" lang="en-US" sz="1200" b="1" i="0" u="none" strike="noStrike" kern="1200" cap="none" spc="0" normalizeH="0" baseline="0" noProof="0" dirty="0">
+                          <a:ln>
+                            <a:noFill/>
+                          </a:ln>
+                          <a:solidFill>
+                            <a:prstClr val="white"/>
+                          </a:solidFill>
+                          <a:effectLst/>
+                          <a:uLnTx/>
+                          <a:uFillTx/>
+                          <a:latin typeface="Open Sans"/>
+                          <a:ea typeface="+mn-ea"/>
+                          <a:cs typeface="+mn-cs"/>
+                        </a:rPr>
+                        <a:t>U8</a:t>
+                      </a:r>
+                      <a:endParaRPr kumimoji="0" lang="en-IN" sz="1200" b="1" i="0" u="none" strike="noStrike" kern="1200" cap="none" spc="0" normalizeH="0" baseline="0" noProof="0" dirty="0">
+                        <a:ln>
+                          <a:noFill/>
+                        </a:ln>
+                        <a:solidFill>
+                          <a:prstClr val="white"/>
+                        </a:solidFill>
+                        <a:effectLst/>
+                        <a:uLnTx/>
+                        <a:uFillTx/>
+                        <a:latin typeface="Open Sans"/>
+                        <a:ea typeface="+mn-ea"/>
+                        <a:cs typeface="+mn-cs"/>
+                      </a:endParaRPr>
+                    </a:p>
+                  </a:txBody>
+                  <a:tcPr anchor="ctr">
+                    <a:solidFill>
+                      <a:srgbClr val="FFC000"/>
+                    </a:solidFill>
+                  </a:tcPr>
+                </a:tc>
+                <a:extLst>
+                  <a:ext uri="{0D108BD9-81ED-4DB2-BD59-A6C34878D82A}">
+                    <a16:rowId xmlns:a16="http://schemas.microsoft.com/office/drawing/2014/main" val="500930785"/>
+                  </a:ext>
+                </a:extLst>
+              </a:tr>
+              <a:tr h="370840">
+                <a:tc>
+                  <a:txBody>
+                    <a:bodyPr/>
+                    <a:lstStyle/>
+                    <a:p>
+                      <a:pPr marL="0" marR="0" lvl="0" indent="0" algn="ctr" defTabSz="914269" rtl="0" eaLnBrk="1" fontAlgn="auto" latinLnBrk="0" hangingPunct="1">
+                        <a:lnSpc>
+                          <a:spcPct val="100000"/>
+                        </a:lnSpc>
+                        <a:spcBef>
+                          <a:spcPts val="0"/>
+                        </a:spcBef>
+                        <a:spcAft>
+                          <a:spcPts val="0"/>
+                        </a:spcAft>
+                        <a:buClrTx/>
+                        <a:buSzTx/>
+                        <a:buFontTx/>
+                        <a:buNone/>
+                        <a:tabLst/>
+                        <a:defRPr/>
+                      </a:pPr>
+                      <a:r>
+                        <a:rPr kumimoji="0" lang="en-US" sz="1200" b="1" i="0" u="none" strike="noStrike" kern="1200" cap="none" spc="0" normalizeH="0" baseline="0" noProof="0" dirty="0">
+                          <a:ln>
+                            <a:noFill/>
+                          </a:ln>
+                          <a:solidFill>
+                            <a:prstClr val="white"/>
+                          </a:solidFill>
+                          <a:effectLst/>
+                          <a:uLnTx/>
+                          <a:uFillTx/>
+                          <a:latin typeface="+mn-lt"/>
+                          <a:ea typeface="+mn-ea"/>
+                          <a:cs typeface="+mn-cs"/>
+                        </a:rPr>
+                        <a:t>U3</a:t>
+                      </a:r>
+                      <a:endParaRPr kumimoji="0" lang="en-IN" sz="1200" b="1" i="0" u="none" strike="noStrike" kern="1200" cap="none" spc="0" normalizeH="0" baseline="0" noProof="0" dirty="0">
+                        <a:ln>
+                          <a:noFill/>
+                        </a:ln>
+                        <a:solidFill>
+                          <a:prstClr val="white"/>
+                        </a:solidFill>
+                        <a:effectLst/>
+                        <a:uLnTx/>
+                        <a:uFillTx/>
+                        <a:latin typeface="+mn-lt"/>
+                        <a:ea typeface="+mn-ea"/>
+                        <a:cs typeface="+mn-cs"/>
+                      </a:endParaRPr>
+                    </a:p>
+                  </a:txBody>
+                  <a:tcPr anchor="ctr">
+                    <a:solidFill>
+                      <a:srgbClr val="FF0000"/>
+                    </a:solidFill>
+                  </a:tcPr>
+                </a:tc>
+                <a:tc>
+                  <a:txBody>
+                    <a:bodyPr/>
+                    <a:lstStyle/>
+                    <a:p>
+                      <a:pPr marL="0" marR="0" lvl="0" indent="0" algn="ctr" defTabSz="914269" rtl="0" eaLnBrk="1" fontAlgn="auto" latinLnBrk="0" hangingPunct="1">
+                        <a:lnSpc>
+                          <a:spcPct val="100000"/>
+                        </a:lnSpc>
+                        <a:spcBef>
+                          <a:spcPts val="0"/>
+                        </a:spcBef>
+                        <a:spcAft>
+                          <a:spcPts val="0"/>
+                        </a:spcAft>
+                        <a:buClrTx/>
+                        <a:buSzTx/>
+                        <a:buFontTx/>
+                        <a:buNone/>
+                        <a:tabLst/>
+                        <a:defRPr/>
+                      </a:pPr>
+                      <a:r>
+                        <a:rPr kumimoji="0" lang="en-US" sz="1200" b="1" i="0" u="none" strike="noStrike" kern="1200" cap="none" spc="0" normalizeH="0" baseline="0" noProof="0" dirty="0">
+                          <a:ln>
+                            <a:noFill/>
+                          </a:ln>
+                          <a:solidFill>
+                            <a:prstClr val="white"/>
+                          </a:solidFill>
+                          <a:effectLst/>
+                          <a:uLnTx/>
+                          <a:uFillTx/>
+                          <a:latin typeface="Open Sans"/>
+                          <a:ea typeface="+mn-ea"/>
+                          <a:cs typeface="+mn-cs"/>
+                        </a:rPr>
+                        <a:t>U6</a:t>
+                      </a:r>
+                      <a:endParaRPr kumimoji="0" lang="en-IN" sz="1200" b="1" i="0" u="none" strike="noStrike" kern="1200" cap="none" spc="0" normalizeH="0" baseline="0" noProof="0" dirty="0">
+                        <a:ln>
+                          <a:noFill/>
+                        </a:ln>
+                        <a:solidFill>
+                          <a:prstClr val="white"/>
+                        </a:solidFill>
+                        <a:effectLst/>
+                        <a:uLnTx/>
+                        <a:uFillTx/>
+                        <a:latin typeface="Open Sans"/>
+                        <a:ea typeface="+mn-ea"/>
+                        <a:cs typeface="+mn-cs"/>
+                      </a:endParaRPr>
+                    </a:p>
+                  </a:txBody>
+                  <a:tcPr anchor="ctr">
+                    <a:solidFill>
+                      <a:srgbClr val="FF0000"/>
+                    </a:solidFill>
+                  </a:tcPr>
+                </a:tc>
+                <a:tc>
+                  <a:txBody>
+                    <a:bodyPr/>
+                    <a:lstStyle/>
+                    <a:p>
+                      <a:pPr marL="0" marR="0" lvl="0" indent="0" algn="ctr" defTabSz="914269" rtl="0" eaLnBrk="1" fontAlgn="auto" latinLnBrk="0" hangingPunct="1">
+                        <a:lnSpc>
+                          <a:spcPct val="100000"/>
+                        </a:lnSpc>
+                        <a:spcBef>
+                          <a:spcPts val="0"/>
+                        </a:spcBef>
+                        <a:spcAft>
+                          <a:spcPts val="0"/>
+                        </a:spcAft>
+                        <a:buClrTx/>
+                        <a:buSzTx/>
+                        <a:buFontTx/>
+                        <a:buNone/>
+                        <a:tabLst/>
+                        <a:defRPr/>
+                      </a:pPr>
+                      <a:r>
+                        <a:rPr kumimoji="0" lang="en-US" sz="1200" b="1" i="0" u="none" strike="noStrike" kern="1200" cap="none" spc="0" normalizeH="0" baseline="0" noProof="0" dirty="0">
+                          <a:ln>
+                            <a:noFill/>
+                          </a:ln>
+                          <a:solidFill>
+                            <a:prstClr val="white"/>
+                          </a:solidFill>
+                          <a:effectLst/>
+                          <a:uLnTx/>
+                          <a:uFillTx/>
+                          <a:latin typeface="Open Sans"/>
+                          <a:ea typeface="+mn-ea"/>
+                          <a:cs typeface="+mn-cs"/>
+                        </a:rPr>
+                        <a:t>U9</a:t>
+                      </a:r>
+                      <a:endParaRPr kumimoji="0" lang="en-IN" sz="1200" b="1" i="0" u="none" strike="noStrike" kern="1200" cap="none" spc="0" normalizeH="0" baseline="0" noProof="0" dirty="0">
+                        <a:ln>
+                          <a:noFill/>
+                        </a:ln>
+                        <a:solidFill>
+                          <a:prstClr val="white"/>
+                        </a:solidFill>
+                        <a:effectLst/>
+                        <a:uLnTx/>
+                        <a:uFillTx/>
+                        <a:latin typeface="Open Sans"/>
+                        <a:ea typeface="+mn-ea"/>
+                        <a:cs typeface="+mn-cs"/>
+                      </a:endParaRPr>
+                    </a:p>
+                  </a:txBody>
+                  <a:tcPr anchor="ctr">
+                    <a:solidFill>
+                      <a:srgbClr val="FF0000"/>
+                    </a:solidFill>
+                  </a:tcPr>
+                </a:tc>
+                <a:extLst>
+                  <a:ext uri="{0D108BD9-81ED-4DB2-BD59-A6C34878D82A}">
+                    <a16:rowId xmlns:a16="http://schemas.microsoft.com/office/drawing/2014/main" val="1178865150"/>
+                  </a:ext>
+                </a:extLst>
+              </a:tr>
+            </a:tbl>
+          </a:graphicData>
+        </a:graphic>
+      </p:graphicFrame>
+      <p:pic>
+        <p:nvPicPr>
+          <p:cNvPr id="12" name="Picture 11">
+            <a:extLst>
+              <a:ext uri="{FF2B5EF4-FFF2-40B4-BE49-F238E27FC236}">
+                <a16:creationId xmlns:a16="http://schemas.microsoft.com/office/drawing/2014/main" id="{5ED1EC20-B5C8-AE3C-96B6-28F4B137CFBB}"/>
+              </a:ext>
+            </a:extLst>
+          </p:cNvPr>
+          <p:cNvPicPr>
+            <a:picLocks noChangeAspect="1"/>
+          </p:cNvPicPr>
+          <p:nvPr/>
+        </p:nvPicPr>
+        <p:blipFill>
+          <a:blip r:embed="rId5" cstate="print">
+            <a:extLst>
+              <a:ext uri="{28A0092B-C50C-407E-A947-70E740481C1C}">
+                <a14:useLocalDpi xmlns:a14="http://schemas.microsoft.com/office/drawing/2010/main" val="0"/>
+              </a:ext>
+            </a:extLst>
+          </a:blip>
+          <a:stretch>
+            <a:fillRect/>
+          </a:stretch>
+        </p:blipFill>
+        <p:spPr>
+          <a:xfrm>
+            <a:off x="8272737" y="2567022"/>
+            <a:ext cx="3395802" cy="2739673"/>
+          </a:xfrm>
+          <a:prstGeom prst="rect">
+            <a:avLst/>
+          </a:prstGeom>
+        </p:spPr>
+      </p:pic>
+      <p:graphicFrame>
+        <p:nvGraphicFramePr>
+          <p:cNvPr id="15" name="Table 14">
+            <a:extLst>
+              <a:ext uri="{FF2B5EF4-FFF2-40B4-BE49-F238E27FC236}">
+                <a16:creationId xmlns:a16="http://schemas.microsoft.com/office/drawing/2014/main" id="{4A36E539-C00C-C700-E0B8-2D6DBAAF297A}"/>
+              </a:ext>
+            </a:extLst>
+          </p:cNvPr>
+          <p:cNvGraphicFramePr>
+            <a:graphicFrameLocks noGrp="1"/>
+          </p:cNvGraphicFramePr>
+          <p:nvPr>
+            <p:extLst>
+              <p:ext uri="{D42A27DB-BD31-4B8C-83A1-F6EECF244321}">
+                <p14:modId xmlns:p14="http://schemas.microsoft.com/office/powerpoint/2010/main" val="3628102287"/>
+              </p:ext>
+            </p:extLst>
+          </p:nvPr>
+        </p:nvGraphicFramePr>
+        <p:xfrm>
+          <a:off x="7803433" y="1252330"/>
+          <a:ext cx="790713" cy="1112520"/>
+        </p:xfrm>
+        <a:graphic>
+          <a:graphicData uri="http://schemas.openxmlformats.org/drawingml/2006/table">
+            <a:tbl>
+              <a:tblPr firstRow="1" bandRow="1">
+                <a:tableStyleId>{5940675A-B579-460E-94D1-54222C63F5DA}</a:tableStyleId>
+              </a:tblPr>
+              <a:tblGrid>
+                <a:gridCol w="790713">
+                  <a:extLst>
+                    <a:ext uri="{9D8B030D-6E8A-4147-A177-3AD203B41FA5}">
+                      <a16:colId xmlns:a16="http://schemas.microsoft.com/office/drawing/2014/main" val="1280704287"/>
+                    </a:ext>
+                  </a:extLst>
+                </a:gridCol>
+              </a:tblGrid>
+              <a:tr h="370840">
+                <a:tc>
+                  <a:txBody>
+                    <a:bodyPr/>
+                    <a:lstStyle/>
+                    <a:p>
+                      <a:pPr algn="ctr"/>
+                      <a:r>
+                        <a:rPr lang="en-US" sz="1200" b="1" dirty="0">
+                          <a:solidFill>
+                            <a:schemeClr val="bg2"/>
+                          </a:solidFill>
+                        </a:rPr>
+                        <a:t>x=0.1</a:t>
+                      </a:r>
+                      <a:endParaRPr lang="en-IN" sz="1200" b="1" dirty="0">
+                        <a:solidFill>
+                          <a:schemeClr val="bg2"/>
+                        </a:solidFill>
+                      </a:endParaRPr>
+                    </a:p>
+                  </a:txBody>
+                  <a:tcPr anchor="ctr">
+                    <a:solidFill>
+                      <a:schemeClr val="accent4"/>
+                    </a:solidFill>
+                  </a:tcPr>
+                </a:tc>
+                <a:extLst>
+                  <a:ext uri="{0D108BD9-81ED-4DB2-BD59-A6C34878D82A}">
+                    <a16:rowId xmlns:a16="http://schemas.microsoft.com/office/drawing/2014/main" val="4069275214"/>
+                  </a:ext>
+                </a:extLst>
+              </a:tr>
+              <a:tr h="370840">
+                <a:tc>
+                  <a:txBody>
+                    <a:bodyPr/>
+                    <a:lstStyle/>
+                    <a:p>
+                      <a:pPr algn="ctr"/>
+                      <a:r>
+                        <a:rPr lang="en-US" sz="1200" b="1" dirty="0">
+                          <a:solidFill>
+                            <a:schemeClr val="bg2"/>
+                          </a:solidFill>
+                        </a:rPr>
+                        <a:t>x=0.192</a:t>
+                      </a:r>
+                      <a:endParaRPr lang="en-IN" sz="1200" b="1" dirty="0">
+                        <a:solidFill>
+                          <a:schemeClr val="bg2"/>
+                        </a:solidFill>
+                      </a:endParaRPr>
+                    </a:p>
+                  </a:txBody>
+                  <a:tcPr anchor="ctr">
+                    <a:solidFill>
+                      <a:srgbClr val="FFC000"/>
+                    </a:solidFill>
+                  </a:tcPr>
+                </a:tc>
+                <a:extLst>
+                  <a:ext uri="{0D108BD9-81ED-4DB2-BD59-A6C34878D82A}">
+                    <a16:rowId xmlns:a16="http://schemas.microsoft.com/office/drawing/2014/main" val="2309651397"/>
+                  </a:ext>
+                </a:extLst>
+              </a:tr>
+              <a:tr h="370840">
+                <a:tc>
+                  <a:txBody>
+                    <a:bodyPr/>
+                    <a:lstStyle/>
+                    <a:p>
+                      <a:pPr algn="ctr"/>
+                      <a:r>
+                        <a:rPr lang="en-US" sz="1200" b="1" dirty="0">
+                          <a:solidFill>
+                            <a:schemeClr val="bg2"/>
+                          </a:solidFill>
+                        </a:rPr>
+                        <a:t>x=0.284</a:t>
+                      </a:r>
+                      <a:endParaRPr lang="en-IN" sz="1200" b="1" dirty="0">
+                        <a:solidFill>
+                          <a:schemeClr val="bg2"/>
+                        </a:solidFill>
+                      </a:endParaRPr>
+                    </a:p>
+                  </a:txBody>
+                  <a:tcPr anchor="ctr">
+                    <a:solidFill>
+                      <a:srgbClr val="FF0000"/>
+                    </a:solidFill>
+                  </a:tcPr>
+                </a:tc>
+                <a:extLst>
+                  <a:ext uri="{0D108BD9-81ED-4DB2-BD59-A6C34878D82A}">
+                    <a16:rowId xmlns:a16="http://schemas.microsoft.com/office/drawing/2014/main" val="1586476481"/>
+                  </a:ext>
+                </a:extLst>
+              </a:tr>
+            </a:tbl>
+          </a:graphicData>
+        </a:graphic>
+      </p:graphicFrame>
+      <p:sp>
+        <p:nvSpPr>
+          <p:cNvPr id="16" name="TextBox 15">
+            <a:extLst>
+              <a:ext uri="{FF2B5EF4-FFF2-40B4-BE49-F238E27FC236}">
+                <a16:creationId xmlns:a16="http://schemas.microsoft.com/office/drawing/2014/main" id="{CA518DA7-9EF6-9C00-9DE8-4A75C008736D}"/>
+              </a:ext>
+            </a:extLst>
+          </p:cNvPr>
+          <p:cNvSpPr txBox="1"/>
+          <p:nvPr/>
+        </p:nvSpPr>
+        <p:spPr>
+          <a:xfrm>
+            <a:off x="874711" y="5641724"/>
+            <a:ext cx="3657531" cy="341632"/>
+          </a:xfrm>
+          <a:prstGeom prst="rect">
+            <a:avLst/>
+          </a:prstGeom>
+          <a:noFill/>
+        </p:spPr>
+        <p:txBody>
+          <a:bodyPr wrap="square" rtlCol="0">
+            <a:spAutoFit/>
+          </a:bodyPr>
+          <a:lstStyle/>
+          <a:p>
+            <a:r>
+              <a:rPr lang="en-US" sz="1600" b="1" dirty="0">
+                <a:solidFill>
+                  <a:schemeClr val="accent1"/>
+                </a:solidFill>
+                <a:latin typeface="+mj-lt"/>
+                <a:ea typeface="+mj-ea"/>
+                <a:cs typeface="+mj-cs"/>
+              </a:rPr>
+              <a:t>Note: </a:t>
+            </a:r>
+            <a:r>
+              <a:rPr lang="en-US" sz="1600" dirty="0">
+                <a:solidFill>
+                  <a:schemeClr val="accent1"/>
+                </a:solidFill>
+                <a:latin typeface="+mj-lt"/>
+                <a:ea typeface="+mj-ea"/>
+                <a:cs typeface="+mj-cs"/>
+              </a:rPr>
+              <a:t>Cgs name used for </a:t>
+            </a:r>
+            <a:r>
+              <a:rPr lang="en-US" sz="1600" dirty="0" err="1">
+                <a:solidFill>
+                  <a:schemeClr val="accent1"/>
+                </a:solidFill>
+                <a:latin typeface="+mj-lt"/>
+                <a:ea typeface="+mj-ea"/>
+                <a:cs typeface="+mj-cs"/>
+              </a:rPr>
+              <a:t>Cgb</a:t>
+            </a:r>
+            <a:r>
+              <a:rPr lang="en-US" sz="1600" dirty="0">
+                <a:solidFill>
+                  <a:schemeClr val="accent1"/>
+                </a:solidFill>
+                <a:latin typeface="+mj-lt"/>
+                <a:ea typeface="+mj-ea"/>
+                <a:cs typeface="+mj-cs"/>
+              </a:rPr>
+              <a:t> </a:t>
+            </a:r>
+            <a:endParaRPr lang="en-IN" sz="1600" dirty="0">
+              <a:solidFill>
+                <a:schemeClr val="accent1"/>
+              </a:solidFill>
+              <a:latin typeface="+mj-lt"/>
+              <a:ea typeface="+mj-ea"/>
+              <a:cs typeface="+mj-cs"/>
+            </a:endParaRPr>
+          </a:p>
+        </p:txBody>
+      </p:sp>
+      <p:sp>
+        <p:nvSpPr>
+          <p:cNvPr id="17" name="TextBox 16">
+            <a:extLst>
+              <a:ext uri="{FF2B5EF4-FFF2-40B4-BE49-F238E27FC236}">
+                <a16:creationId xmlns:a16="http://schemas.microsoft.com/office/drawing/2014/main" id="{24379D46-C543-5453-EA71-9B654A6DBA3C}"/>
+              </a:ext>
+            </a:extLst>
+          </p:cNvPr>
+          <p:cNvSpPr txBox="1"/>
+          <p:nvPr/>
+        </p:nvSpPr>
+        <p:spPr>
+          <a:xfrm>
+            <a:off x="4704589" y="5392425"/>
+            <a:ext cx="6963950" cy="834074"/>
+          </a:xfrm>
+          <a:prstGeom prst="rect">
+            <a:avLst/>
+          </a:prstGeom>
+          <a:noFill/>
+        </p:spPr>
+        <p:txBody>
+          <a:bodyPr wrap="square" rtlCol="0">
+            <a:spAutoFit/>
+          </a:bodyPr>
+          <a:lstStyle/>
+          <a:p>
+            <a:r>
+              <a:rPr lang="en-US" sz="1600" b="1" dirty="0">
+                <a:solidFill>
+                  <a:schemeClr val="accent1"/>
+                </a:solidFill>
+                <a:latin typeface="+mj-lt"/>
+                <a:ea typeface="+mj-ea"/>
+                <a:cs typeface="+mj-cs"/>
+              </a:rPr>
+              <a:t>Observation:</a:t>
+            </a:r>
+          </a:p>
+          <a:p>
+            <a:r>
+              <a:rPr lang="en-US" sz="1600" dirty="0">
+                <a:solidFill>
+                  <a:schemeClr val="accent1"/>
+                </a:solidFill>
+                <a:latin typeface="+mj-lt"/>
+                <a:ea typeface="+mj-ea"/>
+                <a:cs typeface="+mj-cs"/>
+              </a:rPr>
+              <a:t>Almost Identical response in both case when steady state reached.</a:t>
+            </a:r>
+            <a:br>
+              <a:rPr lang="en-US" sz="1600" dirty="0">
+                <a:solidFill>
+                  <a:schemeClr val="accent1"/>
+                </a:solidFill>
+                <a:latin typeface="+mj-lt"/>
+                <a:ea typeface="+mj-ea"/>
+                <a:cs typeface="+mj-cs"/>
+              </a:rPr>
+            </a:br>
+            <a:r>
+              <a:rPr lang="en-US" sz="1600" dirty="0">
+                <a:solidFill>
+                  <a:schemeClr val="accent1"/>
+                </a:solidFill>
+                <a:latin typeface="+mj-lt"/>
+                <a:ea typeface="+mj-ea"/>
+                <a:cs typeface="+mj-cs"/>
+              </a:rPr>
+              <a:t>Small difference observed at the start.</a:t>
+            </a:r>
+            <a:endParaRPr lang="en-IN" dirty="0"/>
+          </a:p>
+        </p:txBody>
+      </p:sp>
+      <p:sp>
+        <p:nvSpPr>
+          <p:cNvPr id="18" name="TextBox 17">
+            <a:extLst>
+              <a:ext uri="{FF2B5EF4-FFF2-40B4-BE49-F238E27FC236}">
+                <a16:creationId xmlns:a16="http://schemas.microsoft.com/office/drawing/2014/main" id="{FD7ED878-4FA9-4102-1529-A4F52EB4BE61}"/>
+              </a:ext>
+            </a:extLst>
+          </p:cNvPr>
+          <p:cNvSpPr txBox="1"/>
+          <p:nvPr/>
+        </p:nvSpPr>
+        <p:spPr>
+          <a:xfrm>
+            <a:off x="5095493" y="805098"/>
+            <a:ext cx="2613991" cy="341632"/>
+          </a:xfrm>
+          <a:prstGeom prst="rect">
+            <a:avLst/>
+          </a:prstGeom>
+          <a:noFill/>
+        </p:spPr>
+        <p:txBody>
+          <a:bodyPr wrap="square" rtlCol="0">
+            <a:spAutoFit/>
+          </a:bodyPr>
+          <a:lstStyle/>
+          <a:p>
+            <a:pPr algn="ctr"/>
+            <a:r>
+              <a:rPr lang="en-US" b="1" dirty="0">
+                <a:solidFill>
+                  <a:srgbClr val="DE2526"/>
+                </a:solidFill>
+              </a:rPr>
+              <a:t>COL</a:t>
+            </a:r>
+            <a:endParaRPr lang="en-IN" b="1" dirty="0">
+              <a:solidFill>
+                <a:srgbClr val="DE2526"/>
+              </a:solidFill>
+            </a:endParaRPr>
+          </a:p>
+        </p:txBody>
+      </p:sp>
+      <p:sp>
+        <p:nvSpPr>
+          <p:cNvPr id="19" name="TextBox 18">
+            <a:extLst>
+              <a:ext uri="{FF2B5EF4-FFF2-40B4-BE49-F238E27FC236}">
+                <a16:creationId xmlns:a16="http://schemas.microsoft.com/office/drawing/2014/main" id="{59DD7736-243D-99CA-05C5-5EB6DAEB7C3A}"/>
+              </a:ext>
+            </a:extLst>
+          </p:cNvPr>
+          <p:cNvSpPr txBox="1"/>
+          <p:nvPr/>
+        </p:nvSpPr>
+        <p:spPr>
+          <a:xfrm>
+            <a:off x="8717776" y="805106"/>
+            <a:ext cx="2613991" cy="341632"/>
+          </a:xfrm>
+          <a:prstGeom prst="rect">
+            <a:avLst/>
+          </a:prstGeom>
+          <a:noFill/>
+        </p:spPr>
+        <p:txBody>
+          <a:bodyPr wrap="square" rtlCol="0">
+            <a:spAutoFit/>
+          </a:bodyPr>
+          <a:lstStyle/>
+          <a:p>
+            <a:pPr algn="ctr"/>
+            <a:r>
+              <a:rPr lang="en-US" b="1" dirty="0">
+                <a:solidFill>
+                  <a:srgbClr val="DE2526"/>
+                </a:solidFill>
+              </a:rPr>
+              <a:t>ROW</a:t>
+            </a:r>
+            <a:endParaRPr lang="en-IN" b="1" dirty="0">
+              <a:solidFill>
+                <a:srgbClr val="DE2526"/>
+              </a:solidFill>
+            </a:endParaRPr>
+          </a:p>
+        </p:txBody>
+      </p:sp>
+    </p:spTree>
+    <p:custDataLst>
+      <p:tags r:id="rId1"/>
+    </p:custDataLst>
+    <p:extLst>
+      <p:ext uri="{BB962C8B-B14F-4D97-AF65-F5344CB8AC3E}">
+        <p14:creationId xmlns:p14="http://schemas.microsoft.com/office/powerpoint/2010/main" val="1619260384"/>
+      </p:ext>
+    </p:extLst>
+  </p:cSld>
+  <p:clrMapOvr>
+    <a:masterClrMapping/>
+  </p:clrMapOvr>
+</p:sld>
+</file>
+
+<file path=ppt/slides/slide9.xml><?xml version="1.0" encoding="utf-8"?>
+<p:sld xmlns:a="http://schemas.openxmlformats.org/drawingml/2006/main" xmlns:r="http://schemas.openxmlformats.org/officeDocument/2006/relationships" xmlns:p="http://schemas.openxmlformats.org/presentationml/2006/main">
+  <p:cSld>
+    <p:spTree>
+      <p:nvGrpSpPr>
+        <p:cNvPr id="1" name=""/>
+        <p:cNvGrpSpPr/>
+        <p:nvPr/>
+      </p:nvGrpSpPr>
+      <p:grpSpPr>
+        <a:xfrm>
+          <a:off x="0" y="0"/>
+          <a:ext cx="0" cy="0"/>
+          <a:chOff x="0" y="0"/>
+          <a:chExt cx="0" cy="0"/>
+        </a:xfrm>
+      </p:grpSpPr>
+      <p:sp>
+        <p:nvSpPr>
+          <p:cNvPr id="3" name="Titel 2"/>
+          <p:cNvSpPr>
+            <a:spLocks noGrp="1"/>
+          </p:cNvSpPr>
+          <p:nvPr>
+            <p:ph type="title"/>
+          </p:nvPr>
+        </p:nvSpPr>
+        <p:spPr/>
+        <p:txBody>
+          <a:bodyPr/>
+          <a:lstStyle/>
+          <a:p>
+            <a:r>
+              <a:rPr lang="en-US" dirty="0"/>
+              <a:t>Spiking Neural Network</a:t>
+            </a:r>
+            <a:br>
+              <a:rPr lang="en-US" dirty="0"/>
+            </a:br>
+            <a:br>
+              <a:rPr lang="en-US" dirty="0"/>
+            </a:br>
+            <a:endParaRPr lang="en-US" b="0" dirty="0"/>
+          </a:p>
+        </p:txBody>
+      </p:sp>
+      <p:pic>
+        <p:nvPicPr>
+          <p:cNvPr id="7" name="Picture 6">
+            <a:extLst>
+              <a:ext uri="{FF2B5EF4-FFF2-40B4-BE49-F238E27FC236}">
+                <a16:creationId xmlns:a16="http://schemas.microsoft.com/office/drawing/2014/main" id="{EFBF15F5-186D-2F58-C3D0-D41C8C682555}"/>
+              </a:ext>
+            </a:extLst>
+          </p:cNvPr>
+          <p:cNvPicPr>
+            <a:picLocks noChangeAspect="1"/>
+          </p:cNvPicPr>
+          <p:nvPr/>
+        </p:nvPicPr>
+        <p:blipFill>
+          <a:blip r:embed="rId3"/>
+          <a:stretch>
+            <a:fillRect/>
+          </a:stretch>
+        </p:blipFill>
+        <p:spPr>
+          <a:xfrm>
+            <a:off x="874712" y="1028700"/>
+            <a:ext cx="4144549" cy="4552122"/>
+          </a:xfrm>
+          <a:prstGeom prst="rect">
+            <a:avLst/>
+          </a:prstGeom>
+        </p:spPr>
+      </p:pic>
     </p:spTree>
     <p:custDataLst>
       <p:tags r:id="rId1"/>
@@ -12577,6 +16957,24 @@
 </file>
 
 <file path=ppt/tags/tag5.xml><?xml version="1.0" encoding="utf-8"?>
+<p:tagLst xmlns:a="http://schemas.openxmlformats.org/drawingml/2006/main" xmlns:r="http://schemas.openxmlformats.org/officeDocument/2006/relationships" xmlns:p="http://schemas.openxmlformats.org/presentationml/2006/main">
+  <p:tag name="TIMING" val="|33.2|17"/>
+</p:tagLst>
+</file>
+
+<file path=ppt/tags/tag6.xml><?xml version="1.0" encoding="utf-8"?>
+<p:tagLst xmlns:a="http://schemas.openxmlformats.org/drawingml/2006/main" xmlns:r="http://schemas.openxmlformats.org/officeDocument/2006/relationships" xmlns:p="http://schemas.openxmlformats.org/presentationml/2006/main">
+  <p:tag name="TIMING" val="|33.2|17"/>
+</p:tagLst>
+</file>
+
+<file path=ppt/tags/tag7.xml><?xml version="1.0" encoding="utf-8"?>
+<p:tagLst xmlns:a="http://schemas.openxmlformats.org/drawingml/2006/main" xmlns:r="http://schemas.openxmlformats.org/officeDocument/2006/relationships" xmlns:p="http://schemas.openxmlformats.org/presentationml/2006/main">
+  <p:tag name="TIMING" val="|33.2|17"/>
+</p:tagLst>
+</file>
+
+<file path=ppt/tags/tag8.xml><?xml version="1.0" encoding="utf-8"?>
 <p:tagLst xmlns:a="http://schemas.openxmlformats.org/drawingml/2006/main" xmlns:r="http://schemas.openxmlformats.org/officeDocument/2006/relationships" xmlns:p="http://schemas.openxmlformats.org/presentationml/2006/main">
   <p:tag name="TIMING" val="|33.2|17"/>
 </p:tagLst>

--- a/doc/Group_K_Project_3.pptx
+++ b/doc/Group_K_Project_3.pptx
@@ -13,10 +13,10 @@
   <p:sldIdLst>
     <p:sldId id="256" r:id="rId2"/>
     <p:sldId id="294" r:id="rId3"/>
-    <p:sldId id="295" r:id="rId4"/>
-    <p:sldId id="299" r:id="rId5"/>
-    <p:sldId id="300" r:id="rId6"/>
-    <p:sldId id="296" r:id="rId7"/>
+    <p:sldId id="306" r:id="rId4"/>
+    <p:sldId id="307" r:id="rId5"/>
+    <p:sldId id="296" r:id="rId6"/>
+    <p:sldId id="308" r:id="rId7"/>
     <p:sldId id="301" r:id="rId8"/>
     <p:sldId id="302" r:id="rId9"/>
     <p:sldId id="297" r:id="rId10"/>
@@ -231,7 +231,7 @@
           <a:p>
             <a:fld id="{C6AC6211-610F-44E5-BF19-D3CDF6EDD281}" type="datetimeFigureOut">
               <a:rPr lang="de-DE" smtClean="0"/>
-              <a:t>05.02.2025</a:t>
+              <a:t>06.02.2025</a:t>
             </a:fld>
             <a:endParaRPr lang="de-DE"/>
           </a:p>
@@ -397,7 +397,7 @@
           <a:p>
             <a:fld id="{347435D3-23A6-45D3-8DFA-7317DC1E7A64}" type="datetimeFigureOut">
               <a:rPr lang="de-DE" smtClean="0"/>
-              <a:t>05.02.2025</a:t>
+              <a:t>06.02.2025</a:t>
             </a:fld>
             <a:endParaRPr lang="de-DE"/>
           </a:p>
@@ -12191,9 +12191,6 @@
             <a:br>
               <a:rPr lang="en-US" dirty="0"/>
             </a:br>
-            <a:br>
-              <a:rPr lang="en-US" dirty="0"/>
-            </a:br>
             <a:endParaRPr lang="en-US" b="0" dirty="0"/>
           </a:p>
         </p:txBody>
@@ -12214,14 +12211,19 @@
             <p:ph sz="quarter" idx="10"/>
           </p:nvPr>
         </p:nvSpPr>
-        <p:spPr/>
+        <p:spPr>
+          <a:xfrm>
+            <a:off x="874711" y="1030288"/>
+            <a:ext cx="10580688" cy="4799012"/>
+          </a:xfrm>
+        </p:spPr>
         <p:txBody>
           <a:bodyPr/>
           <a:lstStyle/>
           <a:p>
             <a:pPr lvl="2" algn="just">
               <a:lnSpc>
-                <a:spcPct val="150000"/>
+                <a:spcPct val="200000"/>
               </a:lnSpc>
               <a:spcBef>
                 <a:spcPts val="0"/>
@@ -12235,7 +12237,7 @@
           <a:p>
             <a:pPr lvl="2" algn="just">
               <a:lnSpc>
-                <a:spcPct val="150000"/>
+                <a:spcPct val="200000"/>
               </a:lnSpc>
               <a:spcBef>
                 <a:spcPts val="0"/>
@@ -12249,7 +12251,7 @@
           <a:p>
             <a:pPr lvl="2" algn="just">
               <a:lnSpc>
-                <a:spcPct val="150000"/>
+                <a:spcPct val="200000"/>
               </a:lnSpc>
               <a:spcBef>
                 <a:spcPts val="0"/>
@@ -12282,7 +12284,7 @@
           <a:p>
             <a:pPr lvl="2" algn="just">
               <a:lnSpc>
-                <a:spcPct val="150000"/>
+                <a:spcPct val="200000"/>
               </a:lnSpc>
               <a:spcBef>
                 <a:spcPts val="0"/>
@@ -12296,7 +12298,7 @@
           <a:p>
             <a:pPr lvl="2" algn="just">
               <a:lnSpc>
-                <a:spcPct val="150000"/>
+                <a:spcPct val="200000"/>
               </a:lnSpc>
               <a:spcBef>
                 <a:spcPts val="0"/>
@@ -12349,7 +12351,7 @@
           <a:p>
             <a:pPr lvl="2" algn="just">
               <a:lnSpc>
-                <a:spcPct val="150000"/>
+                <a:spcPct val="200000"/>
               </a:lnSpc>
               <a:spcBef>
                 <a:spcPts val="0"/>
@@ -12378,18 +12380,11 @@
             <a:endParaRPr lang="en-US" dirty="0"/>
           </a:p>
           <a:p>
-            <a:pPr lvl="2">
+            <a:pPr marL="0" lvl="2" indent="0">
               <a:spcBef>
                 <a:spcPts val="0"/>
               </a:spcBef>
-            </a:pPr>
-            <a:endParaRPr lang="en-US" dirty="0"/>
-          </a:p>
-          <a:p>
-            <a:pPr lvl="2">
-              <a:spcBef>
-                <a:spcPts val="0"/>
-              </a:spcBef>
+              <a:buNone/>
             </a:pPr>
             <a:endParaRPr lang="en-US" dirty="0"/>
           </a:p>
@@ -12549,7 +12544,7 @@
         <p:spPr>
           <a:xfrm>
             <a:off x="874711" y="925975"/>
-            <a:ext cx="10580688" cy="4903325"/>
+            <a:ext cx="10580688" cy="1909507"/>
           </a:xfrm>
         </p:spPr>
         <p:txBody>
@@ -12636,42 +12631,350 @@
           </a:p>
         </p:txBody>
       </p:sp>
-      <p:pic>
-        <p:nvPicPr>
-          <p:cNvPr id="5" name="Picture 4">
+      <p:grpSp>
+        <p:nvGrpSpPr>
+          <p:cNvPr id="25" name="Group 24">
             <a:extLst>
               <a:ext uri="{FF2B5EF4-FFF2-40B4-BE49-F238E27FC236}">
-                <a16:creationId xmlns:a16="http://schemas.microsoft.com/office/drawing/2014/main" id="{16AC56F3-EDA7-C29D-5602-FD1556F683A9}"/>
+                <a16:creationId xmlns:a16="http://schemas.microsoft.com/office/drawing/2014/main" id="{94CC84E5-7D2F-9C98-94C8-A349A0C6D776}"/>
               </a:ext>
             </a:extLst>
           </p:cNvPr>
-          <p:cNvPicPr>
-            <a:picLocks noChangeAspect="1"/>
-          </p:cNvPicPr>
+          <p:cNvGrpSpPr/>
           <p:nvPr/>
-        </p:nvPicPr>
-        <p:blipFill>
-          <a:blip r:embed="rId3"/>
-          <a:stretch>
-            <a:fillRect/>
-          </a:stretch>
-        </p:blipFill>
-        <p:spPr>
-          <a:xfrm>
-            <a:off x="3719037" y="2647322"/>
-            <a:ext cx="5222799" cy="2772322"/>
-          </a:xfrm>
-          <a:prstGeom prst="rect">
-            <a:avLst/>
-          </a:prstGeom>
-        </p:spPr>
-      </p:pic>
-      <p:sp>
-        <p:nvSpPr>
-          <p:cNvPr id="6" name="TextBox 5">
+        </p:nvGrpSpPr>
+        <p:grpSpPr>
+          <a:xfrm>
+            <a:off x="2251962" y="2847371"/>
+            <a:ext cx="7688075" cy="2964149"/>
+            <a:chOff x="2251962" y="2847371"/>
+            <a:chExt cx="7688075" cy="3310360"/>
+          </a:xfrm>
+        </p:grpSpPr>
+        <p:grpSp>
+          <p:nvGrpSpPr>
+            <p:cNvPr id="17" name="Group 16">
+              <a:extLst>
+                <a:ext uri="{FF2B5EF4-FFF2-40B4-BE49-F238E27FC236}">
+                  <a16:creationId xmlns:a16="http://schemas.microsoft.com/office/drawing/2014/main" id="{8452B748-05B7-837C-60E7-652F69A33018}"/>
+                </a:ext>
+              </a:extLst>
+            </p:cNvPr>
+            <p:cNvGrpSpPr/>
+            <p:nvPr/>
+          </p:nvGrpSpPr>
+          <p:grpSpPr>
+            <a:xfrm>
+              <a:off x="2251962" y="2847371"/>
+              <a:ext cx="7688075" cy="3310360"/>
+              <a:chOff x="2251962" y="2679954"/>
+              <a:chExt cx="7688075" cy="3310360"/>
+            </a:xfrm>
+          </p:grpSpPr>
+          <p:pic>
+            <p:nvPicPr>
+              <p:cNvPr id="13" name="Picture 12">
+                <a:extLst>
+                  <a:ext uri="{FF2B5EF4-FFF2-40B4-BE49-F238E27FC236}">
+                    <a16:creationId xmlns:a16="http://schemas.microsoft.com/office/drawing/2014/main" id="{11D5F5D7-FB6B-0491-0145-BF2D6D9EDE5D}"/>
+                  </a:ext>
+                </a:extLst>
+              </p:cNvPr>
+              <p:cNvPicPr>
+                <a:picLocks noChangeAspect="1"/>
+              </p:cNvPicPr>
+              <p:nvPr/>
+            </p:nvPicPr>
+            <p:blipFill>
+              <a:blip r:embed="rId3"/>
+              <a:srcRect l="5612" t="7775" r="9864" b="12804"/>
+              <a:stretch/>
+            </p:blipFill>
+            <p:spPr>
+              <a:xfrm>
+                <a:off x="2251962" y="2679954"/>
+                <a:ext cx="7688075" cy="3310360"/>
+              </a:xfrm>
+              <a:prstGeom prst="rect">
+                <a:avLst/>
+              </a:prstGeom>
+            </p:spPr>
+          </p:pic>
+          <p:sp>
+            <p:nvSpPr>
+              <p:cNvPr id="14" name="Rectangle 13">
+                <a:extLst>
+                  <a:ext uri="{FF2B5EF4-FFF2-40B4-BE49-F238E27FC236}">
+                    <a16:creationId xmlns:a16="http://schemas.microsoft.com/office/drawing/2014/main" id="{51DCADAB-5041-1DDD-3BAA-1513375FFF14}"/>
+                  </a:ext>
+                </a:extLst>
+              </p:cNvPr>
+              <p:cNvSpPr/>
+              <p:nvPr/>
+            </p:nvSpPr>
+            <p:spPr>
+              <a:xfrm>
+                <a:off x="2986268" y="2766348"/>
+                <a:ext cx="2280213" cy="1736203"/>
+              </a:xfrm>
+              <a:prstGeom prst="rect">
+                <a:avLst/>
+              </a:prstGeom>
+              <a:noFill/>
+              <a:ln w="19050">
+                <a:solidFill>
+                  <a:srgbClr val="FF0000"/>
+                </a:solidFill>
+              </a:ln>
+            </p:spPr>
+            <p:style>
+              <a:lnRef idx="2">
+                <a:schemeClr val="accent1">
+                  <a:shade val="15000"/>
+                </a:schemeClr>
+              </a:lnRef>
+              <a:fillRef idx="1">
+                <a:schemeClr val="accent1"/>
+              </a:fillRef>
+              <a:effectRef idx="0">
+                <a:schemeClr val="accent1"/>
+              </a:effectRef>
+              <a:fontRef idx="minor">
+                <a:schemeClr val="lt1"/>
+              </a:fontRef>
+            </p:style>
+            <p:txBody>
+              <a:bodyPr rtlCol="0" anchor="ctr"/>
+              <a:lstStyle/>
+              <a:p>
+                <a:pPr algn="ctr"/>
+                <a:endParaRPr lang="en-IN">
+                  <a:noFill/>
+                </a:endParaRPr>
+              </a:p>
+            </p:txBody>
+          </p:sp>
+          <p:sp>
+            <p:nvSpPr>
+              <p:cNvPr id="15" name="Rectangle 14">
+                <a:extLst>
+                  <a:ext uri="{FF2B5EF4-FFF2-40B4-BE49-F238E27FC236}">
+                    <a16:creationId xmlns:a16="http://schemas.microsoft.com/office/drawing/2014/main" id="{E09F16CF-7018-1FCC-48DC-84CB8E1CA073}"/>
+                  </a:ext>
+                </a:extLst>
+              </p:cNvPr>
+              <p:cNvSpPr/>
+              <p:nvPr/>
+            </p:nvSpPr>
+            <p:spPr>
+              <a:xfrm>
+                <a:off x="7373074" y="2766348"/>
+                <a:ext cx="1608220" cy="1736203"/>
+              </a:xfrm>
+              <a:prstGeom prst="rect">
+                <a:avLst/>
+              </a:prstGeom>
+              <a:noFill/>
+              <a:ln w="19050">
+                <a:solidFill>
+                  <a:srgbClr val="FF0000"/>
+                </a:solidFill>
+              </a:ln>
+            </p:spPr>
+            <p:style>
+              <a:lnRef idx="2">
+                <a:schemeClr val="accent1">
+                  <a:shade val="15000"/>
+                </a:schemeClr>
+              </a:lnRef>
+              <a:fillRef idx="1">
+                <a:schemeClr val="accent1"/>
+              </a:fillRef>
+              <a:effectRef idx="0">
+                <a:schemeClr val="accent1"/>
+              </a:effectRef>
+              <a:fontRef idx="minor">
+                <a:schemeClr val="lt1"/>
+              </a:fontRef>
+            </p:style>
+            <p:txBody>
+              <a:bodyPr rtlCol="0" anchor="ctr"/>
+              <a:lstStyle/>
+              <a:p>
+                <a:pPr algn="ctr"/>
+                <a:endParaRPr lang="en-IN">
+                  <a:noFill/>
+                </a:endParaRPr>
+              </a:p>
+            </p:txBody>
+          </p:sp>
+        </p:grpSp>
+        <p:grpSp>
+          <p:nvGrpSpPr>
+            <p:cNvPr id="24" name="Group 23">
+              <a:extLst>
+                <a:ext uri="{FF2B5EF4-FFF2-40B4-BE49-F238E27FC236}">
+                  <a16:creationId xmlns:a16="http://schemas.microsoft.com/office/drawing/2014/main" id="{2E8B8542-A674-2AB5-9115-DA9643082683}"/>
+                </a:ext>
+              </a:extLst>
+            </p:cNvPr>
+            <p:cNvGrpSpPr/>
+            <p:nvPr/>
+          </p:nvGrpSpPr>
+          <p:grpSpPr>
+            <a:xfrm>
+              <a:off x="5501552" y="2847371"/>
+              <a:ext cx="1704470" cy="1909506"/>
+              <a:chOff x="5501552" y="2847371"/>
+              <a:chExt cx="1704470" cy="1909506"/>
+            </a:xfrm>
+          </p:grpSpPr>
+          <p:pic>
+            <p:nvPicPr>
+              <p:cNvPr id="19" name="Picture 18">
+                <a:extLst>
+                  <a:ext uri="{FF2B5EF4-FFF2-40B4-BE49-F238E27FC236}">
+                    <a16:creationId xmlns:a16="http://schemas.microsoft.com/office/drawing/2014/main" id="{1C705EC8-E5E4-B597-49F2-1D9598D5ED6E}"/>
+                  </a:ext>
+                </a:extLst>
+              </p:cNvPr>
+              <p:cNvPicPr>
+                <a:picLocks noChangeAspect="1"/>
+              </p:cNvPicPr>
+              <p:nvPr/>
+            </p:nvPicPr>
+            <p:blipFill>
+              <a:blip r:embed="rId4"/>
+              <a:stretch>
+                <a:fillRect/>
+              </a:stretch>
+            </p:blipFill>
+            <p:spPr>
+              <a:xfrm>
+                <a:off x="5966774" y="2847371"/>
+                <a:ext cx="774025" cy="1909506"/>
+              </a:xfrm>
+              <a:prstGeom prst="rect">
+                <a:avLst/>
+              </a:prstGeom>
+            </p:spPr>
+          </p:pic>
+          <p:sp>
+            <p:nvSpPr>
+              <p:cNvPr id="22" name="Arrow: Right 21">
+                <a:extLst>
+                  <a:ext uri="{FF2B5EF4-FFF2-40B4-BE49-F238E27FC236}">
+                    <a16:creationId xmlns:a16="http://schemas.microsoft.com/office/drawing/2014/main" id="{1BAC0C9F-09A2-D82B-BA68-8554C43AE508}"/>
+                  </a:ext>
+                </a:extLst>
+              </p:cNvPr>
+              <p:cNvSpPr/>
+              <p:nvPr/>
+            </p:nvSpPr>
+            <p:spPr>
+              <a:xfrm>
+                <a:off x="5501552" y="3720586"/>
+                <a:ext cx="264160" cy="193040"/>
+              </a:xfrm>
+              <a:prstGeom prst="rightArrow">
+                <a:avLst/>
+              </a:prstGeom>
+              <a:solidFill>
+                <a:srgbClr val="FF0000"/>
+              </a:solidFill>
+              <a:ln>
+                <a:solidFill>
+                  <a:srgbClr val="FF0000"/>
+                </a:solidFill>
+              </a:ln>
+            </p:spPr>
+            <p:style>
+              <a:lnRef idx="2">
+                <a:schemeClr val="accent1">
+                  <a:shade val="15000"/>
+                </a:schemeClr>
+              </a:lnRef>
+              <a:fillRef idx="1">
+                <a:schemeClr val="accent1"/>
+              </a:fillRef>
+              <a:effectRef idx="0">
+                <a:schemeClr val="accent1"/>
+              </a:effectRef>
+              <a:fontRef idx="minor">
+                <a:schemeClr val="lt1"/>
+              </a:fontRef>
+            </p:style>
+            <p:txBody>
+              <a:bodyPr rtlCol="0" anchor="ctr"/>
+              <a:lstStyle/>
+              <a:p>
+                <a:pPr algn="ctr"/>
+                <a:endParaRPr lang="en-IN"/>
+              </a:p>
+            </p:txBody>
+          </p:sp>
+          <p:sp>
+            <p:nvSpPr>
+              <p:cNvPr id="23" name="Arrow: Right 22">
+                <a:extLst>
+                  <a:ext uri="{FF2B5EF4-FFF2-40B4-BE49-F238E27FC236}">
+                    <a16:creationId xmlns:a16="http://schemas.microsoft.com/office/drawing/2014/main" id="{A3B9FEC6-4A3D-A948-28F9-A62343E26BDE}"/>
+                  </a:ext>
+                </a:extLst>
+              </p:cNvPr>
+              <p:cNvSpPr/>
+              <p:nvPr/>
+            </p:nvSpPr>
+            <p:spPr>
+              <a:xfrm>
+                <a:off x="6941862" y="3705346"/>
+                <a:ext cx="264160" cy="193040"/>
+              </a:xfrm>
+              <a:prstGeom prst="rightArrow">
+                <a:avLst/>
+              </a:prstGeom>
+              <a:solidFill>
+                <a:srgbClr val="FF0000"/>
+              </a:solidFill>
+              <a:ln>
+                <a:solidFill>
+                  <a:srgbClr val="FF0000"/>
+                </a:solidFill>
+              </a:ln>
+            </p:spPr>
+            <p:style>
+              <a:lnRef idx="2">
+                <a:schemeClr val="accent1">
+                  <a:shade val="15000"/>
+                </a:schemeClr>
+              </a:lnRef>
+              <a:fillRef idx="1">
+                <a:schemeClr val="accent1"/>
+              </a:fillRef>
+              <a:effectRef idx="0">
+                <a:schemeClr val="accent1"/>
+              </a:effectRef>
+              <a:fontRef idx="minor">
+                <a:schemeClr val="lt1"/>
+              </a:fontRef>
+            </p:style>
+            <p:txBody>
+              <a:bodyPr rtlCol="0" anchor="ctr"/>
+              <a:lstStyle/>
+              <a:p>
+                <a:pPr algn="ctr"/>
+                <a:endParaRPr lang="en-IN"/>
+              </a:p>
+            </p:txBody>
+          </p:sp>
+        </p:grpSp>
+      </p:grpSp>
+      <p:sp>
+        <p:nvSpPr>
+          <p:cNvPr id="26" name="TextBox 9">
             <a:extLst>
               <a:ext uri="{FF2B5EF4-FFF2-40B4-BE49-F238E27FC236}">
-                <a16:creationId xmlns:a16="http://schemas.microsoft.com/office/drawing/2014/main" id="{3A7113EE-0626-BFE4-892B-BA17E4206E88}"/>
+                <a16:creationId xmlns:a16="http://schemas.microsoft.com/office/drawing/2014/main" id="{5D127641-4743-0853-C404-96F2C68C828B}"/>
               </a:ext>
             </a:extLst>
           </p:cNvPr>
@@ -12680,7 +12983,7 @@
         </p:nvSpPr>
         <p:spPr>
           <a:xfrm>
-            <a:off x="805656" y="5490746"/>
+            <a:off x="874711" y="5939415"/>
             <a:ext cx="10580687" cy="338554"/>
           </a:xfrm>
           <a:prstGeom prst="rect">
@@ -12692,7 +12995,101 @@
           <a:bodyPr wrap="square" rtlCol="0">
             <a:spAutoFit/>
           </a:bodyPr>
-          <a:lstStyle/>
+          <a:lstStyle>
+            <a:defPPr>
+              <a:defRPr lang="de-DE"/>
+            </a:defPPr>
+            <a:lvl1pPr marL="0" algn="l" defTabSz="822960" rtl="0" eaLnBrk="1" latinLnBrk="0" hangingPunct="1">
+              <a:defRPr sz="1620" kern="1200">
+                <a:solidFill>
+                  <a:schemeClr val="tx1"/>
+                </a:solidFill>
+                <a:latin typeface="+mn-lt"/>
+                <a:ea typeface="+mn-ea"/>
+                <a:cs typeface="+mn-cs"/>
+              </a:defRPr>
+            </a:lvl1pPr>
+            <a:lvl2pPr marL="411480" algn="l" defTabSz="822960" rtl="0" eaLnBrk="1" latinLnBrk="0" hangingPunct="1">
+              <a:defRPr sz="1620" kern="1200">
+                <a:solidFill>
+                  <a:schemeClr val="tx1"/>
+                </a:solidFill>
+                <a:latin typeface="+mn-lt"/>
+                <a:ea typeface="+mn-ea"/>
+                <a:cs typeface="+mn-cs"/>
+              </a:defRPr>
+            </a:lvl2pPr>
+            <a:lvl3pPr marL="822960" algn="l" defTabSz="822960" rtl="0" eaLnBrk="1" latinLnBrk="0" hangingPunct="1">
+              <a:defRPr sz="1620" kern="1200">
+                <a:solidFill>
+                  <a:schemeClr val="tx1"/>
+                </a:solidFill>
+                <a:latin typeface="+mn-lt"/>
+                <a:ea typeface="+mn-ea"/>
+                <a:cs typeface="+mn-cs"/>
+              </a:defRPr>
+            </a:lvl3pPr>
+            <a:lvl4pPr marL="1234440" algn="l" defTabSz="822960" rtl="0" eaLnBrk="1" latinLnBrk="0" hangingPunct="1">
+              <a:defRPr sz="1620" kern="1200">
+                <a:solidFill>
+                  <a:schemeClr val="tx1"/>
+                </a:solidFill>
+                <a:latin typeface="+mn-lt"/>
+                <a:ea typeface="+mn-ea"/>
+                <a:cs typeface="+mn-cs"/>
+              </a:defRPr>
+            </a:lvl4pPr>
+            <a:lvl5pPr marL="1645920" algn="l" defTabSz="822960" rtl="0" eaLnBrk="1" latinLnBrk="0" hangingPunct="1">
+              <a:defRPr sz="1620" kern="1200">
+                <a:solidFill>
+                  <a:schemeClr val="tx1"/>
+                </a:solidFill>
+                <a:latin typeface="+mn-lt"/>
+                <a:ea typeface="+mn-ea"/>
+                <a:cs typeface="+mn-cs"/>
+              </a:defRPr>
+            </a:lvl5pPr>
+            <a:lvl6pPr marL="2057400" algn="l" defTabSz="822960" rtl="0" eaLnBrk="1" latinLnBrk="0" hangingPunct="1">
+              <a:defRPr sz="1620" kern="1200">
+                <a:solidFill>
+                  <a:schemeClr val="tx1"/>
+                </a:solidFill>
+                <a:latin typeface="+mn-lt"/>
+                <a:ea typeface="+mn-ea"/>
+                <a:cs typeface="+mn-cs"/>
+              </a:defRPr>
+            </a:lvl6pPr>
+            <a:lvl7pPr marL="2468880" algn="l" defTabSz="822960" rtl="0" eaLnBrk="1" latinLnBrk="0" hangingPunct="1">
+              <a:defRPr sz="1620" kern="1200">
+                <a:solidFill>
+                  <a:schemeClr val="tx1"/>
+                </a:solidFill>
+                <a:latin typeface="+mn-lt"/>
+                <a:ea typeface="+mn-ea"/>
+                <a:cs typeface="+mn-cs"/>
+              </a:defRPr>
+            </a:lvl7pPr>
+            <a:lvl8pPr marL="2880360" algn="l" defTabSz="822960" rtl="0" eaLnBrk="1" latinLnBrk="0" hangingPunct="1">
+              <a:defRPr sz="1620" kern="1200">
+                <a:solidFill>
+                  <a:schemeClr val="tx1"/>
+                </a:solidFill>
+                <a:latin typeface="+mn-lt"/>
+                <a:ea typeface="+mn-ea"/>
+                <a:cs typeface="+mn-cs"/>
+              </a:defRPr>
+            </a:lvl8pPr>
+            <a:lvl9pPr marL="3291840" algn="l" defTabSz="822960" rtl="0" eaLnBrk="1" latinLnBrk="0" hangingPunct="1">
+              <a:defRPr sz="1620" kern="1200">
+                <a:solidFill>
+                  <a:schemeClr val="tx1"/>
+                </a:solidFill>
+                <a:latin typeface="+mn-lt"/>
+                <a:ea typeface="+mn-ea"/>
+                <a:cs typeface="+mn-cs"/>
+              </a:defRPr>
+            </a:lvl9pPr>
+          </a:lstStyle>
           <a:p>
             <a:pPr algn="just"/>
             <a:r>
@@ -12713,11 +13110,19 @@
             </a:r>
             <a:r>
               <a:rPr lang="en-IN" sz="800" dirty="0"/>
-              <a:t>, A. Ascoli, B. Max, F. </a:t>
+              <a:t>, A. Ascoli, R. Tetzlaff, E. </a:t>
             </a:r>
             <a:r>
               <a:rPr lang="en-IN" sz="800" dirty="0" err="1"/>
-              <a:t>Nebe</a:t>
+              <a:t>Mgeladze</a:t>
+            </a:r>
+            <a:r>
+              <a:rPr lang="en-IN" sz="800" dirty="0"/>
+              <a:t>, M. Herzig, S. </a:t>
+            </a:r>
+            <a:r>
+              <a:rPr lang="en-IN" sz="800" dirty="0" err="1"/>
+              <a:t>Slesazeck</a:t>
             </a:r>
             <a:r>
               <a:rPr lang="en-IN" sz="800" dirty="0"/>
@@ -12729,35 +13134,23 @@
             </a:r>
             <a:r>
               <a:rPr lang="en-IN" sz="800" dirty="0"/>
-              <a:t>,  R. Tetzlaff, "</a:t>
+              <a:t>, "</a:t>
             </a:r>
             <a:r>
               <a:rPr lang="en-IN" sz="800" dirty="0">
-                <a:hlinkClick r:id="rId4"/>
+                <a:hlinkClick r:id="rId5"/>
               </a:rPr>
-              <a:t>A pseudo-memcapacitive </a:t>
-            </a:r>
-            <a:r>
-              <a:rPr lang="en-IN" sz="800" dirty="0" err="1">
-                <a:hlinkClick r:id="rId4"/>
+              <a:t>SPICE Compact Model for an Analog Switching Niobium Oxide Memristor</a:t>
+            </a:r>
+            <a:r>
+              <a:rPr lang="en-IN" sz="800" dirty="0"/>
+              <a:t>", International Conference on Modern Circuits and Systems Technologies (MOCAST) on Electronics and Communications, Bremen, 2022 DOI: </a:t>
+            </a:r>
+            <a:r>
+              <a:rPr lang="en-IN" sz="800" dirty="0">
+                <a:hlinkClick r:id="rId6"/>
               </a:rPr>
-              <a:t>neurotransistor</a:t>
-            </a:r>
-            <a:r>
-              <a:rPr lang="en-IN" sz="800" dirty="0">
-                <a:hlinkClick r:id="rId4"/>
-              </a:rPr>
-              <a:t> for spiking neural networks</a:t>
-            </a:r>
-            <a:r>
-              <a:rPr lang="en-IN" sz="800" dirty="0"/>
-              <a:t>", 12th International Conference on Modern Circuits and Systems Technologies (MOCAST) on Electronics and Communications, Athens, Greece, pp. 1-4, 2023, DOI: </a:t>
-            </a:r>
-            <a:r>
-              <a:rPr lang="en-IN" sz="800" dirty="0">
-                <a:hlinkClick r:id="rId4"/>
-              </a:rPr>
-              <a:t>10.1109/MOCAST57943.2023.10176398</a:t>
+              <a:t>10.1109/MOCAST54814.2022.9837726</a:t>
             </a:r>
             <a:endParaRPr lang="en-IN" sz="800" dirty="0"/>
           </a:p>
@@ -12784,7 +13177,13 @@
   <p:cSld>
     <p:spTree>
       <p:nvGrpSpPr>
-        <p:cNvPr id="1" name=""/>
+        <p:cNvPr id="1" name="">
+          <a:extLst>
+            <a:ext uri="{FF2B5EF4-FFF2-40B4-BE49-F238E27FC236}">
+              <a16:creationId xmlns:a16="http://schemas.microsoft.com/office/drawing/2014/main" id="{ACC9E5D5-7597-17B2-3398-F1062ED9E994}"/>
+            </a:ext>
+          </a:extLst>
+        </p:cNvPr>
         <p:cNvGrpSpPr/>
         <p:nvPr/>
       </p:nvGrpSpPr>
@@ -12798,7 +13197,13 @@
       </p:grpSpPr>
       <p:sp>
         <p:nvSpPr>
-          <p:cNvPr id="3" name="Titel 2"/>
+          <p:cNvPr id="3" name="Titel 2">
+            <a:extLst>
+              <a:ext uri="{FF2B5EF4-FFF2-40B4-BE49-F238E27FC236}">
+                <a16:creationId xmlns:a16="http://schemas.microsoft.com/office/drawing/2014/main" id="{98777411-781F-CCB1-AE6F-43482F856787}"/>
+              </a:ext>
+            </a:extLst>
+          </p:cNvPr>
           <p:cNvSpPr>
             <a:spLocks noGrp="1"/>
           </p:cNvSpPr>
@@ -12806,14 +13211,19 @@
             <p:ph type="title"/>
           </p:nvPr>
         </p:nvSpPr>
-        <p:spPr/>
+        <p:spPr>
+          <a:xfrm>
+            <a:off x="874712" y="346075"/>
+            <a:ext cx="10580687" cy="489875"/>
+          </a:xfrm>
+        </p:spPr>
         <p:txBody>
           <a:bodyPr/>
           <a:lstStyle/>
           <a:p>
             <a:r>
-              <a:rPr lang="en-US" dirty="0"/>
-              <a:t>Detailed problem formulation and data  </a:t>
+              <a:rPr lang="en-US" b="1" dirty="0"/>
+              <a:t>Calculations:</a:t>
             </a:r>
             <a:br>
               <a:rPr lang="en-US" dirty="0"/>
@@ -12824,222 +13234,326 @@
       </p:sp>
       <p:sp>
         <p:nvSpPr>
-          <p:cNvPr id="2" name="Inhaltsplatzhalter 1"/>
+          <p:cNvPr id="2" name="Inhaltsplatzhalter 1">
+            <a:extLst>
+              <a:ext uri="{FF2B5EF4-FFF2-40B4-BE49-F238E27FC236}">
+                <a16:creationId xmlns:a16="http://schemas.microsoft.com/office/drawing/2014/main" id="{F141E007-C78A-321C-EBC3-E53050676E5F}"/>
+              </a:ext>
+            </a:extLst>
+          </p:cNvPr>
           <p:cNvSpPr>
             <a:spLocks noGrp="1"/>
           </p:cNvSpPr>
           <p:nvPr>
-            <p:ph sz="quarter" idx="10"/>
-          </p:nvPr>
-        </p:nvSpPr>
-        <p:spPr>
-          <a:xfrm>
-            <a:off x="874711" y="922021"/>
-            <a:ext cx="10580688" cy="4907280"/>
+            <p:ph sz="quarter" idx="13"/>
+          </p:nvPr>
+        </p:nvSpPr>
+        <p:spPr>
+          <a:xfrm>
+            <a:off x="874713" y="925976"/>
+            <a:ext cx="3398837" cy="769506"/>
           </a:xfrm>
         </p:spPr>
         <p:txBody>
           <a:bodyPr/>
           <a:lstStyle/>
           <a:p>
-            <a:pPr marL="342900" lvl="2" indent="-342900" algn="just">
+            <a:pPr marL="342900" lvl="2" indent="-342900">
+              <a:lnSpc>
+                <a:spcPct val="150000"/>
+              </a:lnSpc>
               <a:spcBef>
                 <a:spcPts val="0"/>
               </a:spcBef>
               <a:buAutoNum type="arabicPeriod"/>
             </a:pPr>
             <a:r>
-              <a:rPr lang="en-US" dirty="0"/>
-              <a:t>Find a pulse input setting which realizes the neuron firing after integration through the transistor </a:t>
+              <a:rPr lang="el-GR" dirty="0"/>
+              <a:t>τ</a:t>
             </a:r>
             <a:r>
               <a:rPr lang="en-IN" dirty="0"/>
-              <a:t>depending on memristor states in neuro-transistor</a:t>
-            </a:r>
-            <a:r>
-              <a:rPr lang="en-US" dirty="0"/>
-              <a:t>. </a:t>
-            </a:r>
-          </a:p>
-          <a:p>
-            <a:pPr marL="342900" lvl="2" indent="-342900" algn="just">
-              <a:spcBef>
-                <a:spcPts val="0"/>
-              </a:spcBef>
+              <a:t>on = Ron(Cm + Cgs)</a:t>
+            </a:r>
+          </a:p>
+          <a:p>
+            <a:pPr marL="342900" lvl="2" indent="-342900">
+              <a:buFont typeface="Arial" panose="020B0604020202020204" pitchFamily="34" charset="0"/>
               <a:buAutoNum type="arabicPeriod"/>
             </a:pPr>
             <a:r>
-              <a:rPr lang="en-US" dirty="0"/>
-              <a:t>Discuss the neuro-transistor in cascade to form a spiking neural network.</a:t>
-            </a:r>
-          </a:p>
-          <a:p>
-            <a:pPr marL="0" lvl="2" indent="0">
-              <a:spcBef>
-                <a:spcPts val="0"/>
-              </a:spcBef>
-              <a:buNone/>
-            </a:pPr>
-            <a:endParaRPr lang="en-US" dirty="0"/>
-          </a:p>
-          <a:p>
-            <a:pPr marL="0" lvl="2" indent="0">
-              <a:spcBef>
-                <a:spcPts val="0"/>
-              </a:spcBef>
-              <a:buNone/>
-            </a:pPr>
-            <a:endParaRPr lang="en-US" dirty="0"/>
-          </a:p>
-          <a:p>
-            <a:pPr marL="0" lvl="2" indent="0">
-              <a:spcBef>
-                <a:spcPts val="0"/>
-              </a:spcBef>
-              <a:buNone/>
-            </a:pPr>
-            <a:endParaRPr lang="en-US" dirty="0"/>
-          </a:p>
-        </p:txBody>
-      </p:sp>
-      <p:sp>
-        <p:nvSpPr>
-          <p:cNvPr id="9" name="TextBox 8">
+              <a:rPr lang="el-GR" dirty="0"/>
+              <a:t>τ</a:t>
+            </a:r>
+            <a:r>
+              <a:rPr lang="en-IN" dirty="0"/>
+              <a:t>off = Roff(Cm + Cgs)</a:t>
+            </a:r>
+          </a:p>
+        </p:txBody>
+      </p:sp>
+      <p:sp>
+        <p:nvSpPr>
+          <p:cNvPr id="7" name="Content Placeholder 6">
             <a:extLst>
               <a:ext uri="{FF2B5EF4-FFF2-40B4-BE49-F238E27FC236}">
-                <a16:creationId xmlns:a16="http://schemas.microsoft.com/office/drawing/2014/main" id="{370ED483-1AEB-A68A-5049-FC5AAFFFB36D}"/>
+                <a16:creationId xmlns:a16="http://schemas.microsoft.com/office/drawing/2014/main" id="{AC91F123-286D-5671-A58B-CEC57D154358}"/>
               </a:ext>
             </a:extLst>
           </p:cNvPr>
-          <p:cNvSpPr txBox="1"/>
+          <p:cNvSpPr>
+            <a:spLocks noGrp="1"/>
+          </p:cNvSpPr>
+          <p:nvPr>
+            <p:ph sz="quarter" idx="15"/>
+          </p:nvPr>
+        </p:nvSpPr>
+        <p:spPr>
+          <a:xfrm>
+            <a:off x="8036560" y="580437"/>
+            <a:ext cx="3280727" cy="5261564"/>
+          </a:xfrm>
+        </p:spPr>
+        <p:txBody>
+          <a:bodyPr/>
+          <a:lstStyle/>
+          <a:p>
+            <a:pPr algn="just"/>
+            <a:endParaRPr lang="en-US" dirty="0"/>
+          </a:p>
+          <a:p>
+            <a:pPr algn="just"/>
+            <a:r>
+              <a:rPr lang="en-US" dirty="0"/>
+              <a:t>Calculation:</a:t>
+            </a:r>
+          </a:p>
+          <a:p>
+            <a:pPr algn="just"/>
+            <a:r>
+              <a:rPr lang="el-GR" b="0" dirty="0"/>
+              <a:t>τ</a:t>
+            </a:r>
+            <a:r>
+              <a:rPr lang="en-IN" b="0" dirty="0"/>
+              <a:t>on = Ron(Cm + Cgs)</a:t>
+            </a:r>
+          </a:p>
+          <a:p>
+            <a:pPr algn="just"/>
+            <a:r>
+              <a:rPr lang="en-IN" dirty="0"/>
+              <a:t> </a:t>
+            </a:r>
+            <a:r>
+              <a:rPr lang="en-IN" b="0" dirty="0"/>
+              <a:t>       = </a:t>
+            </a:r>
+            <a:r>
+              <a:rPr lang="en-US" b="0" dirty="0"/>
+              <a:t>45.56</a:t>
+            </a:r>
+            <a:r>
+              <a:rPr lang="en-US" sz="1600" b="0" dirty="0">
+                <a:solidFill>
+                  <a:schemeClr val="accent1"/>
+                </a:solidFill>
+              </a:rPr>
+              <a:t> k</a:t>
+            </a:r>
+            <a:r>
+              <a:rPr lang="el-GR" sz="1600" b="0" dirty="0">
+                <a:solidFill>
+                  <a:schemeClr val="accent1"/>
+                </a:solidFill>
+              </a:rPr>
+              <a:t>Ω</a:t>
+            </a:r>
+            <a:r>
+              <a:rPr lang="en-US" sz="1600" b="0" dirty="0">
+                <a:solidFill>
+                  <a:schemeClr val="accent1"/>
+                </a:solidFill>
+              </a:rPr>
+              <a:t> x </a:t>
+            </a:r>
+            <a:r>
+              <a:rPr lang="en-IN" b="0" dirty="0"/>
+              <a:t>(10 pF + 100 pF)</a:t>
+            </a:r>
+            <a:endParaRPr lang="en-IN" sz="1600" b="0" dirty="0">
+              <a:solidFill>
+                <a:schemeClr val="accent1"/>
+              </a:solidFill>
+            </a:endParaRPr>
+          </a:p>
+          <a:p>
+            <a:pPr algn="just"/>
+            <a:r>
+              <a:rPr lang="en-IN" dirty="0"/>
+              <a:t>        = 5.0116 </a:t>
+            </a:r>
+            <a:r>
+              <a:rPr lang="el-GR" dirty="0"/>
+              <a:t>μ</a:t>
+            </a:r>
+            <a:r>
+              <a:rPr lang="en-IN" dirty="0"/>
+              <a:t>s</a:t>
+            </a:r>
+          </a:p>
+          <a:p>
+            <a:pPr algn="just"/>
+            <a:endParaRPr lang="en-IN" dirty="0"/>
+          </a:p>
+          <a:p>
+            <a:pPr algn="just"/>
+            <a:endParaRPr lang="en-IN" dirty="0"/>
+          </a:p>
+          <a:p>
+            <a:pPr algn="just"/>
+            <a:endParaRPr lang="en-IN" dirty="0"/>
+          </a:p>
+          <a:p>
+            <a:pPr algn="just"/>
+            <a:endParaRPr lang="en-IN" dirty="0"/>
+          </a:p>
+          <a:p>
+            <a:pPr algn="just"/>
+            <a:r>
+              <a:rPr lang="en-US" dirty="0"/>
+              <a:t>Calculation:</a:t>
+            </a:r>
+            <a:endParaRPr lang="en-IN" dirty="0"/>
+          </a:p>
+          <a:p>
+            <a:pPr algn="just"/>
+            <a:r>
+              <a:rPr lang="el-GR" b="0" dirty="0"/>
+              <a:t>τ</a:t>
+            </a:r>
+            <a:r>
+              <a:rPr lang="en-IN" b="0" dirty="0"/>
+              <a:t>off = Roff(Cm + Cgs)</a:t>
+            </a:r>
+          </a:p>
+          <a:p>
+            <a:pPr algn="just"/>
+            <a:r>
+              <a:rPr lang="en-IN" b="0" dirty="0"/>
+              <a:t>        = 484.97 k</a:t>
+            </a:r>
+            <a:r>
+              <a:rPr lang="el-GR" sz="1600" b="0" dirty="0">
+                <a:solidFill>
+                  <a:schemeClr val="accent1"/>
+                </a:solidFill>
+              </a:rPr>
+              <a:t>Ω</a:t>
+            </a:r>
+            <a:r>
+              <a:rPr lang="en-US" sz="1600" b="0" dirty="0">
+                <a:solidFill>
+                  <a:schemeClr val="accent1"/>
+                </a:solidFill>
+              </a:rPr>
+              <a:t> x </a:t>
+            </a:r>
+            <a:r>
+              <a:rPr lang="en-IN" b="0" dirty="0"/>
+              <a:t>(10 pF + 100 pF)</a:t>
+            </a:r>
+            <a:endParaRPr lang="en-IN" sz="1600" b="0" dirty="0">
+              <a:solidFill>
+                <a:schemeClr val="accent1"/>
+              </a:solidFill>
+            </a:endParaRPr>
+          </a:p>
+          <a:p>
+            <a:pPr algn="just"/>
+            <a:r>
+              <a:rPr lang="en-IN" dirty="0"/>
+              <a:t>        = 53.3467 </a:t>
+            </a:r>
+            <a:r>
+              <a:rPr lang="el-GR" dirty="0"/>
+              <a:t>μ</a:t>
+            </a:r>
+            <a:r>
+              <a:rPr lang="en-IN" dirty="0"/>
+              <a:t>s</a:t>
+            </a:r>
+          </a:p>
+          <a:p>
+            <a:endParaRPr lang="en-IN" dirty="0"/>
+          </a:p>
+        </p:txBody>
+      </p:sp>
+      <p:pic>
+        <p:nvPicPr>
+          <p:cNvPr id="16" name="Content Placeholder 8">
+            <a:extLst>
+              <a:ext uri="{FF2B5EF4-FFF2-40B4-BE49-F238E27FC236}">
+                <a16:creationId xmlns:a16="http://schemas.microsoft.com/office/drawing/2014/main" id="{5E52F0B1-B351-C763-B149-1A54E0266F17}"/>
+              </a:ext>
+            </a:extLst>
+          </p:cNvPr>
+          <p:cNvPicPr>
+            <a:picLocks noGrp="1" noChangeAspect="1"/>
+          </p:cNvPicPr>
+          <p:nvPr>
+            <p:ph sz="quarter" idx="14"/>
+          </p:nvPr>
+        </p:nvPicPr>
+        <p:blipFill>
+          <a:blip r:embed="rId3"/>
+          <a:stretch>
+            <a:fillRect/>
+          </a:stretch>
+        </p:blipFill>
+        <p:spPr>
+          <a:xfrm>
+            <a:off x="874712" y="1682357"/>
+            <a:ext cx="4305266" cy="3493285"/>
+          </a:xfrm>
+        </p:spPr>
+      </p:pic>
+      <p:pic>
+        <p:nvPicPr>
+          <p:cNvPr id="18" name="Picture 17">
+            <a:extLst>
+              <a:ext uri="{FF2B5EF4-FFF2-40B4-BE49-F238E27FC236}">
+                <a16:creationId xmlns:a16="http://schemas.microsoft.com/office/drawing/2014/main" id="{BF64712E-DAA7-AE5A-4163-F234CC109025}"/>
+              </a:ext>
+            </a:extLst>
+          </p:cNvPr>
+          <p:cNvPicPr>
+            <a:picLocks noChangeAspect="1"/>
+          </p:cNvPicPr>
           <p:nvPr/>
-        </p:nvSpPr>
-        <p:spPr>
-          <a:xfrm>
-            <a:off x="874712" y="4790957"/>
-            <a:ext cx="4015340" cy="992579"/>
+        </p:nvPicPr>
+        <p:blipFill>
+          <a:blip r:embed="rId4"/>
+          <a:stretch>
+            <a:fillRect/>
+          </a:stretch>
+        </p:blipFill>
+        <p:spPr>
+          <a:xfrm>
+            <a:off x="5784554" y="615415"/>
+            <a:ext cx="1757565" cy="2230091"/>
           </a:xfrm>
           <a:prstGeom prst="rect">
             <a:avLst/>
           </a:prstGeom>
-          <a:noFill/>
-        </p:spPr>
-        <p:txBody>
-          <a:bodyPr wrap="square" rtlCol="0">
-            <a:spAutoFit/>
-          </a:bodyPr>
-          <a:lstStyle/>
-          <a:p>
-            <a:pPr algn="just"/>
-            <a:r>
-              <a:rPr lang="en-IN" sz="1050" b="1" dirty="0">
-                <a:solidFill>
-                  <a:schemeClr val="accent1"/>
-                </a:solidFill>
-                <a:latin typeface="+mj-lt"/>
-                <a:ea typeface="+mj-ea"/>
-                <a:cs typeface="+mj-cs"/>
-              </a:rPr>
-              <a:t>Memristor</a:t>
-            </a:r>
-            <a:r>
-              <a:rPr lang="en-IN" sz="1050" b="1" dirty="0"/>
-              <a:t> </a:t>
-            </a:r>
-            <a:r>
-              <a:rPr lang="en-IN" sz="1050" b="1" dirty="0">
-                <a:solidFill>
-                  <a:schemeClr val="accent1"/>
-                </a:solidFill>
-                <a:latin typeface="+mj-lt"/>
-                <a:ea typeface="+mj-ea"/>
-                <a:cs typeface="+mj-cs"/>
-              </a:rPr>
-              <a:t>Model</a:t>
-            </a:r>
-          </a:p>
-          <a:p>
-            <a:pPr algn="just"/>
-            <a:r>
-              <a:rPr lang="en-IN" sz="800" dirty="0"/>
-              <a:t>R. </a:t>
-            </a:r>
-            <a:r>
-              <a:rPr lang="en-IN" sz="800" dirty="0" err="1"/>
-              <a:t>Schroedter</a:t>
-            </a:r>
-            <a:r>
-              <a:rPr lang="en-IN" sz="800" dirty="0"/>
-              <a:t>, A. S. </a:t>
-            </a:r>
-            <a:r>
-              <a:rPr lang="en-IN" sz="800" dirty="0" err="1"/>
-              <a:t>Demirkol</a:t>
-            </a:r>
-            <a:r>
-              <a:rPr lang="en-IN" sz="800" dirty="0"/>
-              <a:t>, A. Ascoli, R. Tetzlaff, E. </a:t>
-            </a:r>
-            <a:r>
-              <a:rPr lang="en-IN" sz="800" dirty="0" err="1"/>
-              <a:t>Mgeladze</a:t>
-            </a:r>
-            <a:r>
-              <a:rPr lang="en-IN" sz="800" dirty="0"/>
-              <a:t>, M. Herzig, S. </a:t>
-            </a:r>
-            <a:r>
-              <a:rPr lang="en-IN" sz="800" dirty="0" err="1"/>
-              <a:t>Slesazeck</a:t>
-            </a:r>
-            <a:r>
-              <a:rPr lang="en-IN" sz="800" dirty="0"/>
-              <a:t>, T. </a:t>
-            </a:r>
-            <a:r>
-              <a:rPr lang="en-IN" sz="800" dirty="0" err="1"/>
-              <a:t>Mikolajick</a:t>
-            </a:r>
-            <a:r>
-              <a:rPr lang="en-IN" sz="800" dirty="0"/>
-              <a:t>, "</a:t>
-            </a:r>
-            <a:r>
-              <a:rPr lang="en-IN" sz="800" dirty="0">
-                <a:hlinkClick r:id="rId3"/>
-              </a:rPr>
-              <a:t>SPICE Compact Model for an Analog Switching Niobium Oxide Memristor</a:t>
-            </a:r>
-            <a:r>
-              <a:rPr lang="en-IN" sz="800" dirty="0"/>
-              <a:t>", International Conference on Modern Circuits and Systems Technologies (MOCAST) on Electronics and Communications, Bremen, 2022</a:t>
-            </a:r>
-            <a:br>
-              <a:rPr lang="en-IN" sz="800" dirty="0"/>
-            </a:br>
-            <a:r>
-              <a:rPr lang="en-IN" sz="800" dirty="0"/>
-              <a:t>DOI: </a:t>
-            </a:r>
-            <a:r>
-              <a:rPr lang="en-IN" sz="800" dirty="0">
-                <a:hlinkClick r:id="rId4"/>
-              </a:rPr>
-              <a:t>10.1109/MOCAST54814.2022.9837726</a:t>
-            </a:r>
-            <a:endParaRPr lang="en-IN" sz="800" dirty="0"/>
-          </a:p>
-          <a:p>
-            <a:endParaRPr lang="en-IN" sz="800" dirty="0"/>
-          </a:p>
-        </p:txBody>
-      </p:sp>
+        </p:spPr>
+      </p:pic>
       <p:pic>
         <p:nvPicPr>
-          <p:cNvPr id="5" name="Picture 4">
+          <p:cNvPr id="20" name="Picture 19">
             <a:extLst>
               <a:ext uri="{FF2B5EF4-FFF2-40B4-BE49-F238E27FC236}">
-                <a16:creationId xmlns:a16="http://schemas.microsoft.com/office/drawing/2014/main" id="{A86862C6-BEA8-F102-316F-9E40EE4615B6}"/>
+                <a16:creationId xmlns:a16="http://schemas.microsoft.com/office/drawing/2014/main" id="{82FBC01B-EA5B-C0D3-D5F2-531AA4B52EEA}"/>
               </a:ext>
             </a:extLst>
           </p:cNvPr>
@@ -13056,97 +13570,490 @@
         </p:blipFill>
         <p:spPr>
           <a:xfrm>
-            <a:off x="874712" y="1651999"/>
-            <a:ext cx="3164793" cy="3138958"/>
+            <a:off x="5784554" y="3429000"/>
+            <a:ext cx="1756677" cy="2219514"/>
           </a:xfrm>
           <a:prstGeom prst="rect">
             <a:avLst/>
           </a:prstGeom>
         </p:spPr>
       </p:pic>
-      <p:sp>
-        <p:nvSpPr>
-          <p:cNvPr id="12" name="Arrow: Right 11">
+      <p:cxnSp>
+        <p:nvCxnSpPr>
+          <p:cNvPr id="22" name="Straight Connector 21">
             <a:extLst>
               <a:ext uri="{FF2B5EF4-FFF2-40B4-BE49-F238E27FC236}">
-                <a16:creationId xmlns:a16="http://schemas.microsoft.com/office/drawing/2014/main" id="{E1632924-3643-70ED-F231-F09FD34B1383}"/>
+                <a16:creationId xmlns:a16="http://schemas.microsoft.com/office/drawing/2014/main" id="{81515A7E-1666-A421-3D6A-8CF87AA23960}"/>
               </a:ext>
             </a:extLst>
           </p:cNvPr>
-          <p:cNvSpPr/>
+          <p:cNvCxnSpPr/>
           <p:nvPr/>
-        </p:nvSpPr>
-        <p:spPr>
-          <a:xfrm>
-            <a:off x="4419135" y="3142352"/>
-            <a:ext cx="620005" cy="554303"/>
-          </a:xfrm>
-          <a:prstGeom prst="rightArrow">
+        </p:nvCxnSpPr>
+        <p:spPr>
+          <a:xfrm>
+            <a:off x="5537200" y="264160"/>
+            <a:ext cx="0" cy="5984240"/>
+          </a:xfrm>
+          <a:prstGeom prst="line">
             <a:avLst/>
           </a:prstGeom>
+          <a:ln w="38100">
+            <a:solidFill>
+              <a:schemeClr val="accent1"/>
+            </a:solidFill>
+          </a:ln>
         </p:spPr>
         <p:style>
-          <a:lnRef idx="2">
-            <a:schemeClr val="accent1">
-              <a:shade val="15000"/>
-            </a:schemeClr>
+          <a:lnRef idx="1">
+            <a:schemeClr val="accent1"/>
           </a:lnRef>
-          <a:fillRef idx="1">
+          <a:fillRef idx="0">
             <a:schemeClr val="accent1"/>
           </a:fillRef>
           <a:effectRef idx="0">
             <a:schemeClr val="accent1"/>
           </a:effectRef>
           <a:fontRef idx="minor">
-            <a:schemeClr val="lt1"/>
+            <a:schemeClr val="tx1"/>
           </a:fontRef>
         </p:style>
-        <p:txBody>
-          <a:bodyPr rtlCol="0" anchor="ctr"/>
-          <a:lstStyle/>
-          <a:p>
-            <a:pPr algn="ctr"/>
-            <a:endParaRPr lang="en-IN"/>
-          </a:p>
-        </p:txBody>
-      </p:sp>
-      <p:pic>
-        <p:nvPicPr>
-          <p:cNvPr id="18" name="Picture 17">
+      </p:cxnSp>
+      <p:cxnSp>
+        <p:nvCxnSpPr>
+          <p:cNvPr id="23" name="Straight Connector 22">
             <a:extLst>
               <a:ext uri="{FF2B5EF4-FFF2-40B4-BE49-F238E27FC236}">
-                <a16:creationId xmlns:a16="http://schemas.microsoft.com/office/drawing/2014/main" id="{349971AC-CFE9-5D1E-9E7D-D281BD7C1A4E}"/>
+                <a16:creationId xmlns:a16="http://schemas.microsoft.com/office/drawing/2014/main" id="{E7CB886E-833C-D9EE-ADDE-A7DABC2EF1D2}"/>
               </a:ext>
             </a:extLst>
           </p:cNvPr>
-          <p:cNvPicPr>
-            <a:picLocks noChangeAspect="1"/>
-          </p:cNvPicPr>
+          <p:cNvCxnSpPr>
+            <a:cxnSpLocks/>
+          </p:cNvCxnSpPr>
           <p:nvPr/>
-        </p:nvPicPr>
-        <p:blipFill>
-          <a:blip r:embed="rId6"/>
-          <a:stretch>
-            <a:fillRect/>
-          </a:stretch>
-        </p:blipFill>
-        <p:spPr>
-          <a:xfrm>
-            <a:off x="5418772" y="1771387"/>
-            <a:ext cx="6036627" cy="4012149"/>
+        </p:nvCxnSpPr>
+        <p:spPr>
+          <a:xfrm>
+            <a:off x="5537200" y="3149341"/>
+            <a:ext cx="5918198" cy="0"/>
+          </a:xfrm>
+          <a:prstGeom prst="line">
+            <a:avLst/>
+          </a:prstGeom>
+          <a:ln w="38100">
+            <a:solidFill>
+              <a:schemeClr val="accent1"/>
+            </a:solidFill>
+          </a:ln>
+        </p:spPr>
+        <p:style>
+          <a:lnRef idx="1">
+            <a:schemeClr val="accent1"/>
+          </a:lnRef>
+          <a:fillRef idx="0">
+            <a:schemeClr val="accent1"/>
+          </a:fillRef>
+          <a:effectRef idx="0">
+            <a:schemeClr val="accent1"/>
+          </a:effectRef>
+          <a:fontRef idx="minor">
+            <a:schemeClr val="tx1"/>
+          </a:fontRef>
+        </p:style>
+      </p:cxnSp>
+      <p:sp>
+        <p:nvSpPr>
+          <p:cNvPr id="27" name="TextBox 5">
+            <a:extLst>
+              <a:ext uri="{FF2B5EF4-FFF2-40B4-BE49-F238E27FC236}">
+                <a16:creationId xmlns:a16="http://schemas.microsoft.com/office/drawing/2014/main" id="{3A7113EE-0626-BFE4-892B-BA17E4206E88}"/>
+              </a:ext>
+            </a:extLst>
+          </p:cNvPr>
+          <p:cNvSpPr txBox="1"/>
+          <p:nvPr/>
+        </p:nvSpPr>
+        <p:spPr>
+          <a:xfrm>
+            <a:off x="5586253" y="5731110"/>
+            <a:ext cx="5869145" cy="584775"/>
           </a:xfrm>
           <a:prstGeom prst="rect">
             <a:avLst/>
           </a:prstGeom>
-        </p:spPr>
-      </p:pic>
+          <a:noFill/>
+        </p:spPr>
+        <p:txBody>
+          <a:bodyPr wrap="square" rtlCol="0">
+            <a:spAutoFit/>
+          </a:bodyPr>
+          <a:lstStyle>
+            <a:defPPr>
+              <a:defRPr lang="de-DE"/>
+            </a:defPPr>
+            <a:lvl1pPr marL="0" algn="l" defTabSz="822960" rtl="0" eaLnBrk="1" latinLnBrk="0" hangingPunct="1">
+              <a:defRPr sz="1620" kern="1200">
+                <a:solidFill>
+                  <a:schemeClr val="tx1"/>
+                </a:solidFill>
+                <a:latin typeface="+mn-lt"/>
+                <a:ea typeface="+mn-ea"/>
+                <a:cs typeface="+mn-cs"/>
+              </a:defRPr>
+            </a:lvl1pPr>
+            <a:lvl2pPr marL="411480" algn="l" defTabSz="822960" rtl="0" eaLnBrk="1" latinLnBrk="0" hangingPunct="1">
+              <a:defRPr sz="1620" kern="1200">
+                <a:solidFill>
+                  <a:schemeClr val="tx1"/>
+                </a:solidFill>
+                <a:latin typeface="+mn-lt"/>
+                <a:ea typeface="+mn-ea"/>
+                <a:cs typeface="+mn-cs"/>
+              </a:defRPr>
+            </a:lvl2pPr>
+            <a:lvl3pPr marL="822960" algn="l" defTabSz="822960" rtl="0" eaLnBrk="1" latinLnBrk="0" hangingPunct="1">
+              <a:defRPr sz="1620" kern="1200">
+                <a:solidFill>
+                  <a:schemeClr val="tx1"/>
+                </a:solidFill>
+                <a:latin typeface="+mn-lt"/>
+                <a:ea typeface="+mn-ea"/>
+                <a:cs typeface="+mn-cs"/>
+              </a:defRPr>
+            </a:lvl3pPr>
+            <a:lvl4pPr marL="1234440" algn="l" defTabSz="822960" rtl="0" eaLnBrk="1" latinLnBrk="0" hangingPunct="1">
+              <a:defRPr sz="1620" kern="1200">
+                <a:solidFill>
+                  <a:schemeClr val="tx1"/>
+                </a:solidFill>
+                <a:latin typeface="+mn-lt"/>
+                <a:ea typeface="+mn-ea"/>
+                <a:cs typeface="+mn-cs"/>
+              </a:defRPr>
+            </a:lvl4pPr>
+            <a:lvl5pPr marL="1645920" algn="l" defTabSz="822960" rtl="0" eaLnBrk="1" latinLnBrk="0" hangingPunct="1">
+              <a:defRPr sz="1620" kern="1200">
+                <a:solidFill>
+                  <a:schemeClr val="tx1"/>
+                </a:solidFill>
+                <a:latin typeface="+mn-lt"/>
+                <a:ea typeface="+mn-ea"/>
+                <a:cs typeface="+mn-cs"/>
+              </a:defRPr>
+            </a:lvl5pPr>
+            <a:lvl6pPr marL="2057400" algn="l" defTabSz="822960" rtl="0" eaLnBrk="1" latinLnBrk="0" hangingPunct="1">
+              <a:defRPr sz="1620" kern="1200">
+                <a:solidFill>
+                  <a:schemeClr val="tx1"/>
+                </a:solidFill>
+                <a:latin typeface="+mn-lt"/>
+                <a:ea typeface="+mn-ea"/>
+                <a:cs typeface="+mn-cs"/>
+              </a:defRPr>
+            </a:lvl6pPr>
+            <a:lvl7pPr marL="2468880" algn="l" defTabSz="822960" rtl="0" eaLnBrk="1" latinLnBrk="0" hangingPunct="1">
+              <a:defRPr sz="1620" kern="1200">
+                <a:solidFill>
+                  <a:schemeClr val="tx1"/>
+                </a:solidFill>
+                <a:latin typeface="+mn-lt"/>
+                <a:ea typeface="+mn-ea"/>
+                <a:cs typeface="+mn-cs"/>
+              </a:defRPr>
+            </a:lvl7pPr>
+            <a:lvl8pPr marL="2880360" algn="l" defTabSz="822960" rtl="0" eaLnBrk="1" latinLnBrk="0" hangingPunct="1">
+              <a:defRPr sz="1620" kern="1200">
+                <a:solidFill>
+                  <a:schemeClr val="tx1"/>
+                </a:solidFill>
+                <a:latin typeface="+mn-lt"/>
+                <a:ea typeface="+mn-ea"/>
+                <a:cs typeface="+mn-cs"/>
+              </a:defRPr>
+            </a:lvl8pPr>
+            <a:lvl9pPr marL="3291840" algn="l" defTabSz="822960" rtl="0" eaLnBrk="1" latinLnBrk="0" hangingPunct="1">
+              <a:defRPr sz="1620" kern="1200">
+                <a:solidFill>
+                  <a:schemeClr val="tx1"/>
+                </a:solidFill>
+                <a:latin typeface="+mn-lt"/>
+                <a:ea typeface="+mn-ea"/>
+                <a:cs typeface="+mn-cs"/>
+              </a:defRPr>
+            </a:lvl9pPr>
+          </a:lstStyle>
+          <a:p>
+            <a:pPr algn="just"/>
+            <a:r>
+              <a:rPr lang="en-IN" sz="800" dirty="0"/>
+              <a:t>R. </a:t>
+            </a:r>
+            <a:r>
+              <a:rPr lang="en-IN" sz="800" dirty="0" err="1"/>
+              <a:t>Schroedter</a:t>
+            </a:r>
+            <a:r>
+              <a:rPr lang="en-IN" sz="800" dirty="0"/>
+              <a:t>, A. S. </a:t>
+            </a:r>
+            <a:r>
+              <a:rPr lang="en-IN" sz="800" dirty="0" err="1"/>
+              <a:t>Demirkol</a:t>
+            </a:r>
+            <a:r>
+              <a:rPr lang="en-IN" sz="800" dirty="0"/>
+              <a:t>, A. Ascoli, B. Max, F. </a:t>
+            </a:r>
+            <a:r>
+              <a:rPr lang="en-IN" sz="800" dirty="0" err="1"/>
+              <a:t>Nebe</a:t>
+            </a:r>
+            <a:r>
+              <a:rPr lang="en-IN" sz="800" dirty="0"/>
+              <a:t>, T. </a:t>
+            </a:r>
+            <a:r>
+              <a:rPr lang="en-IN" sz="800" dirty="0" err="1"/>
+              <a:t>Mikolajick</a:t>
+            </a:r>
+            <a:r>
+              <a:rPr lang="en-IN" sz="800" dirty="0"/>
+              <a:t>,  R. Tetzlaff, "</a:t>
+            </a:r>
+            <a:r>
+              <a:rPr lang="en-IN" sz="800" dirty="0">
+                <a:hlinkClick r:id="rId6"/>
+              </a:rPr>
+              <a:t>A pseudo-memcapacitive </a:t>
+            </a:r>
+            <a:r>
+              <a:rPr lang="en-IN" sz="800" dirty="0" err="1">
+                <a:hlinkClick r:id="rId6"/>
+              </a:rPr>
+              <a:t>neurotransistor</a:t>
+            </a:r>
+            <a:r>
+              <a:rPr lang="en-IN" sz="800" dirty="0">
+                <a:hlinkClick r:id="rId6"/>
+              </a:rPr>
+              <a:t> for spiking neural networks</a:t>
+            </a:r>
+            <a:r>
+              <a:rPr lang="en-IN" sz="800" dirty="0"/>
+              <a:t>", 12th International Conference on Modern Circuits and Systems Technologies (MOCAST) on Electronics and Communications, Athens, Greece, pp. 1-4, 2023, DOI: </a:t>
+            </a:r>
+            <a:r>
+              <a:rPr lang="en-IN" sz="800" dirty="0">
+                <a:hlinkClick r:id="rId6"/>
+              </a:rPr>
+              <a:t>10.1109/MOCAST57943.2023.10176398</a:t>
+            </a:r>
+            <a:endParaRPr lang="en-IN" sz="800" dirty="0"/>
+          </a:p>
+        </p:txBody>
+      </p:sp>
+      <p:sp>
+        <p:nvSpPr>
+          <p:cNvPr id="29" name="TextBox 9">
+            <a:extLst>
+              <a:ext uri="{FF2B5EF4-FFF2-40B4-BE49-F238E27FC236}">
+                <a16:creationId xmlns:a16="http://schemas.microsoft.com/office/drawing/2014/main" id="{5D127641-4743-0853-C404-96F2C68C828B}"/>
+              </a:ext>
+            </a:extLst>
+          </p:cNvPr>
+          <p:cNvSpPr txBox="1"/>
+          <p:nvPr/>
+        </p:nvSpPr>
+        <p:spPr>
+          <a:xfrm>
+            <a:off x="736602" y="5488058"/>
+            <a:ext cx="4443374" cy="707886"/>
+          </a:xfrm>
+          <a:prstGeom prst="rect">
+            <a:avLst/>
+          </a:prstGeom>
+          <a:noFill/>
+        </p:spPr>
+        <p:txBody>
+          <a:bodyPr wrap="square" rtlCol="0">
+            <a:spAutoFit/>
+          </a:bodyPr>
+          <a:lstStyle>
+            <a:defPPr>
+              <a:defRPr lang="de-DE"/>
+            </a:defPPr>
+            <a:lvl1pPr marL="0" algn="l" defTabSz="822960" rtl="0" eaLnBrk="1" latinLnBrk="0" hangingPunct="1">
+              <a:defRPr sz="1620" kern="1200">
+                <a:solidFill>
+                  <a:schemeClr val="tx1"/>
+                </a:solidFill>
+                <a:latin typeface="+mn-lt"/>
+                <a:ea typeface="+mn-ea"/>
+                <a:cs typeface="+mn-cs"/>
+              </a:defRPr>
+            </a:lvl1pPr>
+            <a:lvl2pPr marL="411480" algn="l" defTabSz="822960" rtl="0" eaLnBrk="1" latinLnBrk="0" hangingPunct="1">
+              <a:defRPr sz="1620" kern="1200">
+                <a:solidFill>
+                  <a:schemeClr val="tx1"/>
+                </a:solidFill>
+                <a:latin typeface="+mn-lt"/>
+                <a:ea typeface="+mn-ea"/>
+                <a:cs typeface="+mn-cs"/>
+              </a:defRPr>
+            </a:lvl2pPr>
+            <a:lvl3pPr marL="822960" algn="l" defTabSz="822960" rtl="0" eaLnBrk="1" latinLnBrk="0" hangingPunct="1">
+              <a:defRPr sz="1620" kern="1200">
+                <a:solidFill>
+                  <a:schemeClr val="tx1"/>
+                </a:solidFill>
+                <a:latin typeface="+mn-lt"/>
+                <a:ea typeface="+mn-ea"/>
+                <a:cs typeface="+mn-cs"/>
+              </a:defRPr>
+            </a:lvl3pPr>
+            <a:lvl4pPr marL="1234440" algn="l" defTabSz="822960" rtl="0" eaLnBrk="1" latinLnBrk="0" hangingPunct="1">
+              <a:defRPr sz="1620" kern="1200">
+                <a:solidFill>
+                  <a:schemeClr val="tx1"/>
+                </a:solidFill>
+                <a:latin typeface="+mn-lt"/>
+                <a:ea typeface="+mn-ea"/>
+                <a:cs typeface="+mn-cs"/>
+              </a:defRPr>
+            </a:lvl4pPr>
+            <a:lvl5pPr marL="1645920" algn="l" defTabSz="822960" rtl="0" eaLnBrk="1" latinLnBrk="0" hangingPunct="1">
+              <a:defRPr sz="1620" kern="1200">
+                <a:solidFill>
+                  <a:schemeClr val="tx1"/>
+                </a:solidFill>
+                <a:latin typeface="+mn-lt"/>
+                <a:ea typeface="+mn-ea"/>
+                <a:cs typeface="+mn-cs"/>
+              </a:defRPr>
+            </a:lvl5pPr>
+            <a:lvl6pPr marL="2057400" algn="l" defTabSz="822960" rtl="0" eaLnBrk="1" latinLnBrk="0" hangingPunct="1">
+              <a:defRPr sz="1620" kern="1200">
+                <a:solidFill>
+                  <a:schemeClr val="tx1"/>
+                </a:solidFill>
+                <a:latin typeface="+mn-lt"/>
+                <a:ea typeface="+mn-ea"/>
+                <a:cs typeface="+mn-cs"/>
+              </a:defRPr>
+            </a:lvl6pPr>
+            <a:lvl7pPr marL="2468880" algn="l" defTabSz="822960" rtl="0" eaLnBrk="1" latinLnBrk="0" hangingPunct="1">
+              <a:defRPr sz="1620" kern="1200">
+                <a:solidFill>
+                  <a:schemeClr val="tx1"/>
+                </a:solidFill>
+                <a:latin typeface="+mn-lt"/>
+                <a:ea typeface="+mn-ea"/>
+                <a:cs typeface="+mn-cs"/>
+              </a:defRPr>
+            </a:lvl7pPr>
+            <a:lvl8pPr marL="2880360" algn="l" defTabSz="822960" rtl="0" eaLnBrk="1" latinLnBrk="0" hangingPunct="1">
+              <a:defRPr sz="1620" kern="1200">
+                <a:solidFill>
+                  <a:schemeClr val="tx1"/>
+                </a:solidFill>
+                <a:latin typeface="+mn-lt"/>
+                <a:ea typeface="+mn-ea"/>
+                <a:cs typeface="+mn-cs"/>
+              </a:defRPr>
+            </a:lvl8pPr>
+            <a:lvl9pPr marL="3291840" algn="l" defTabSz="822960" rtl="0" eaLnBrk="1" latinLnBrk="0" hangingPunct="1">
+              <a:defRPr sz="1620" kern="1200">
+                <a:solidFill>
+                  <a:schemeClr val="tx1"/>
+                </a:solidFill>
+                <a:latin typeface="+mn-lt"/>
+                <a:ea typeface="+mn-ea"/>
+                <a:cs typeface="+mn-cs"/>
+              </a:defRPr>
+            </a:lvl9pPr>
+          </a:lstStyle>
+          <a:p>
+            <a:pPr algn="just"/>
+            <a:r>
+              <a:rPr lang="en-IN" sz="800" dirty="0"/>
+              <a:t>R. </a:t>
+            </a:r>
+            <a:r>
+              <a:rPr lang="en-IN" sz="800" dirty="0" err="1"/>
+              <a:t>Schroedter</a:t>
+            </a:r>
+            <a:r>
+              <a:rPr lang="en-IN" sz="800" dirty="0"/>
+              <a:t>, A. S. </a:t>
+            </a:r>
+            <a:r>
+              <a:rPr lang="en-IN" sz="800" dirty="0" err="1"/>
+              <a:t>Demirkol</a:t>
+            </a:r>
+            <a:r>
+              <a:rPr lang="en-IN" sz="800" dirty="0"/>
+              <a:t>, A. Ascoli, R. Tetzlaff, E. </a:t>
+            </a:r>
+            <a:r>
+              <a:rPr lang="en-IN" sz="800" dirty="0" err="1"/>
+              <a:t>Mgeladze</a:t>
+            </a:r>
+            <a:r>
+              <a:rPr lang="en-IN" sz="800" dirty="0"/>
+              <a:t>, M. Herzig, S. </a:t>
+            </a:r>
+            <a:r>
+              <a:rPr lang="en-IN" sz="800" dirty="0" err="1"/>
+              <a:t>Slesazeck</a:t>
+            </a:r>
+            <a:r>
+              <a:rPr lang="en-IN" sz="800" dirty="0"/>
+              <a:t>, T. </a:t>
+            </a:r>
+            <a:r>
+              <a:rPr lang="en-IN" sz="800" dirty="0" err="1"/>
+              <a:t>Mikolajick</a:t>
+            </a:r>
+            <a:r>
+              <a:rPr lang="en-IN" sz="800" dirty="0"/>
+              <a:t>, "</a:t>
+            </a:r>
+            <a:r>
+              <a:rPr lang="en-IN" sz="800" dirty="0">
+                <a:hlinkClick r:id="rId7"/>
+              </a:rPr>
+              <a:t>SPICE Compact Model for an Analog Switching Niobium Oxide Memristor</a:t>
+            </a:r>
+            <a:r>
+              <a:rPr lang="en-IN" sz="800" dirty="0"/>
+              <a:t>", International Conference on Modern Circuits and Systems Technologies (MOCAST) on Electronics and Communications, Bremen, 2022</a:t>
+            </a:r>
+            <a:br>
+              <a:rPr lang="en-IN" sz="800" dirty="0"/>
+            </a:br>
+            <a:r>
+              <a:rPr lang="en-IN" sz="800" dirty="0"/>
+              <a:t>DOI: </a:t>
+            </a:r>
+            <a:r>
+              <a:rPr lang="en-IN" sz="800" dirty="0">
+                <a:hlinkClick r:id="rId8"/>
+              </a:rPr>
+              <a:t>10.1109/MOCAST54814.2022.9837726</a:t>
+            </a:r>
+            <a:endParaRPr lang="en-IN" sz="800" dirty="0"/>
+          </a:p>
+        </p:txBody>
+      </p:sp>
     </p:spTree>
     <p:custDataLst>
       <p:tags r:id="rId1"/>
     </p:custDataLst>
     <p:extLst>
       <p:ext uri="{BB962C8B-B14F-4D97-AF65-F5344CB8AC3E}">
-        <p14:creationId xmlns:p14="http://schemas.microsoft.com/office/powerpoint/2010/main" val="1496353144"/>
+        <p14:creationId xmlns:p14="http://schemas.microsoft.com/office/powerpoint/2010/main" val="2800306716"/>
       </p:ext>
     </p:extLst>
   </p:cSld>
@@ -13161,13 +14068,7 @@
   <p:cSld>
     <p:spTree>
       <p:nvGrpSpPr>
-        <p:cNvPr id="1" name="">
-          <a:extLst>
-            <a:ext uri="{FF2B5EF4-FFF2-40B4-BE49-F238E27FC236}">
-              <a16:creationId xmlns:a16="http://schemas.microsoft.com/office/drawing/2014/main" id="{8F9B1A69-B36F-29CC-FAEB-FF5E8158919C}"/>
-            </a:ext>
-          </a:extLst>
-        </p:cNvPr>
+        <p:cNvPr id="1" name=""/>
         <p:cNvGrpSpPr/>
         <p:nvPr/>
       </p:nvGrpSpPr>
@@ -13181,10 +14082,10 @@
       </p:grpSpPr>
       <p:sp>
         <p:nvSpPr>
-          <p:cNvPr id="3" name="Titel 2">
+          <p:cNvPr id="2" name="Title 1">
             <a:extLst>
               <a:ext uri="{FF2B5EF4-FFF2-40B4-BE49-F238E27FC236}">
-                <a16:creationId xmlns:a16="http://schemas.microsoft.com/office/drawing/2014/main" id="{23FC96D5-BA3A-ED95-94BF-99A897E52815}"/>
+                <a16:creationId xmlns:a16="http://schemas.microsoft.com/office/drawing/2014/main" id="{FC1BC106-5F78-A8AF-BDF7-05292AE474E5}"/>
               </a:ext>
             </a:extLst>
           </p:cNvPr>
@@ -13195,717 +14096,482 @@
             <p:ph type="title"/>
           </p:nvPr>
         </p:nvSpPr>
-        <p:spPr/>
+        <p:spPr>
+          <a:xfrm>
+            <a:off x="874712" y="346075"/>
+            <a:ext cx="10580687" cy="509879"/>
+          </a:xfrm>
+        </p:spPr>
         <p:txBody>
           <a:bodyPr/>
           <a:lstStyle/>
           <a:p>
             <a:r>
-              <a:rPr lang="en-US" b="1" dirty="0"/>
-              <a:t>Considerations and calculations:</a:t>
-            </a:r>
-            <a:br>
-              <a:rPr lang="en-US" b="1" dirty="0"/>
-            </a:br>
-            <a:br>
-              <a:rPr lang="en-US" dirty="0"/>
-            </a:br>
-            <a:endParaRPr lang="en-US" b="0" dirty="0"/>
-          </a:p>
-        </p:txBody>
-      </p:sp>
-      <p:sp>
-        <p:nvSpPr>
-          <p:cNvPr id="2" name="Inhaltsplatzhalter 1">
+              <a:rPr lang="en-IN" dirty="0"/>
+              <a:t>I-V Plot of LCS and HCS</a:t>
+            </a:r>
+          </a:p>
+        </p:txBody>
+      </p:sp>
+      <p:grpSp>
+        <p:nvGrpSpPr>
+          <p:cNvPr id="35" name="Group 34">
             <a:extLst>
               <a:ext uri="{FF2B5EF4-FFF2-40B4-BE49-F238E27FC236}">
-                <a16:creationId xmlns:a16="http://schemas.microsoft.com/office/drawing/2014/main" id="{6B126538-414A-70CA-173A-E587396C061C}"/>
+                <a16:creationId xmlns:a16="http://schemas.microsoft.com/office/drawing/2014/main" id="{E3500184-0185-FA3F-3EA9-4AF6663B91D1}"/>
               </a:ext>
             </a:extLst>
           </p:cNvPr>
-          <p:cNvSpPr>
-            <a:spLocks noGrp="1"/>
-          </p:cNvSpPr>
-          <p:nvPr>
-            <p:ph sz="quarter" idx="13"/>
-          </p:nvPr>
-        </p:nvSpPr>
-        <p:spPr>
-          <a:xfrm>
-            <a:off x="874713" y="925975"/>
-            <a:ext cx="3398837" cy="4916025"/>
-          </a:xfrm>
+          <p:cNvGrpSpPr/>
+          <p:nvPr/>
+        </p:nvGrpSpPr>
+        <p:grpSpPr>
+          <a:xfrm>
+            <a:off x="1395600" y="1235849"/>
+            <a:ext cx="9400800" cy="4735208"/>
+            <a:chOff x="838215" y="1371600"/>
+            <a:chExt cx="10617183" cy="4962234"/>
+          </a:xfrm>
+        </p:grpSpPr>
+        <p:pic>
+          <p:nvPicPr>
+            <p:cNvPr id="29" name="Picture 28">
+              <a:extLst>
+                <a:ext uri="{FF2B5EF4-FFF2-40B4-BE49-F238E27FC236}">
+                  <a16:creationId xmlns:a16="http://schemas.microsoft.com/office/drawing/2014/main" id="{F661A786-32FD-7794-1F78-0D0552D46EF7}"/>
+                </a:ext>
+              </a:extLst>
+            </p:cNvPr>
+            <p:cNvPicPr>
+              <a:picLocks noChangeAspect="1"/>
+            </p:cNvPicPr>
+            <p:nvPr/>
+          </p:nvPicPr>
+          <p:blipFill>
+            <a:blip r:embed="rId2"/>
+            <a:stretch>
+              <a:fillRect/>
+            </a:stretch>
+          </p:blipFill>
+          <p:spPr>
+            <a:xfrm>
+              <a:off x="1046479" y="1452880"/>
+              <a:ext cx="10408919" cy="4788693"/>
+            </a:xfrm>
+            <a:prstGeom prst="rect">
+              <a:avLst/>
+            </a:prstGeom>
+          </p:spPr>
+        </p:pic>
+        <p:sp>
+          <p:nvSpPr>
+            <p:cNvPr id="30" name="Rectangle 29">
+              <a:extLst>
+                <a:ext uri="{FF2B5EF4-FFF2-40B4-BE49-F238E27FC236}">
+                  <a16:creationId xmlns:a16="http://schemas.microsoft.com/office/drawing/2014/main" id="{32BF486A-FDEC-64EC-E948-F6B404E2BFE3}"/>
+                </a:ext>
+              </a:extLst>
+            </p:cNvPr>
+            <p:cNvSpPr/>
+            <p:nvPr/>
+          </p:nvSpPr>
+          <p:spPr>
+            <a:xfrm>
+              <a:off x="5892800" y="1371600"/>
+              <a:ext cx="955040" cy="257671"/>
+            </a:xfrm>
+            <a:prstGeom prst="rect">
+              <a:avLst/>
+            </a:prstGeom>
+            <a:solidFill>
+              <a:schemeClr val="bg1"/>
+            </a:solidFill>
+            <a:ln>
+              <a:solidFill>
+                <a:schemeClr val="bg1"/>
+              </a:solidFill>
+            </a:ln>
+          </p:spPr>
+          <p:style>
+            <a:lnRef idx="2">
+              <a:schemeClr val="accent1">
+                <a:shade val="15000"/>
+              </a:schemeClr>
+            </a:lnRef>
+            <a:fillRef idx="1">
+              <a:schemeClr val="accent1"/>
+            </a:fillRef>
+            <a:effectRef idx="0">
+              <a:schemeClr val="accent1"/>
+            </a:effectRef>
+            <a:fontRef idx="minor">
+              <a:schemeClr val="lt1"/>
+            </a:fontRef>
+          </p:style>
+          <p:txBody>
+            <a:bodyPr rtlCol="0" anchor="ctr"/>
+            <a:lstStyle/>
+            <a:p>
+              <a:pPr algn="ctr"/>
+              <a:endParaRPr lang="en-IN"/>
+            </a:p>
+          </p:txBody>
+        </p:sp>
+        <p:sp>
+          <p:nvSpPr>
+            <p:cNvPr id="31" name="Rectangle 30">
+              <a:extLst>
+                <a:ext uri="{FF2B5EF4-FFF2-40B4-BE49-F238E27FC236}">
+                  <a16:creationId xmlns:a16="http://schemas.microsoft.com/office/drawing/2014/main" id="{FEAF5FF4-44A3-36A7-89BE-2F4864C55180}"/>
+                </a:ext>
+              </a:extLst>
+            </p:cNvPr>
+            <p:cNvSpPr/>
+            <p:nvPr/>
+          </p:nvSpPr>
+          <p:spPr>
+            <a:xfrm>
+              <a:off x="5593080" y="6076163"/>
+              <a:ext cx="1823720" cy="257671"/>
+            </a:xfrm>
+            <a:prstGeom prst="rect">
+              <a:avLst/>
+            </a:prstGeom>
+            <a:solidFill>
+              <a:schemeClr val="bg1"/>
+            </a:solidFill>
+            <a:ln>
+              <a:solidFill>
+                <a:schemeClr val="bg1"/>
+              </a:solidFill>
+            </a:ln>
+          </p:spPr>
+          <p:style>
+            <a:lnRef idx="2">
+              <a:schemeClr val="accent1">
+                <a:shade val="15000"/>
+              </a:schemeClr>
+            </a:lnRef>
+            <a:fillRef idx="1">
+              <a:schemeClr val="accent1"/>
+            </a:fillRef>
+            <a:effectRef idx="0">
+              <a:schemeClr val="accent1"/>
+            </a:effectRef>
+            <a:fontRef idx="minor">
+              <a:schemeClr val="lt1"/>
+            </a:fontRef>
+          </p:style>
+          <p:txBody>
+            <a:bodyPr rtlCol="0" anchor="ctr"/>
+            <a:lstStyle/>
+            <a:p>
+              <a:pPr algn="ctr"/>
+              <a:r>
+                <a:rPr lang="en-IN" b="1" dirty="0">
+                  <a:solidFill>
+                    <a:schemeClr val="tx1"/>
+                  </a:solidFill>
+                </a:rPr>
+                <a:t>Voltage (V)</a:t>
+              </a:r>
+            </a:p>
+          </p:txBody>
+        </p:sp>
+        <p:sp>
+          <p:nvSpPr>
+            <p:cNvPr id="33" name="Rectangle 32">
+              <a:extLst>
+                <a:ext uri="{FF2B5EF4-FFF2-40B4-BE49-F238E27FC236}">
+                  <a16:creationId xmlns:a16="http://schemas.microsoft.com/office/drawing/2014/main" id="{F8C8E094-AB89-788D-FCD6-6BE00D037B61}"/>
+                </a:ext>
+              </a:extLst>
+            </p:cNvPr>
+            <p:cNvSpPr/>
+            <p:nvPr/>
+          </p:nvSpPr>
+          <p:spPr>
+            <a:xfrm rot="16200000">
+              <a:off x="43247" y="3435525"/>
+              <a:ext cx="1823720" cy="233784"/>
+            </a:xfrm>
+            <a:prstGeom prst="rect">
+              <a:avLst/>
+            </a:prstGeom>
+            <a:solidFill>
+              <a:schemeClr val="bg1"/>
+            </a:solidFill>
+            <a:ln>
+              <a:solidFill>
+                <a:schemeClr val="bg1"/>
+              </a:solidFill>
+            </a:ln>
+          </p:spPr>
+          <p:style>
+            <a:lnRef idx="2">
+              <a:schemeClr val="accent1">
+                <a:shade val="15000"/>
+              </a:schemeClr>
+            </a:lnRef>
+            <a:fillRef idx="1">
+              <a:schemeClr val="accent1"/>
+            </a:fillRef>
+            <a:effectRef idx="0">
+              <a:schemeClr val="accent1"/>
+            </a:effectRef>
+            <a:fontRef idx="minor">
+              <a:schemeClr val="lt1"/>
+            </a:fontRef>
+          </p:style>
+          <p:txBody>
+            <a:bodyPr rtlCol="0" anchor="ctr"/>
+            <a:lstStyle/>
+            <a:p>
+              <a:pPr algn="ctr"/>
+              <a:r>
+                <a:rPr lang="en-IN" b="1" dirty="0">
+                  <a:solidFill>
+                    <a:schemeClr val="tx1"/>
+                  </a:solidFill>
+                </a:rPr>
+                <a:t>Current (A)</a:t>
+              </a:r>
+            </a:p>
+          </p:txBody>
+        </p:sp>
+      </p:grpSp>
+      <p:sp>
+        <p:nvSpPr>
+          <p:cNvPr id="36" name="Inhaltsplatzhalter 1">
+            <a:extLst>
+              <a:ext uri="{FF2B5EF4-FFF2-40B4-BE49-F238E27FC236}">
+                <a16:creationId xmlns:a16="http://schemas.microsoft.com/office/drawing/2014/main" id="{DADAB554-1ACD-CB7A-89EA-B07DAD7F1A82}"/>
+              </a:ext>
+            </a:extLst>
+          </p:cNvPr>
+          <p:cNvSpPr txBox="1">
+            <a:spLocks/>
+          </p:cNvSpPr>
+          <p:nvPr/>
+        </p:nvSpPr>
+        <p:spPr>
+          <a:xfrm>
+            <a:off x="805657" y="816933"/>
+            <a:ext cx="10580686" cy="509879"/>
+          </a:xfrm>
+          <a:prstGeom prst="rect">
+            <a:avLst/>
+          </a:prstGeom>
         </p:spPr>
         <p:txBody>
           <a:bodyPr/>
-          <a:lstStyle/>
-          <a:p>
-            <a:pPr marL="342900" lvl="2" indent="-342900">
+          <a:lstStyle>
+            <a:lvl1pPr marL="0" indent="0" algn="l" defTabSz="914269" rtl="0" eaLnBrk="1" latinLnBrk="0" hangingPunct="1">
+              <a:spcBef>
+                <a:spcPts val="600"/>
+              </a:spcBef>
+              <a:buFont typeface="Arial" panose="020B0604020202020204" pitchFamily="34" charset="0"/>
+              <a:buNone/>
+              <a:defRPr sz="1600" b="1" kern="1200">
+                <a:solidFill>
+                  <a:schemeClr val="accent1"/>
+                </a:solidFill>
+                <a:latin typeface="+mn-lt"/>
+                <a:ea typeface="+mn-ea"/>
+                <a:cs typeface="+mn-cs"/>
+              </a:defRPr>
+            </a:lvl1pPr>
+            <a:lvl2pPr marL="0" indent="0" algn="l" defTabSz="914269" rtl="0" eaLnBrk="1" latinLnBrk="0" hangingPunct="1">
+              <a:spcBef>
+                <a:spcPts val="600"/>
+              </a:spcBef>
+              <a:buFont typeface="Open Sans" panose="020B0606030504020204" pitchFamily="34" charset="0"/>
+              <a:buNone/>
+              <a:defRPr sz="1600" kern="1200" baseline="0">
+                <a:solidFill>
+                  <a:schemeClr val="accent1"/>
+                </a:solidFill>
+                <a:latin typeface="+mn-lt"/>
+                <a:ea typeface="+mn-ea"/>
+                <a:cs typeface="+mn-cs"/>
+              </a:defRPr>
+            </a:lvl2pPr>
+            <a:lvl3pPr marL="252000" indent="-252000" algn="l" defTabSz="914269" rtl="0" eaLnBrk="1" latinLnBrk="0" hangingPunct="1">
               <a:spcBef>
                 <a:spcPts val="0"/>
               </a:spcBef>
-              <a:buAutoNum type="arabicPeriod"/>
-            </a:pPr>
-            <a:r>
-              <a:rPr lang="el-GR" dirty="0"/>
-              <a:t>τ</a:t>
-            </a:r>
-            <a:r>
-              <a:rPr lang="en-IN" dirty="0"/>
-              <a:t>on = Ron(Cm + Cgs)</a:t>
-            </a:r>
-          </a:p>
-          <a:p>
-            <a:pPr marL="342900" lvl="2" indent="-342900">
               <a:buFont typeface="Arial" panose="020B0604020202020204" pitchFamily="34" charset="0"/>
-              <a:buAutoNum type="arabicPeriod"/>
-            </a:pPr>
-            <a:r>
-              <a:rPr lang="el-GR" dirty="0"/>
-              <a:t>τ</a:t>
-            </a:r>
-            <a:r>
-              <a:rPr lang="en-IN" dirty="0"/>
-              <a:t>off = Roff(Cm + Cgs)</a:t>
-            </a:r>
-          </a:p>
-          <a:p>
-            <a:pPr marL="342900" lvl="2" indent="-342900">
-              <a:buFont typeface="Arial" panose="020B0604020202020204" pitchFamily="34" charset="0"/>
-              <a:buAutoNum type="arabicPeriod"/>
-            </a:pPr>
-            <a:r>
-              <a:rPr lang="en-IN" dirty="0"/>
-              <a:t>Roff/Ron &gt; 10</a:t>
-            </a:r>
-          </a:p>
-          <a:p>
-            <a:pPr marL="342900" lvl="2" indent="-342900">
-              <a:buFont typeface="Arial" panose="020B0604020202020204" pitchFamily="34" charset="0"/>
-              <a:buAutoNum type="arabicPeriod"/>
-            </a:pPr>
-            <a:r>
-              <a:rPr lang="en-IN" dirty="0"/>
-              <a:t>Cgs/Cm &gt; 5</a:t>
-            </a:r>
-          </a:p>
-          <a:p>
-            <a:pPr marL="0" lvl="2" indent="0">
+              <a:buChar char="—"/>
+              <a:defRPr sz="1600" kern="1200">
+                <a:solidFill>
+                  <a:schemeClr val="accent1"/>
+                </a:solidFill>
+                <a:latin typeface="+mn-lt"/>
+                <a:ea typeface="+mn-ea"/>
+                <a:cs typeface="+mn-cs"/>
+              </a:defRPr>
+            </a:lvl3pPr>
+            <a:lvl4pPr marL="252000" indent="-144000" algn="l" defTabSz="914269" rtl="0" eaLnBrk="1" latinLnBrk="0" hangingPunct="1">
               <a:spcBef>
                 <a:spcPts val="0"/>
               </a:spcBef>
+              <a:buFont typeface="Open Sans" panose="020B0606030504020204" pitchFamily="34" charset="0"/>
+              <a:buChar char="–"/>
+              <a:defRPr sz="1600" kern="1200" baseline="0">
+                <a:solidFill>
+                  <a:schemeClr val="accent1"/>
+                </a:solidFill>
+                <a:latin typeface="+mn-lt"/>
+                <a:ea typeface="+mn-ea"/>
+                <a:cs typeface="+mn-cs"/>
+              </a:defRPr>
+            </a:lvl4pPr>
+            <a:lvl5pPr marL="0" indent="0" algn="l" defTabSz="914269" rtl="0" eaLnBrk="1" latinLnBrk="0" hangingPunct="1">
+              <a:spcBef>
+                <a:spcPts val="600"/>
+              </a:spcBef>
+              <a:spcAft>
+                <a:spcPts val="0"/>
+              </a:spcAft>
+              <a:buFont typeface="Symbol" panose="05050102010706020507" pitchFamily="18" charset="2"/>
+              <a:buNone/>
+              <a:defRPr sz="1400" b="1" kern="1200" baseline="0">
+                <a:solidFill>
+                  <a:schemeClr val="accent1"/>
+                </a:solidFill>
+                <a:latin typeface="+mn-lt"/>
+                <a:ea typeface="+mn-ea"/>
+                <a:cs typeface="+mn-cs"/>
+              </a:defRPr>
+            </a:lvl5pPr>
+            <a:lvl6pPr marL="0" marR="0" indent="0" algn="l" defTabSz="914269" rtl="0" eaLnBrk="1" fontAlgn="auto" latinLnBrk="0" hangingPunct="1">
+              <a:lnSpc>
+                <a:spcPct val="100000"/>
+              </a:lnSpc>
+              <a:spcBef>
+                <a:spcPts val="600"/>
+              </a:spcBef>
+              <a:spcAft>
+                <a:spcPts val="0"/>
+              </a:spcAft>
+              <a:buClrTx/>
+              <a:buSzTx/>
+              <a:buFont typeface="Arial" panose="020B0604020202020204" pitchFamily="34" charset="0"/>
+              <a:buNone/>
+              <a:tabLst/>
+              <a:defRPr sz="1400" b="0" kern="1200">
+                <a:solidFill>
+                  <a:schemeClr val="accent1"/>
+                </a:solidFill>
+                <a:latin typeface="+mn-lt"/>
+                <a:ea typeface="+mn-ea"/>
+                <a:cs typeface="+mn-cs"/>
+              </a:defRPr>
+            </a:lvl6pPr>
+            <a:lvl7pPr marL="252000" marR="0" indent="-252000" algn="l" defTabSz="914269" rtl="0" eaLnBrk="1" fontAlgn="auto" latinLnBrk="0" hangingPunct="1">
+              <a:lnSpc>
+                <a:spcPct val="100000"/>
+              </a:lnSpc>
+              <a:spcBef>
+                <a:spcPts val="0"/>
+              </a:spcBef>
+              <a:spcAft>
+                <a:spcPts val="0"/>
+              </a:spcAft>
+              <a:buClrTx/>
+              <a:buSzTx/>
+              <a:buFont typeface="Arial" panose="020B0604020202020204" pitchFamily="34" charset="0"/>
+              <a:buChar char="—"/>
+              <a:tabLst/>
+              <a:defRPr lang="de-DE" sz="1400" kern="1200" dirty="0" smtClean="0">
+                <a:solidFill>
+                  <a:schemeClr val="accent1"/>
+                </a:solidFill>
+                <a:latin typeface="+mn-lt"/>
+                <a:ea typeface="+mn-ea"/>
+                <a:cs typeface="+mn-cs"/>
+              </a:defRPr>
+            </a:lvl7pPr>
+            <a:lvl8pPr marL="252000" marR="0" indent="-144000" algn="l" defTabSz="914269" rtl="0" eaLnBrk="1" fontAlgn="auto" latinLnBrk="0" hangingPunct="1">
+              <a:lnSpc>
+                <a:spcPct val="100000"/>
+              </a:lnSpc>
+              <a:spcBef>
+                <a:spcPts val="0"/>
+              </a:spcBef>
+              <a:spcAft>
+                <a:spcPts val="0"/>
+              </a:spcAft>
+              <a:buClrTx/>
+              <a:buSzTx/>
+              <a:buFont typeface="Open Sans" panose="020B0606030504020204" pitchFamily="34" charset="0"/>
+              <a:buChar char="–"/>
+              <a:tabLst/>
+              <a:defRPr sz="1400" kern="1200" baseline="0">
+                <a:solidFill>
+                  <a:schemeClr val="accent1"/>
+                </a:solidFill>
+                <a:latin typeface="+mn-lt"/>
+                <a:ea typeface="+mn-ea"/>
+                <a:cs typeface="+mn-cs"/>
+              </a:defRPr>
+            </a:lvl8pPr>
+            <a:lvl9pPr marL="396000" marR="0" indent="-144000" algn="l" defTabSz="914269" rtl="0" eaLnBrk="1" fontAlgn="auto" latinLnBrk="0" hangingPunct="1">
+              <a:lnSpc>
+                <a:spcPct val="100000"/>
+              </a:lnSpc>
+              <a:spcBef>
+                <a:spcPts val="0"/>
+              </a:spcBef>
+              <a:spcAft>
+                <a:spcPts val="0"/>
+              </a:spcAft>
+              <a:buClrTx/>
+              <a:buSzTx/>
+              <a:buFont typeface="Wingdings" panose="05000000000000000000" pitchFamily="2" charset="2"/>
+              <a:buChar char="§"/>
+              <a:tabLst/>
+              <a:defRPr sz="1400" kern="1200">
+                <a:solidFill>
+                  <a:schemeClr val="accent1"/>
+                </a:solidFill>
+                <a:latin typeface="+mn-lt"/>
+                <a:ea typeface="+mn-ea"/>
+                <a:cs typeface="+mn-cs"/>
+              </a:defRPr>
+            </a:lvl9pPr>
+          </a:lstStyle>
+          <a:p>
+            <a:pPr marL="0" lvl="2" indent="0">
+              <a:lnSpc>
+                <a:spcPct val="150000"/>
+              </a:lnSpc>
               <a:buNone/>
             </a:pPr>
+            <a:r>
+              <a:rPr lang="en-IN" dirty="0"/>
+              <a:t>For Sine input of 100KHz </a:t>
+            </a:r>
+            <a:r>
+              <a:rPr lang="de-DE" dirty="0"/>
+              <a:t>± 1V, HCS current is </a:t>
+            </a:r>
+            <a:r>
+              <a:rPr lang="de-DE" b="1" dirty="0"/>
+              <a:t>5.7 times </a:t>
+            </a:r>
+            <a:r>
+              <a:rPr lang="de-DE" dirty="0"/>
+              <a:t>greater than LCS current. </a:t>
+            </a:r>
             <a:endParaRPr lang="en-IN" dirty="0"/>
           </a:p>
         </p:txBody>
       </p:sp>
-      <p:pic>
-        <p:nvPicPr>
-          <p:cNvPr id="9" name="Content Placeholder 8">
-            <a:extLst>
-              <a:ext uri="{FF2B5EF4-FFF2-40B4-BE49-F238E27FC236}">
-                <a16:creationId xmlns:a16="http://schemas.microsoft.com/office/drawing/2014/main" id="{59B700DE-D2CD-E63E-18CE-486BE9131A6C}"/>
-              </a:ext>
-            </a:extLst>
-          </p:cNvPr>
-          <p:cNvPicPr>
-            <a:picLocks noGrp="1" noChangeAspect="1"/>
-          </p:cNvPicPr>
-          <p:nvPr>
-            <p:ph sz="quarter" idx="14"/>
-          </p:nvPr>
-        </p:nvPicPr>
-        <p:blipFill>
-          <a:blip r:embed="rId3"/>
-          <a:stretch>
-            <a:fillRect/>
-          </a:stretch>
-        </p:blipFill>
-        <p:spPr>
-          <a:xfrm>
-            <a:off x="4387849" y="759001"/>
-            <a:ext cx="3416300" cy="2546157"/>
-          </a:xfrm>
-        </p:spPr>
-      </p:pic>
-      <p:sp>
-        <p:nvSpPr>
-          <p:cNvPr id="7" name="Content Placeholder 6">
-            <a:extLst>
-              <a:ext uri="{FF2B5EF4-FFF2-40B4-BE49-F238E27FC236}">
-                <a16:creationId xmlns:a16="http://schemas.microsoft.com/office/drawing/2014/main" id="{CE0F5865-0709-4BBE-2869-D5CAA8F8B34B}"/>
-              </a:ext>
-            </a:extLst>
-          </p:cNvPr>
-          <p:cNvSpPr>
-            <a:spLocks noGrp="1"/>
-          </p:cNvSpPr>
-          <p:nvPr>
-            <p:ph sz="quarter" idx="15"/>
-          </p:nvPr>
-        </p:nvSpPr>
-        <p:spPr>
-          <a:xfrm>
-            <a:off x="8070849" y="925975"/>
-            <a:ext cx="3617567" cy="4916025"/>
-          </a:xfrm>
-        </p:spPr>
-        <p:txBody>
-          <a:bodyPr/>
-          <a:lstStyle/>
-          <a:p>
-            <a:pPr algn="just"/>
-            <a:r>
-              <a:rPr lang="en-US" dirty="0"/>
-              <a:t>Calculation:</a:t>
-            </a:r>
-          </a:p>
-          <a:p>
-            <a:endParaRPr lang="en-US" dirty="0"/>
-          </a:p>
-          <a:p>
-            <a:r>
-              <a:rPr lang="en-IN" sz="1600" b="0" dirty="0" err="1">
-                <a:solidFill>
-                  <a:schemeClr val="accent1"/>
-                </a:solidFill>
-              </a:rPr>
-              <a:t>Ceff</a:t>
-            </a:r>
-            <a:r>
-              <a:rPr lang="en-IN" sz="1600" b="0" dirty="0">
-                <a:solidFill>
-                  <a:schemeClr val="accent1"/>
-                </a:solidFill>
-              </a:rPr>
-              <a:t> = Cm + Cgs </a:t>
-            </a:r>
-          </a:p>
-          <a:p>
-            <a:r>
-              <a:rPr lang="en-IN" b="0" dirty="0"/>
-              <a:t>         = (100pF x 10pF)/ (100pF + 10pF)</a:t>
-            </a:r>
-            <a:endParaRPr lang="en-IN" sz="1600" b="0" dirty="0">
-              <a:solidFill>
-                <a:schemeClr val="accent1"/>
-              </a:solidFill>
-            </a:endParaRPr>
-          </a:p>
-          <a:p>
-            <a:r>
-              <a:rPr lang="en-IN" dirty="0"/>
-              <a:t>         </a:t>
-            </a:r>
-            <a:r>
-              <a:rPr lang="en-IN" sz="1600" dirty="0">
-                <a:solidFill>
-                  <a:schemeClr val="accent1"/>
-                </a:solidFill>
-              </a:rPr>
-              <a:t>= 9.09 pF</a:t>
-            </a:r>
-            <a:endParaRPr lang="en-US" sz="1600" dirty="0">
-              <a:solidFill>
-                <a:schemeClr val="accent1"/>
-              </a:solidFill>
-            </a:endParaRPr>
-          </a:p>
-          <a:p>
-            <a:endParaRPr lang="en-US" dirty="0"/>
-          </a:p>
-          <a:p>
-            <a:endParaRPr lang="en-US" dirty="0"/>
-          </a:p>
-          <a:p>
-            <a:pPr algn="just"/>
-            <a:r>
-              <a:rPr lang="el-GR" b="0" dirty="0"/>
-              <a:t>τ</a:t>
-            </a:r>
-            <a:r>
-              <a:rPr lang="en-IN" b="0" dirty="0"/>
-              <a:t>on = Ron(Cm + Cgs)</a:t>
-            </a:r>
-          </a:p>
-          <a:p>
-            <a:pPr algn="just"/>
-            <a:r>
-              <a:rPr lang="en-IN" dirty="0"/>
-              <a:t> </a:t>
-            </a:r>
-            <a:r>
-              <a:rPr lang="en-IN" b="0" dirty="0"/>
-              <a:t>       = </a:t>
-            </a:r>
-            <a:r>
-              <a:rPr lang="en-US" sz="1600" b="0" dirty="0">
-                <a:solidFill>
-                  <a:schemeClr val="accent1"/>
-                </a:solidFill>
-              </a:rPr>
-              <a:t>53 k</a:t>
-            </a:r>
-            <a:r>
-              <a:rPr lang="el-GR" sz="1600" b="0" dirty="0">
-                <a:solidFill>
-                  <a:schemeClr val="accent1"/>
-                </a:solidFill>
-              </a:rPr>
-              <a:t>Ω</a:t>
-            </a:r>
-            <a:r>
-              <a:rPr lang="en-US" sz="1600" b="0" dirty="0">
-                <a:solidFill>
-                  <a:schemeClr val="accent1"/>
-                </a:solidFill>
-              </a:rPr>
-              <a:t> x </a:t>
-            </a:r>
-            <a:r>
-              <a:rPr lang="en-IN" sz="1600" b="0" dirty="0">
-                <a:solidFill>
-                  <a:schemeClr val="accent1"/>
-                </a:solidFill>
-              </a:rPr>
-              <a:t>9.09 pF</a:t>
-            </a:r>
-          </a:p>
-          <a:p>
-            <a:pPr algn="just"/>
-            <a:r>
-              <a:rPr lang="en-IN" dirty="0"/>
-              <a:t>        = 0.48181</a:t>
-            </a:r>
-            <a:r>
-              <a:rPr lang="el-GR" dirty="0"/>
-              <a:t> μ</a:t>
-            </a:r>
-            <a:r>
-              <a:rPr lang="en-IN" dirty="0"/>
-              <a:t>s</a:t>
-            </a:r>
-          </a:p>
-          <a:p>
-            <a:pPr algn="just"/>
-            <a:endParaRPr lang="en-IN" dirty="0"/>
-          </a:p>
-          <a:p>
-            <a:pPr algn="just"/>
-            <a:endParaRPr lang="en-IN" dirty="0"/>
-          </a:p>
-          <a:p>
-            <a:pPr algn="just"/>
-            <a:r>
-              <a:rPr lang="el-GR" b="0" dirty="0"/>
-              <a:t>τ</a:t>
-            </a:r>
-            <a:r>
-              <a:rPr lang="en-IN" b="0" dirty="0"/>
-              <a:t>off = Roff(Cm + Cgs)</a:t>
-            </a:r>
-          </a:p>
-          <a:p>
-            <a:pPr algn="just"/>
-            <a:r>
-              <a:rPr lang="en-IN" b="0" dirty="0"/>
-              <a:t>        = </a:t>
-            </a:r>
-            <a:r>
-              <a:rPr lang="en-IN" sz="1600" b="0" dirty="0">
-                <a:solidFill>
-                  <a:schemeClr val="accent1"/>
-                </a:solidFill>
-              </a:rPr>
-              <a:t>247 k</a:t>
-            </a:r>
-            <a:r>
-              <a:rPr lang="el-GR" sz="1600" b="0" dirty="0">
-                <a:solidFill>
-                  <a:schemeClr val="accent1"/>
-                </a:solidFill>
-              </a:rPr>
-              <a:t>Ω</a:t>
-            </a:r>
-            <a:r>
-              <a:rPr lang="en-US" sz="1600" b="0" dirty="0">
-                <a:solidFill>
-                  <a:schemeClr val="accent1"/>
-                </a:solidFill>
-              </a:rPr>
-              <a:t> x </a:t>
-            </a:r>
-            <a:r>
-              <a:rPr lang="en-IN" sz="1600" b="0" dirty="0">
-                <a:solidFill>
-                  <a:schemeClr val="accent1"/>
-                </a:solidFill>
-              </a:rPr>
-              <a:t>9.09 pF</a:t>
-            </a:r>
-          </a:p>
-          <a:p>
-            <a:pPr algn="just"/>
-            <a:r>
-              <a:rPr lang="en-IN" dirty="0"/>
-              <a:t>        = 2.245 </a:t>
-            </a:r>
-            <a:r>
-              <a:rPr lang="el-GR" dirty="0"/>
-              <a:t>μ</a:t>
-            </a:r>
-            <a:r>
-              <a:rPr lang="en-IN" dirty="0"/>
-              <a:t>s</a:t>
-            </a:r>
-          </a:p>
-          <a:p>
-            <a:endParaRPr lang="en-IN" dirty="0"/>
-          </a:p>
-        </p:txBody>
-      </p:sp>
-      <p:pic>
-        <p:nvPicPr>
-          <p:cNvPr id="5" name="Picture 4">
-            <a:extLst>
-              <a:ext uri="{FF2B5EF4-FFF2-40B4-BE49-F238E27FC236}">
-                <a16:creationId xmlns:a16="http://schemas.microsoft.com/office/drawing/2014/main" id="{42BCC59D-534C-A134-4F11-5AF0F5D44689}"/>
-              </a:ext>
-            </a:extLst>
-          </p:cNvPr>
-          <p:cNvPicPr>
-            <a:picLocks noChangeAspect="1"/>
-          </p:cNvPicPr>
-          <p:nvPr/>
-        </p:nvPicPr>
-        <p:blipFill>
-          <a:blip r:embed="rId4"/>
-          <a:stretch>
-            <a:fillRect/>
-          </a:stretch>
-        </p:blipFill>
-        <p:spPr>
-          <a:xfrm>
-            <a:off x="874712" y="2040738"/>
-            <a:ext cx="3280600" cy="2561079"/>
-          </a:xfrm>
-          <a:prstGeom prst="rect">
-            <a:avLst/>
-          </a:prstGeom>
-        </p:spPr>
-      </p:pic>
-      <p:sp>
-        <p:nvSpPr>
-          <p:cNvPr id="8" name="TextBox 7">
-            <a:extLst>
-              <a:ext uri="{FF2B5EF4-FFF2-40B4-BE49-F238E27FC236}">
-                <a16:creationId xmlns:a16="http://schemas.microsoft.com/office/drawing/2014/main" id="{B1563B4E-EE14-B509-E0B0-A15A69DBE820}"/>
-              </a:ext>
-            </a:extLst>
-          </p:cNvPr>
-          <p:cNvSpPr txBox="1"/>
-          <p:nvPr/>
-        </p:nvSpPr>
-        <p:spPr>
-          <a:xfrm>
-            <a:off x="874712" y="5011003"/>
-            <a:ext cx="3280599" cy="830997"/>
-          </a:xfrm>
-          <a:prstGeom prst="rect">
-            <a:avLst/>
-          </a:prstGeom>
-          <a:noFill/>
-        </p:spPr>
-        <p:txBody>
-          <a:bodyPr wrap="square" rtlCol="0">
-            <a:spAutoFit/>
-          </a:bodyPr>
-          <a:lstStyle/>
-          <a:p>
-            <a:pPr algn="just"/>
-            <a:r>
-              <a:rPr lang="en-IN" sz="800" dirty="0"/>
-              <a:t>R. </a:t>
-            </a:r>
-            <a:r>
-              <a:rPr lang="en-IN" sz="800" dirty="0" err="1"/>
-              <a:t>Schroedter</a:t>
-            </a:r>
-            <a:r>
-              <a:rPr lang="en-IN" sz="800" dirty="0"/>
-              <a:t>, A. S. </a:t>
-            </a:r>
-            <a:r>
-              <a:rPr lang="en-IN" sz="800" dirty="0" err="1"/>
-              <a:t>Demirkol</a:t>
-            </a:r>
-            <a:r>
-              <a:rPr lang="en-IN" sz="800" dirty="0"/>
-              <a:t>, A. Ascoli, B. Max, F. </a:t>
-            </a:r>
-            <a:r>
-              <a:rPr lang="en-IN" sz="800" dirty="0" err="1"/>
-              <a:t>Nebe</a:t>
-            </a:r>
-            <a:r>
-              <a:rPr lang="en-IN" sz="800" dirty="0"/>
-              <a:t>, T. </a:t>
-            </a:r>
-            <a:r>
-              <a:rPr lang="en-IN" sz="800" dirty="0" err="1"/>
-              <a:t>Mikolajick</a:t>
-            </a:r>
-            <a:r>
-              <a:rPr lang="en-IN" sz="800" dirty="0"/>
-              <a:t>,  R. Tetzlaff, "</a:t>
-            </a:r>
-            <a:r>
-              <a:rPr lang="en-IN" sz="800" dirty="0">
-                <a:hlinkClick r:id="rId5"/>
-              </a:rPr>
-              <a:t>A pseudo-memcapacitive </a:t>
-            </a:r>
-            <a:r>
-              <a:rPr lang="en-IN" sz="800" dirty="0" err="1">
-                <a:hlinkClick r:id="rId5"/>
-              </a:rPr>
-              <a:t>neurotransistor</a:t>
-            </a:r>
-            <a:r>
-              <a:rPr lang="en-IN" sz="800" dirty="0">
-                <a:hlinkClick r:id="rId5"/>
-              </a:rPr>
-              <a:t> for spiking neural networks</a:t>
-            </a:r>
-            <a:r>
-              <a:rPr lang="en-IN" sz="800" dirty="0"/>
-              <a:t>", 12th International Conference on Modern Circuits and Systems Technologies (MOCAST) on Electronics and Communications, Athens, Greece, pp. 1-4, 2023, DOI: </a:t>
-            </a:r>
-            <a:r>
-              <a:rPr lang="en-IN" sz="800" dirty="0">
-                <a:hlinkClick r:id="rId5"/>
-              </a:rPr>
-              <a:t>10.1109/MOCAST57943.2023.10176398</a:t>
-            </a:r>
-            <a:endParaRPr lang="en-IN" sz="800" dirty="0"/>
-          </a:p>
-        </p:txBody>
-      </p:sp>
-      <p:sp>
-        <p:nvSpPr>
-          <p:cNvPr id="10" name="TextBox 9">
-            <a:extLst>
-              <a:ext uri="{FF2B5EF4-FFF2-40B4-BE49-F238E27FC236}">
-                <a16:creationId xmlns:a16="http://schemas.microsoft.com/office/drawing/2014/main" id="{5D127641-4743-0853-C404-96F2C68C828B}"/>
-              </a:ext>
-            </a:extLst>
-          </p:cNvPr>
-          <p:cNvSpPr txBox="1"/>
-          <p:nvPr/>
-        </p:nvSpPr>
-        <p:spPr>
-          <a:xfrm>
-            <a:off x="4387849" y="3647918"/>
-            <a:ext cx="3416299" cy="830997"/>
-          </a:xfrm>
-          <a:prstGeom prst="rect">
-            <a:avLst/>
-          </a:prstGeom>
-          <a:noFill/>
-        </p:spPr>
-        <p:txBody>
-          <a:bodyPr wrap="square" rtlCol="0">
-            <a:spAutoFit/>
-          </a:bodyPr>
-          <a:lstStyle/>
-          <a:p>
-            <a:pPr algn="just"/>
-            <a:r>
-              <a:rPr lang="en-IN" sz="800" dirty="0"/>
-              <a:t>R. </a:t>
-            </a:r>
-            <a:r>
-              <a:rPr lang="en-IN" sz="800" dirty="0" err="1"/>
-              <a:t>Schroedter</a:t>
-            </a:r>
-            <a:r>
-              <a:rPr lang="en-IN" sz="800" dirty="0"/>
-              <a:t>, A. S. </a:t>
-            </a:r>
-            <a:r>
-              <a:rPr lang="en-IN" sz="800" dirty="0" err="1"/>
-              <a:t>Demirkol</a:t>
-            </a:r>
-            <a:r>
-              <a:rPr lang="en-IN" sz="800" dirty="0"/>
-              <a:t>, A. Ascoli, R. Tetzlaff, E. </a:t>
-            </a:r>
-            <a:r>
-              <a:rPr lang="en-IN" sz="800" dirty="0" err="1"/>
-              <a:t>Mgeladze</a:t>
-            </a:r>
-            <a:r>
-              <a:rPr lang="en-IN" sz="800" dirty="0"/>
-              <a:t>, M. Herzig, S. </a:t>
-            </a:r>
-            <a:r>
-              <a:rPr lang="en-IN" sz="800" dirty="0" err="1"/>
-              <a:t>Slesazeck</a:t>
-            </a:r>
-            <a:r>
-              <a:rPr lang="en-IN" sz="800" dirty="0"/>
-              <a:t>, T. </a:t>
-            </a:r>
-            <a:r>
-              <a:rPr lang="en-IN" sz="800" dirty="0" err="1"/>
-              <a:t>Mikolajick</a:t>
-            </a:r>
-            <a:r>
-              <a:rPr lang="en-IN" sz="800" dirty="0"/>
-              <a:t>, "</a:t>
-            </a:r>
-            <a:r>
-              <a:rPr lang="en-IN" sz="800" dirty="0">
-                <a:hlinkClick r:id="rId6"/>
-              </a:rPr>
-              <a:t>SPICE Compact Model for an Analog Switching Niobium Oxide Memristor</a:t>
-            </a:r>
-            <a:r>
-              <a:rPr lang="en-IN" sz="800" dirty="0"/>
-              <a:t>", International Conference on Modern Circuits and Systems Technologies (MOCAST) on Electronics and Communications, Bremen, 2022</a:t>
-            </a:r>
-            <a:br>
-              <a:rPr lang="en-IN" sz="800" dirty="0"/>
-            </a:br>
-            <a:r>
-              <a:rPr lang="en-IN" sz="800" dirty="0"/>
-              <a:t>DOI: </a:t>
-            </a:r>
-            <a:r>
-              <a:rPr lang="en-IN" sz="800" dirty="0">
-                <a:hlinkClick r:id="rId7"/>
-              </a:rPr>
-              <a:t>10.1109/MOCAST54814.2022.9837726</a:t>
-            </a:r>
-            <a:endParaRPr lang="en-IN" sz="800" dirty="0"/>
-          </a:p>
-        </p:txBody>
-      </p:sp>
-      <p:sp>
-        <p:nvSpPr>
-          <p:cNvPr id="14" name="TextBox 13">
-            <a:extLst>
-              <a:ext uri="{FF2B5EF4-FFF2-40B4-BE49-F238E27FC236}">
-                <a16:creationId xmlns:a16="http://schemas.microsoft.com/office/drawing/2014/main" id="{385EE477-B903-82C7-B4F1-9CC97A8021DF}"/>
-              </a:ext>
-            </a:extLst>
-          </p:cNvPr>
-          <p:cNvSpPr txBox="1"/>
-          <p:nvPr/>
-        </p:nvSpPr>
-        <p:spPr>
-          <a:xfrm>
-            <a:off x="4387850" y="4760677"/>
-            <a:ext cx="3301724" cy="1077218"/>
-          </a:xfrm>
-          <a:prstGeom prst="rect">
-            <a:avLst/>
-          </a:prstGeom>
-          <a:noFill/>
-        </p:spPr>
-        <p:txBody>
-          <a:bodyPr wrap="square" rtlCol="0">
-            <a:spAutoFit/>
-          </a:bodyPr>
-          <a:lstStyle/>
-          <a:p>
-            <a:pPr marL="0" lvl="2" defTabSz="914269"/>
-            <a:r>
-              <a:rPr lang="en-US" sz="1600" b="1" dirty="0">
-                <a:solidFill>
-                  <a:schemeClr val="accent1"/>
-                </a:solidFill>
-              </a:rPr>
-              <a:t>Values:</a:t>
-            </a:r>
-          </a:p>
-          <a:p>
-            <a:pPr marL="0" lvl="2" defTabSz="914269"/>
-            <a:r>
-              <a:rPr lang="en-US" sz="1600" dirty="0">
-                <a:solidFill>
-                  <a:schemeClr val="accent1"/>
-                </a:solidFill>
-              </a:rPr>
-              <a:t>Ron at 1V = 53k</a:t>
-            </a:r>
-            <a:r>
-              <a:rPr lang="el-GR" sz="1600" dirty="0">
-                <a:solidFill>
-                  <a:schemeClr val="accent1"/>
-                </a:solidFill>
-              </a:rPr>
-              <a:t>Ω</a:t>
-            </a:r>
-            <a:endParaRPr lang="en-US" sz="1600" dirty="0">
-              <a:solidFill>
-                <a:schemeClr val="accent1"/>
-              </a:solidFill>
-            </a:endParaRPr>
-          </a:p>
-          <a:p>
-            <a:pPr marL="0" lvl="2" defTabSz="914269"/>
-            <a:r>
-              <a:rPr lang="en-US" sz="1600" dirty="0">
-                <a:solidFill>
-                  <a:schemeClr val="accent1"/>
-                </a:solidFill>
-              </a:rPr>
-              <a:t>Roff at 1V = </a:t>
-            </a:r>
-            <a:r>
-              <a:rPr lang="en-IN" sz="1600" dirty="0">
-                <a:solidFill>
-                  <a:schemeClr val="accent1"/>
-                </a:solidFill>
-              </a:rPr>
-              <a:t>247k</a:t>
-            </a:r>
-            <a:r>
-              <a:rPr lang="el-GR" sz="1600" dirty="0">
-                <a:solidFill>
-                  <a:schemeClr val="accent1"/>
-                </a:solidFill>
-              </a:rPr>
-              <a:t>Ω</a:t>
-            </a:r>
-            <a:endParaRPr lang="en-US" sz="1600" dirty="0">
-              <a:solidFill>
-                <a:schemeClr val="accent1"/>
-              </a:solidFill>
-            </a:endParaRPr>
-          </a:p>
-          <a:p>
-            <a:pPr marL="0" lvl="2" defTabSz="914269"/>
-            <a:r>
-              <a:rPr lang="en-US" sz="1600" dirty="0">
-                <a:solidFill>
-                  <a:schemeClr val="accent1"/>
-                </a:solidFill>
-              </a:rPr>
-              <a:t>Cgs = 100pF and Cm = 10pF</a:t>
-            </a:r>
-          </a:p>
-        </p:txBody>
-      </p:sp>
     </p:spTree>
-    <p:custDataLst>
-      <p:tags r:id="rId1"/>
-    </p:custDataLst>
     <p:extLst>
       <p:ext uri="{BB962C8B-B14F-4D97-AF65-F5344CB8AC3E}">
-        <p14:creationId xmlns:p14="http://schemas.microsoft.com/office/powerpoint/2010/main" val="3232030493"/>
+        <p14:creationId xmlns:p14="http://schemas.microsoft.com/office/powerpoint/2010/main" val="232912460"/>
       </p:ext>
     </p:extLst>
   </p:cSld>
@@ -13934,422 +14600,138 @@
       </p:grpSpPr>
       <p:sp>
         <p:nvSpPr>
-          <p:cNvPr id="2" name="Title 1">
+          <p:cNvPr id="3" name="Titel 2"/>
+          <p:cNvSpPr>
+            <a:spLocks noGrp="1"/>
+          </p:cNvSpPr>
+          <p:nvPr>
+            <p:ph type="title"/>
+          </p:nvPr>
+        </p:nvSpPr>
+        <p:spPr>
+          <a:xfrm>
+            <a:off x="874711" y="346077"/>
+            <a:ext cx="10580687" cy="386756"/>
+          </a:xfrm>
+        </p:spPr>
+        <p:txBody>
+          <a:bodyPr/>
+          <a:lstStyle/>
+          <a:p>
+            <a:r>
+              <a:rPr lang="en-US" dirty="0"/>
+              <a:t>Single </a:t>
+            </a:r>
+            <a:r>
+              <a:rPr lang="en-IN" dirty="0"/>
+              <a:t>neuro-transistor with pulse input</a:t>
+            </a:r>
+            <a:br>
+              <a:rPr lang="en-US" dirty="0"/>
+            </a:br>
+            <a:endParaRPr lang="en-US" b="0" dirty="0"/>
+          </a:p>
+        </p:txBody>
+      </p:sp>
+      <p:sp>
+        <p:nvSpPr>
+          <p:cNvPr id="20" name="TextBox 19">
             <a:extLst>
               <a:ext uri="{FF2B5EF4-FFF2-40B4-BE49-F238E27FC236}">
-                <a16:creationId xmlns:a16="http://schemas.microsoft.com/office/drawing/2014/main" id="{C0B0BF99-23D0-BC87-A497-465C33380B7C}"/>
+                <a16:creationId xmlns:a16="http://schemas.microsoft.com/office/drawing/2014/main" id="{7C60D794-3750-05CE-4E6D-A31167F2862B}"/>
               </a:ext>
             </a:extLst>
           </p:cNvPr>
-          <p:cNvSpPr>
-            <a:spLocks noGrp="1"/>
-          </p:cNvSpPr>
-          <p:nvPr>
-            <p:ph type="title"/>
-          </p:nvPr>
-        </p:nvSpPr>
-        <p:spPr/>
-        <p:txBody>
-          <a:bodyPr/>
-          <a:lstStyle/>
-          <a:p>
-            <a:r>
-              <a:rPr lang="en-US" dirty="0"/>
-              <a:t>Approach</a:t>
-            </a:r>
-            <a:endParaRPr lang="en-IN" dirty="0"/>
-          </a:p>
-        </p:txBody>
-      </p:sp>
-      <p:sp>
-        <p:nvSpPr>
-          <p:cNvPr id="4" name="Content Placeholder 3">
-            <a:extLst>
-              <a:ext uri="{FF2B5EF4-FFF2-40B4-BE49-F238E27FC236}">
-                <a16:creationId xmlns:a16="http://schemas.microsoft.com/office/drawing/2014/main" id="{A4241FF2-E734-E7F8-9863-27643C8D1532}"/>
-              </a:ext>
-            </a:extLst>
-          </p:cNvPr>
-          <p:cNvSpPr>
-            <a:spLocks noGrp="1"/>
-          </p:cNvSpPr>
-          <p:nvPr>
-            <p:ph sz="quarter" idx="14"/>
-          </p:nvPr>
-        </p:nvSpPr>
-        <p:spPr>
-          <a:xfrm>
-            <a:off x="874713" y="1030289"/>
-            <a:ext cx="5195887" cy="4811712"/>
-          </a:xfrm>
-        </p:spPr>
-        <p:txBody>
-          <a:bodyPr/>
-          <a:lstStyle/>
-          <a:p>
-            <a:pPr algn="just"/>
-            <a:r>
-              <a:rPr lang="en-IN" dirty="0"/>
-              <a:t>Steps for Problem 1</a:t>
-            </a:r>
-          </a:p>
-          <a:p>
-            <a:pPr algn="just"/>
-            <a:endParaRPr lang="en-IN" sz="800" dirty="0"/>
-          </a:p>
-          <a:p>
-            <a:pPr marL="342900" indent="-342900" algn="just">
-              <a:buAutoNum type="arabicPeriod"/>
-            </a:pPr>
-            <a:r>
-              <a:rPr lang="en-IN" b="0" dirty="0"/>
-              <a:t>Input pulse setting for single neuro-transistor.</a:t>
-            </a:r>
-          </a:p>
-          <a:p>
-            <a:pPr marL="342900" indent="-342900" algn="just">
-              <a:buFont typeface="Arial" panose="020B0604020202020204" pitchFamily="34" charset="0"/>
-              <a:buAutoNum type="arabicPeriod"/>
-            </a:pPr>
-            <a:r>
-              <a:rPr lang="en-IN" b="0" dirty="0"/>
-              <a:t>Input pulse setting for 3x1 neuro-transistor.</a:t>
-            </a:r>
-          </a:p>
-          <a:p>
-            <a:pPr marL="342900" indent="-342900" algn="just">
-              <a:buFont typeface="Arial" panose="020B0604020202020204" pitchFamily="34" charset="0"/>
-              <a:buAutoNum type="arabicPeriod"/>
-            </a:pPr>
-            <a:r>
-              <a:rPr lang="en-IN" b="0" dirty="0"/>
-              <a:t>Input pulse setting for 3x3 neuro-transistor.</a:t>
-            </a:r>
-          </a:p>
-          <a:p>
-            <a:pPr marL="342900" indent="-342900" algn="just">
-              <a:buAutoNum type="arabicPeriod"/>
-            </a:pPr>
-            <a:endParaRPr lang="en-IN" b="0" dirty="0"/>
-          </a:p>
-          <a:p>
-            <a:pPr algn="just"/>
-            <a:r>
-              <a:rPr lang="en-IN" dirty="0"/>
-              <a:t>Sweeping Values:</a:t>
-            </a:r>
-          </a:p>
-          <a:p>
-            <a:pPr algn="just"/>
-            <a:endParaRPr lang="en-IN" sz="800" b="0" dirty="0"/>
-          </a:p>
-          <a:p>
-            <a:pPr marL="342900" indent="-342900" algn="just">
-              <a:buAutoNum type="arabicPeriod"/>
-            </a:pPr>
-            <a:r>
-              <a:rPr lang="en-IN" b="0" dirty="0"/>
-              <a:t>Voltage : 0.8V, 1V, 1.2V</a:t>
-            </a:r>
-          </a:p>
-          <a:p>
-            <a:pPr marL="342900" indent="-342900" algn="just">
-              <a:buAutoNum type="arabicPeriod"/>
-            </a:pPr>
-            <a:r>
-              <a:rPr lang="en-IN" b="0" dirty="0"/>
-              <a:t>Ton : 1us, 2us, 3us</a:t>
-            </a:r>
-          </a:p>
-          <a:p>
-            <a:pPr marL="342900" indent="-342900" algn="just">
-              <a:buAutoNum type="arabicPeriod"/>
-            </a:pPr>
-            <a:r>
-              <a:rPr lang="en-IN" b="0" dirty="0" err="1"/>
-              <a:t>Tperiod</a:t>
-            </a:r>
-            <a:r>
-              <a:rPr lang="en-IN" b="0" dirty="0"/>
-              <a:t> : 10us, 50us, 100us</a:t>
-            </a:r>
-          </a:p>
-          <a:p>
-            <a:pPr marL="342900" indent="-342900" algn="just">
-              <a:buAutoNum type="arabicPeriod"/>
-            </a:pPr>
-            <a:r>
-              <a:rPr lang="en-IN" b="0" dirty="0"/>
-              <a:t>State : 0.1, 0.192, 0.284</a:t>
-            </a:r>
-          </a:p>
-          <a:p>
-            <a:pPr marL="342900" indent="-342900" algn="just">
-              <a:buAutoNum type="arabicPeriod"/>
-            </a:pPr>
-            <a:endParaRPr lang="en-IN" sz="800" b="0" dirty="0"/>
-          </a:p>
-          <a:p>
-            <a:pPr marL="342900" indent="-342900" algn="just">
-              <a:buAutoNum type="arabicPeriod"/>
-            </a:pPr>
-            <a:endParaRPr lang="en-IN" sz="800" b="0" dirty="0"/>
-          </a:p>
-          <a:p>
-            <a:pPr algn="just"/>
-            <a:r>
-              <a:rPr lang="en-IN" dirty="0"/>
-              <a:t>NOTE: </a:t>
-            </a:r>
-            <a:r>
-              <a:rPr lang="en-IN" b="0" dirty="0" err="1"/>
-              <a:t>PyLTSpice</a:t>
-            </a:r>
-            <a:r>
-              <a:rPr lang="en-IN" b="0" dirty="0"/>
-              <a:t> library is used to automate multiple run. </a:t>
-            </a:r>
-          </a:p>
-          <a:p>
-            <a:endParaRPr lang="en-IN" dirty="0"/>
-          </a:p>
-        </p:txBody>
-      </p:sp>
-      <p:sp>
-        <p:nvSpPr>
-          <p:cNvPr id="9" name="Content Placeholder 3">
-            <a:extLst>
-              <a:ext uri="{FF2B5EF4-FFF2-40B4-BE49-F238E27FC236}">
-                <a16:creationId xmlns:a16="http://schemas.microsoft.com/office/drawing/2014/main" id="{ED898542-BF3B-57D3-6370-C73E9615DB66}"/>
-              </a:ext>
-            </a:extLst>
-          </p:cNvPr>
-          <p:cNvSpPr txBox="1">
-            <a:spLocks/>
-          </p:cNvSpPr>
+          <p:cNvSpPr txBox="1"/>
           <p:nvPr/>
         </p:nvSpPr>
         <p:spPr>
           <a:xfrm>
-            <a:off x="6259512" y="1030289"/>
-            <a:ext cx="5195887" cy="4811712"/>
+            <a:off x="874711" y="5242608"/>
+            <a:ext cx="10580687" cy="830997"/>
           </a:xfrm>
           <a:prstGeom prst="rect">
             <a:avLst/>
           </a:prstGeom>
-          <a:ln>
-            <a:noFill/>
-          </a:ln>
-        </p:spPr>
-        <p:txBody>
-          <a:bodyPr vert="horz" lIns="0" tIns="0" rIns="0" bIns="0" rtlCol="0">
-            <a:noAutofit/>
+          <a:noFill/>
+        </p:spPr>
+        <p:txBody>
+          <a:bodyPr wrap="square" rtlCol="0">
+            <a:spAutoFit/>
           </a:bodyPr>
-          <a:lstStyle>
-            <a:lvl1pPr marL="0" indent="0" algn="l" defTabSz="914269" rtl="0" eaLnBrk="1" latinLnBrk="0" hangingPunct="1">
-              <a:spcBef>
-                <a:spcPts val="600"/>
-              </a:spcBef>
-              <a:buFont typeface="Arial" panose="020B0604020202020204" pitchFamily="34" charset="0"/>
-              <a:buNone/>
-              <a:defRPr sz="1600" b="1" kern="1200">
+          <a:lstStyle/>
+          <a:p>
+            <a:r>
+              <a:rPr lang="en-US" sz="1600" b="1" dirty="0">
                 <a:solidFill>
                   <a:schemeClr val="accent1"/>
                 </a:solidFill>
-                <a:latin typeface="+mn-lt"/>
-                <a:ea typeface="+mn-ea"/>
-                <a:cs typeface="+mn-cs"/>
-              </a:defRPr>
-            </a:lvl1pPr>
-            <a:lvl2pPr marL="0" indent="0" algn="l" defTabSz="914269" rtl="0" eaLnBrk="1" latinLnBrk="0" hangingPunct="1">
-              <a:spcBef>
-                <a:spcPts val="600"/>
-              </a:spcBef>
-              <a:buFont typeface="Open Sans" panose="020B0606030504020204" pitchFamily="34" charset="0"/>
-              <a:buNone/>
-              <a:defRPr sz="1600" kern="1200" baseline="0">
+                <a:latin typeface="+mj-lt"/>
+                <a:ea typeface="+mj-ea"/>
+                <a:cs typeface="+mj-cs"/>
+              </a:rPr>
+              <a:t>Observation:</a:t>
+            </a:r>
+            <a:br>
+              <a:rPr lang="en-US" sz="2400" b="1" dirty="0">
                 <a:solidFill>
                   <a:schemeClr val="accent1"/>
                 </a:solidFill>
-                <a:latin typeface="+mn-lt"/>
-                <a:ea typeface="+mn-ea"/>
-                <a:cs typeface="+mn-cs"/>
-              </a:defRPr>
-            </a:lvl2pPr>
-            <a:lvl3pPr marL="252000" indent="-252000" algn="l" defTabSz="914269" rtl="0" eaLnBrk="1" latinLnBrk="0" hangingPunct="1">
-              <a:spcBef>
-                <a:spcPts val="0"/>
-              </a:spcBef>
-              <a:buFont typeface="Arial" panose="020B0604020202020204" pitchFamily="34" charset="0"/>
-              <a:buChar char="—"/>
-              <a:defRPr sz="1600" kern="1200">
+                <a:latin typeface="+mj-lt"/>
+                <a:ea typeface="+mj-ea"/>
+                <a:cs typeface="+mj-cs"/>
+              </a:rPr>
+            </a:br>
+            <a:r>
+              <a:rPr lang="en-US" sz="1600" dirty="0">
                 <a:solidFill>
                   <a:schemeClr val="accent1"/>
                 </a:solidFill>
-                <a:latin typeface="+mn-lt"/>
-                <a:ea typeface="+mn-ea"/>
-                <a:cs typeface="+mn-cs"/>
-              </a:defRPr>
-            </a:lvl3pPr>
-            <a:lvl4pPr marL="252000" indent="-144000" algn="l" defTabSz="914269" rtl="0" eaLnBrk="1" latinLnBrk="0" hangingPunct="1">
-              <a:spcBef>
-                <a:spcPts val="0"/>
-              </a:spcBef>
-              <a:buFont typeface="Open Sans" panose="020B0606030504020204" pitchFamily="34" charset="0"/>
-              <a:buChar char="–"/>
-              <a:defRPr sz="1600" kern="1200" baseline="0">
+                <a:latin typeface="+mj-lt"/>
+                <a:ea typeface="+mj-ea"/>
+                <a:cs typeface="+mj-cs"/>
+              </a:rPr>
+              <a:t>Id (drain current) in ON state is approximately </a:t>
+            </a:r>
+            <a:r>
+              <a:rPr lang="en-US" sz="1600" b="1" dirty="0">
                 <a:solidFill>
                   <a:schemeClr val="accent1"/>
                 </a:solidFill>
-                <a:latin typeface="+mn-lt"/>
-                <a:ea typeface="+mn-ea"/>
-                <a:cs typeface="+mn-cs"/>
-              </a:defRPr>
-            </a:lvl4pPr>
-            <a:lvl5pPr marL="0" indent="0" algn="l" defTabSz="914269" rtl="0" eaLnBrk="1" latinLnBrk="0" hangingPunct="1">
-              <a:spcBef>
-                <a:spcPts val="600"/>
-              </a:spcBef>
-              <a:spcAft>
-                <a:spcPts val="0"/>
-              </a:spcAft>
-              <a:buFont typeface="Symbol" panose="05050102010706020507" pitchFamily="18" charset="2"/>
-              <a:buNone/>
-              <a:defRPr sz="1400" b="1" kern="1200" baseline="0">
+                <a:latin typeface="+mj-lt"/>
+                <a:ea typeface="+mj-ea"/>
+                <a:cs typeface="+mj-cs"/>
+              </a:rPr>
+              <a:t>twice</a:t>
+            </a:r>
+            <a:r>
+              <a:rPr lang="en-US" sz="1600" dirty="0">
                 <a:solidFill>
                   <a:schemeClr val="accent1"/>
                 </a:solidFill>
-                <a:latin typeface="+mn-lt"/>
-                <a:ea typeface="+mn-ea"/>
-                <a:cs typeface="+mn-cs"/>
-              </a:defRPr>
-            </a:lvl5pPr>
-            <a:lvl6pPr marL="0" marR="0" indent="0" algn="l" defTabSz="914269" rtl="0" eaLnBrk="1" fontAlgn="auto" latinLnBrk="0" hangingPunct="1">
-              <a:lnSpc>
-                <a:spcPct val="100000"/>
-              </a:lnSpc>
-              <a:spcBef>
-                <a:spcPts val="600"/>
-              </a:spcBef>
-              <a:spcAft>
-                <a:spcPts val="0"/>
-              </a:spcAft>
-              <a:buClrTx/>
-              <a:buSzTx/>
-              <a:buFont typeface="Arial" panose="020B0604020202020204" pitchFamily="34" charset="0"/>
-              <a:buNone/>
-              <a:tabLst/>
-              <a:defRPr sz="1400" b="0" kern="1200">
-                <a:solidFill>
-                  <a:schemeClr val="accent1"/>
-                </a:solidFill>
-                <a:latin typeface="+mn-lt"/>
-                <a:ea typeface="+mn-ea"/>
-                <a:cs typeface="+mn-cs"/>
-              </a:defRPr>
-            </a:lvl6pPr>
-            <a:lvl7pPr marL="252000" marR="0" indent="-252000" algn="l" defTabSz="914269" rtl="0" eaLnBrk="1" fontAlgn="auto" latinLnBrk="0" hangingPunct="1">
-              <a:lnSpc>
-                <a:spcPct val="100000"/>
-              </a:lnSpc>
-              <a:spcBef>
-                <a:spcPts val="0"/>
-              </a:spcBef>
-              <a:spcAft>
-                <a:spcPts val="0"/>
-              </a:spcAft>
-              <a:buClrTx/>
-              <a:buSzTx/>
-              <a:buFont typeface="Arial" panose="020B0604020202020204" pitchFamily="34" charset="0"/>
-              <a:buChar char="—"/>
-              <a:tabLst/>
-              <a:defRPr lang="de-DE" sz="1400" kern="1200" dirty="0" smtClean="0">
-                <a:solidFill>
-                  <a:schemeClr val="accent1"/>
-                </a:solidFill>
-                <a:latin typeface="+mn-lt"/>
-                <a:ea typeface="+mn-ea"/>
-                <a:cs typeface="+mn-cs"/>
-              </a:defRPr>
-            </a:lvl7pPr>
-            <a:lvl8pPr marL="252000" marR="0" indent="-144000" algn="l" defTabSz="914269" rtl="0" eaLnBrk="1" fontAlgn="auto" latinLnBrk="0" hangingPunct="1">
-              <a:lnSpc>
-                <a:spcPct val="100000"/>
-              </a:lnSpc>
-              <a:spcBef>
-                <a:spcPts val="0"/>
-              </a:spcBef>
-              <a:spcAft>
-                <a:spcPts val="0"/>
-              </a:spcAft>
-              <a:buClrTx/>
-              <a:buSzTx/>
-              <a:buFont typeface="Open Sans" panose="020B0606030504020204" pitchFamily="34" charset="0"/>
-              <a:buChar char="–"/>
-              <a:tabLst/>
-              <a:defRPr sz="1400" kern="1200" baseline="0">
-                <a:solidFill>
-                  <a:schemeClr val="accent1"/>
-                </a:solidFill>
-                <a:latin typeface="+mn-lt"/>
-                <a:ea typeface="+mn-ea"/>
-                <a:cs typeface="+mn-cs"/>
-              </a:defRPr>
-            </a:lvl8pPr>
-            <a:lvl9pPr marL="396000" marR="0" indent="-144000" algn="l" defTabSz="914269" rtl="0" eaLnBrk="1" fontAlgn="auto" latinLnBrk="0" hangingPunct="1">
-              <a:lnSpc>
-                <a:spcPct val="100000"/>
-              </a:lnSpc>
-              <a:spcBef>
-                <a:spcPts val="0"/>
-              </a:spcBef>
-              <a:spcAft>
-                <a:spcPts val="0"/>
-              </a:spcAft>
-              <a:buClrTx/>
-              <a:buSzTx/>
-              <a:buFont typeface="Wingdings" panose="05000000000000000000" pitchFamily="2" charset="2"/>
-              <a:buChar char="§"/>
-              <a:tabLst/>
-              <a:defRPr sz="1400" kern="1200">
-                <a:solidFill>
-                  <a:schemeClr val="accent1"/>
-                </a:solidFill>
-                <a:latin typeface="+mn-lt"/>
-                <a:ea typeface="+mn-ea"/>
-                <a:cs typeface="+mn-cs"/>
-              </a:defRPr>
-            </a:lvl9pPr>
-          </a:lstStyle>
-          <a:p>
-            <a:pPr algn="just"/>
-            <a:r>
-              <a:rPr lang="en-IN" dirty="0"/>
-              <a:t>Steps for Problem 2</a:t>
-            </a:r>
-          </a:p>
-          <a:p>
-            <a:pPr algn="just"/>
-            <a:endParaRPr lang="en-IN" sz="800" dirty="0"/>
-          </a:p>
-          <a:p>
-            <a:pPr algn="just"/>
-            <a:r>
-              <a:rPr lang="en-US" b="0" dirty="0"/>
-              <a:t>Used current to voltage amplifier to Cascade neuro-transistor.</a:t>
-            </a:r>
-          </a:p>
-          <a:p>
-            <a:endParaRPr lang="en-IN" dirty="0"/>
+                <a:latin typeface="+mj-lt"/>
+                <a:ea typeface="+mj-ea"/>
+                <a:cs typeface="+mj-cs"/>
+              </a:rPr>
+              <a:t> the OFF state. Integration of Id is observed until the steady state reached.  </a:t>
+            </a:r>
+            <a:endParaRPr lang="en-IN" sz="1600" dirty="0">
+              <a:solidFill>
+                <a:schemeClr val="accent1"/>
+              </a:solidFill>
+              <a:latin typeface="+mj-lt"/>
+              <a:ea typeface="+mj-ea"/>
+              <a:cs typeface="+mj-cs"/>
+            </a:endParaRPr>
           </a:p>
         </p:txBody>
       </p:sp>
       <p:pic>
         <p:nvPicPr>
-          <p:cNvPr id="12" name="Picture 11">
+          <p:cNvPr id="8" name="Picture 7">
             <a:extLst>
               <a:ext uri="{FF2B5EF4-FFF2-40B4-BE49-F238E27FC236}">
-                <a16:creationId xmlns:a16="http://schemas.microsoft.com/office/drawing/2014/main" id="{986D4240-0191-C9E1-19D0-330AD71FDA49}"/>
+                <a16:creationId xmlns:a16="http://schemas.microsoft.com/office/drawing/2014/main" id="{90BF7DED-B927-329A-9B7D-88CCEEBAEE32}"/>
               </a:ext>
             </a:extLst>
           </p:cNvPr>
@@ -14359,25 +14741,70 @@
           <p:nvPr/>
         </p:nvPicPr>
         <p:blipFill>
-          <a:blip r:embed="rId2"/>
+          <a:blip r:embed="rId3">
+            <a:extLst>
+              <a:ext uri="{28A0092B-C50C-407E-A947-70E740481C1C}">
+                <a14:useLocalDpi xmlns:a14="http://schemas.microsoft.com/office/drawing/2010/main" val="0"/>
+              </a:ext>
+            </a:extLst>
+          </a:blip>
           <a:stretch>
             <a:fillRect/>
           </a:stretch>
         </p:blipFill>
         <p:spPr>
           <a:xfrm>
-            <a:off x="7521640" y="2216426"/>
-            <a:ext cx="2924386" cy="3367951"/>
+            <a:off x="874711" y="813132"/>
+            <a:ext cx="5097509" cy="4349177"/>
           </a:xfrm>
           <a:prstGeom prst="rect">
             <a:avLst/>
           </a:prstGeom>
         </p:spPr>
       </p:pic>
+      <p:pic>
+        <p:nvPicPr>
+          <p:cNvPr id="10" name="Picture 9">
+            <a:extLst>
+              <a:ext uri="{FF2B5EF4-FFF2-40B4-BE49-F238E27FC236}">
+                <a16:creationId xmlns:a16="http://schemas.microsoft.com/office/drawing/2014/main" id="{356A32E9-3AF7-E21E-82B2-7E77ABC81341}"/>
+              </a:ext>
+            </a:extLst>
+          </p:cNvPr>
+          <p:cNvPicPr>
+            <a:picLocks noChangeAspect="1"/>
+          </p:cNvPicPr>
+          <p:nvPr/>
+        </p:nvPicPr>
+        <p:blipFill>
+          <a:blip r:embed="rId4">
+            <a:extLst>
+              <a:ext uri="{28A0092B-C50C-407E-A947-70E740481C1C}">
+                <a14:useLocalDpi xmlns:a14="http://schemas.microsoft.com/office/drawing/2010/main" val="0"/>
+              </a:ext>
+            </a:extLst>
+          </a:blip>
+          <a:stretch>
+            <a:fillRect/>
+          </a:stretch>
+        </p:blipFill>
+        <p:spPr>
+          <a:xfrm>
+            <a:off x="6288833" y="813132"/>
+            <a:ext cx="5097508" cy="4349177"/>
+          </a:xfrm>
+          <a:prstGeom prst="rect">
+            <a:avLst/>
+          </a:prstGeom>
+        </p:spPr>
+      </p:pic>
     </p:spTree>
+    <p:custDataLst>
+      <p:tags r:id="rId1"/>
+    </p:custDataLst>
     <p:extLst>
       <p:ext uri="{BB962C8B-B14F-4D97-AF65-F5344CB8AC3E}">
-        <p14:creationId xmlns:p14="http://schemas.microsoft.com/office/powerpoint/2010/main" val="1927111925"/>
+        <p14:creationId xmlns:p14="http://schemas.microsoft.com/office/powerpoint/2010/main" val="2641189355"/>
       </p:ext>
     </p:extLst>
   </p:cSld>
@@ -14392,7 +14819,13 @@
   <p:cSld>
     <p:spTree>
       <p:nvGrpSpPr>
-        <p:cNvPr id="1" name=""/>
+        <p:cNvPr id="1" name="">
+          <a:extLst>
+            <a:ext uri="{FF2B5EF4-FFF2-40B4-BE49-F238E27FC236}">
+              <a16:creationId xmlns:a16="http://schemas.microsoft.com/office/drawing/2014/main" id="{0A44EAAB-8071-1A4D-D1AF-B97E29FCDE01}"/>
+            </a:ext>
+          </a:extLst>
+        </p:cNvPr>
         <p:cNvGrpSpPr/>
         <p:nvPr/>
       </p:nvGrpSpPr>
@@ -14406,7 +14839,13 @@
       </p:grpSpPr>
       <p:sp>
         <p:nvSpPr>
-          <p:cNvPr id="3" name="Titel 2"/>
+          <p:cNvPr id="3" name="Titel 2">
+            <a:extLst>
+              <a:ext uri="{FF2B5EF4-FFF2-40B4-BE49-F238E27FC236}">
+                <a16:creationId xmlns:a16="http://schemas.microsoft.com/office/drawing/2014/main" id="{04A1E691-0304-DD1B-E08A-9A2E0D81B88A}"/>
+              </a:ext>
+            </a:extLst>
+          </p:cNvPr>
           <p:cNvSpPr>
             <a:spLocks noGrp="1"/>
           </p:cNvSpPr>
@@ -14416,8 +14855,8 @@
         </p:nvSpPr>
         <p:spPr>
           <a:xfrm>
-            <a:off x="874711" y="346076"/>
-            <a:ext cx="10580687" cy="684213"/>
+            <a:off x="874712" y="346075"/>
+            <a:ext cx="10580687" cy="391043"/>
           </a:xfrm>
         </p:spPr>
         <p:txBody>
@@ -14426,11 +14865,11 @@
           <a:p>
             <a:r>
               <a:rPr lang="en-US" dirty="0"/>
-              <a:t>Single </a:t>
+              <a:t>3x1 </a:t>
             </a:r>
             <a:r>
               <a:rPr lang="en-IN" dirty="0"/>
-              <a:t>neuro-transistor</a:t>
+              <a:t>neuro-transistor with pulse input</a:t>
             </a:r>
             <a:br>
               <a:rPr lang="en-US" dirty="0"/>
@@ -14441,39 +14880,10 @@
       </p:sp>
       <p:pic>
         <p:nvPicPr>
-          <p:cNvPr id="13" name="Content Placeholder 12">
+          <p:cNvPr id="11" name="Picture 10">
             <a:extLst>
               <a:ext uri="{FF2B5EF4-FFF2-40B4-BE49-F238E27FC236}">
-                <a16:creationId xmlns:a16="http://schemas.microsoft.com/office/drawing/2014/main" id="{07D6EF1D-0EF6-D6C5-79E9-2C1A3B403A06}"/>
-              </a:ext>
-            </a:extLst>
-          </p:cNvPr>
-          <p:cNvPicPr>
-            <a:picLocks noGrp="1" noChangeAspect="1"/>
-          </p:cNvPicPr>
-          <p:nvPr>
-            <p:ph sz="quarter" idx="10"/>
-          </p:nvPr>
-        </p:nvPicPr>
-        <p:blipFill>
-          <a:blip r:embed="rId3"/>
-          <a:stretch>
-            <a:fillRect/>
-          </a:stretch>
-        </p:blipFill>
-        <p:spPr>
-          <a:xfrm>
-            <a:off x="4894986" y="688182"/>
-            <a:ext cx="6560412" cy="2680182"/>
-          </a:xfrm>
-        </p:spPr>
-      </p:pic>
-      <p:pic>
-        <p:nvPicPr>
-          <p:cNvPr id="15" name="Picture 14">
-            <a:extLst>
-              <a:ext uri="{FF2B5EF4-FFF2-40B4-BE49-F238E27FC236}">
-                <a16:creationId xmlns:a16="http://schemas.microsoft.com/office/drawing/2014/main" id="{B7D96B18-97AE-698D-834A-1287B9CB8A32}"/>
+                <a16:creationId xmlns:a16="http://schemas.microsoft.com/office/drawing/2014/main" id="{0ABF316C-461C-2454-3C1B-0E56DA829087}"/>
               </a:ext>
             </a:extLst>
           </p:cNvPr>
@@ -14483,7 +14893,129 @@
           <p:nvPr/>
         </p:nvPicPr>
         <p:blipFill>
-          <a:blip r:embed="rId4" cstate="print">
+          <a:blip r:embed="rId3"/>
+          <a:srcRect l="24176" r="42633"/>
+          <a:stretch/>
+        </p:blipFill>
+        <p:spPr>
+          <a:xfrm>
+            <a:off x="8681293" y="1030288"/>
+            <a:ext cx="3037956" cy="3439075"/>
+          </a:xfrm>
+          <a:prstGeom prst="rect">
+            <a:avLst/>
+          </a:prstGeom>
+        </p:spPr>
+      </p:pic>
+      <p:sp>
+        <p:nvSpPr>
+          <p:cNvPr id="2" name="TextBox 1">
+            <a:extLst>
+              <a:ext uri="{FF2B5EF4-FFF2-40B4-BE49-F238E27FC236}">
+                <a16:creationId xmlns:a16="http://schemas.microsoft.com/office/drawing/2014/main" id="{AF53BFFD-7E63-A461-D7AF-29FDA18CF2EC}"/>
+              </a:ext>
+            </a:extLst>
+          </p:cNvPr>
+          <p:cNvSpPr txBox="1"/>
+          <p:nvPr/>
+        </p:nvSpPr>
+        <p:spPr>
+          <a:xfrm>
+            <a:off x="874712" y="5098802"/>
+            <a:ext cx="10844537" cy="584775"/>
+          </a:xfrm>
+          <a:prstGeom prst="rect">
+            <a:avLst/>
+          </a:prstGeom>
+          <a:noFill/>
+        </p:spPr>
+        <p:txBody>
+          <a:bodyPr wrap="square" rtlCol="0">
+            <a:spAutoFit/>
+          </a:bodyPr>
+          <a:lstStyle/>
+          <a:p>
+            <a:r>
+              <a:rPr lang="en-US" sz="1600" b="1" dirty="0">
+                <a:solidFill>
+                  <a:schemeClr val="accent1"/>
+                </a:solidFill>
+                <a:latin typeface="+mj-lt"/>
+                <a:ea typeface="+mj-ea"/>
+                <a:cs typeface="+mj-cs"/>
+              </a:rPr>
+              <a:t>Observation:</a:t>
+            </a:r>
+            <a:br>
+              <a:rPr lang="en-US" sz="2400" b="1" dirty="0">
+                <a:solidFill>
+                  <a:schemeClr val="accent1"/>
+                </a:solidFill>
+                <a:latin typeface="+mj-lt"/>
+                <a:ea typeface="+mj-ea"/>
+                <a:cs typeface="+mj-cs"/>
+              </a:rPr>
+            </a:br>
+            <a:r>
+              <a:rPr lang="en-US" sz="1600" dirty="0">
+                <a:solidFill>
+                  <a:schemeClr val="accent1"/>
+                </a:solidFill>
+                <a:latin typeface="+mj-lt"/>
+                <a:ea typeface="+mj-ea"/>
+                <a:cs typeface="+mj-cs"/>
+              </a:rPr>
+              <a:t>Steady state reached </a:t>
+            </a:r>
+            <a:r>
+              <a:rPr lang="en-US" sz="1600" b="1" dirty="0">
+                <a:solidFill>
+                  <a:schemeClr val="accent1"/>
+                </a:solidFill>
+                <a:latin typeface="+mj-lt"/>
+                <a:ea typeface="+mj-ea"/>
+                <a:cs typeface="+mj-cs"/>
+              </a:rPr>
+              <a:t>faster</a:t>
+            </a:r>
+            <a:r>
+              <a:rPr lang="en-US" sz="1600" dirty="0">
+                <a:solidFill>
+                  <a:schemeClr val="accent1"/>
+                </a:solidFill>
+                <a:latin typeface="+mj-lt"/>
+                <a:ea typeface="+mj-ea"/>
+                <a:cs typeface="+mj-cs"/>
+              </a:rPr>
+              <a:t> in memristor ON state than OFF state.</a:t>
+            </a:r>
+            <a:endParaRPr lang="en-IN" sz="1600" dirty="0">
+              <a:solidFill>
+                <a:schemeClr val="accent1"/>
+              </a:solidFill>
+              <a:latin typeface="+mj-lt"/>
+              <a:ea typeface="+mj-ea"/>
+              <a:cs typeface="+mj-cs"/>
+            </a:endParaRPr>
+          </a:p>
+        </p:txBody>
+      </p:sp>
+      <p:pic>
+        <p:nvPicPr>
+          <p:cNvPr id="5" name="Picture 4">
+            <a:extLst>
+              <a:ext uri="{FF2B5EF4-FFF2-40B4-BE49-F238E27FC236}">
+                <a16:creationId xmlns:a16="http://schemas.microsoft.com/office/drawing/2014/main" id="{AC8E7203-6D0B-71A8-BB49-9C208EE8AD92}"/>
+              </a:ext>
+            </a:extLst>
+          </p:cNvPr>
+          <p:cNvPicPr>
+            <a:picLocks noChangeAspect="1"/>
+          </p:cNvPicPr>
+          <p:nvPr/>
+        </p:nvPicPr>
+        <p:blipFill>
+          <a:blip r:embed="rId4">
             <a:extLst>
               <a:ext uri="{28A0092B-C50C-407E-A947-70E740481C1C}">
                 <a14:useLocalDpi xmlns:a14="http://schemas.microsoft.com/office/drawing/2010/main" val="0"/>
@@ -14496,8 +15028,8 @@
         </p:blipFill>
         <p:spPr>
           <a:xfrm>
-            <a:off x="874711" y="786883"/>
-            <a:ext cx="4020275" cy="2680183"/>
+            <a:off x="874712" y="788540"/>
+            <a:ext cx="3834235" cy="4258840"/>
           </a:xfrm>
           <a:prstGeom prst="rect">
             <a:avLst/>
@@ -14506,10 +15038,10 @@
       </p:pic>
       <p:pic>
         <p:nvPicPr>
-          <p:cNvPr id="17" name="Picture 16">
+          <p:cNvPr id="7" name="Picture 6">
             <a:extLst>
               <a:ext uri="{FF2B5EF4-FFF2-40B4-BE49-F238E27FC236}">
-                <a16:creationId xmlns:a16="http://schemas.microsoft.com/office/drawing/2014/main" id="{37D68846-6B28-30D5-1FB9-6425A1A141F6}"/>
+                <a16:creationId xmlns:a16="http://schemas.microsoft.com/office/drawing/2014/main" id="{10FE9384-B1AE-EB82-E346-426787017246}"/>
               </a:ext>
             </a:extLst>
           </p:cNvPr>
@@ -14519,7 +15051,7 @@
           <p:nvPr/>
         </p:nvPicPr>
         <p:blipFill>
-          <a:blip r:embed="rId5" cstate="print">
+          <a:blip r:embed="rId5">
             <a:extLst>
               <a:ext uri="{28A0092B-C50C-407E-A947-70E740481C1C}">
                 <a14:useLocalDpi xmlns:a14="http://schemas.microsoft.com/office/drawing/2010/main" val="0"/>
@@ -14532,128 +15064,21 @@
         </p:blipFill>
         <p:spPr>
           <a:xfrm>
-            <a:off x="874711" y="3518452"/>
-            <a:ext cx="4020275" cy="2680183"/>
+            <a:off x="4921419" y="788541"/>
+            <a:ext cx="3834235" cy="4258840"/>
           </a:xfrm>
           <a:prstGeom prst="rect">
             <a:avLst/>
           </a:prstGeom>
         </p:spPr>
       </p:pic>
-      <p:pic>
-        <p:nvPicPr>
-          <p:cNvPr id="19" name="Picture 18">
-            <a:extLst>
-              <a:ext uri="{FF2B5EF4-FFF2-40B4-BE49-F238E27FC236}">
-                <a16:creationId xmlns:a16="http://schemas.microsoft.com/office/drawing/2014/main" id="{FF9E4F81-8456-FD3D-A3CA-A93CA2522E27}"/>
-              </a:ext>
-            </a:extLst>
-          </p:cNvPr>
-          <p:cNvPicPr>
-            <a:picLocks noChangeAspect="1"/>
-          </p:cNvPicPr>
-          <p:nvPr/>
-        </p:nvPicPr>
-        <p:blipFill>
-          <a:blip r:embed="rId6" cstate="print">
-            <a:extLst>
-              <a:ext uri="{28A0092B-C50C-407E-A947-70E740481C1C}">
-                <a14:useLocalDpi xmlns:a14="http://schemas.microsoft.com/office/drawing/2010/main" val="0"/>
-              </a:ext>
-            </a:extLst>
-          </a:blip>
-          <a:stretch>
-            <a:fillRect/>
-          </a:stretch>
-        </p:blipFill>
-        <p:spPr>
-          <a:xfrm>
-            <a:off x="4894986" y="3518452"/>
-            <a:ext cx="4020275" cy="2680183"/>
-          </a:xfrm>
-          <a:prstGeom prst="rect">
-            <a:avLst/>
-          </a:prstGeom>
-        </p:spPr>
-      </p:pic>
-      <p:sp>
-        <p:nvSpPr>
-          <p:cNvPr id="20" name="TextBox 19">
-            <a:extLst>
-              <a:ext uri="{FF2B5EF4-FFF2-40B4-BE49-F238E27FC236}">
-                <a16:creationId xmlns:a16="http://schemas.microsoft.com/office/drawing/2014/main" id="{7C60D794-3750-05CE-4E6D-A31167F2862B}"/>
-              </a:ext>
-            </a:extLst>
-          </p:cNvPr>
-          <p:cNvSpPr txBox="1"/>
-          <p:nvPr/>
-        </p:nvSpPr>
-        <p:spPr>
-          <a:xfrm>
-            <a:off x="8915261" y="4196823"/>
-            <a:ext cx="2540137" cy="1323439"/>
-          </a:xfrm>
-          <a:prstGeom prst="rect">
-            <a:avLst/>
-          </a:prstGeom>
-          <a:noFill/>
-        </p:spPr>
-        <p:txBody>
-          <a:bodyPr wrap="square" rtlCol="0">
-            <a:spAutoFit/>
-          </a:bodyPr>
-          <a:lstStyle/>
-          <a:p>
-            <a:r>
-              <a:rPr lang="en-US" sz="1600" b="1" dirty="0">
-                <a:solidFill>
-                  <a:schemeClr val="accent1"/>
-                </a:solidFill>
-                <a:latin typeface="+mj-lt"/>
-                <a:ea typeface="+mj-ea"/>
-                <a:cs typeface="+mj-cs"/>
-              </a:rPr>
-              <a:t>Observation:</a:t>
-            </a:r>
-            <a:br>
-              <a:rPr lang="en-US" sz="2400" b="1" dirty="0">
-                <a:solidFill>
-                  <a:schemeClr val="accent1"/>
-                </a:solidFill>
-                <a:latin typeface="+mj-lt"/>
-                <a:ea typeface="+mj-ea"/>
-                <a:cs typeface="+mj-cs"/>
-              </a:rPr>
-            </a:br>
-            <a:r>
-              <a:rPr lang="en-US" sz="1600" dirty="0">
-                <a:solidFill>
-                  <a:schemeClr val="accent1"/>
-                </a:solidFill>
-                <a:latin typeface="+mj-lt"/>
-                <a:ea typeface="+mj-ea"/>
-                <a:cs typeface="+mj-cs"/>
-              </a:rPr>
-              <a:t>Nice gap between the On State current value and Off state current value.</a:t>
-            </a:r>
-            <a:endParaRPr lang="en-IN" sz="1600" dirty="0">
-              <a:solidFill>
-                <a:schemeClr val="accent1"/>
-              </a:solidFill>
-              <a:latin typeface="+mj-lt"/>
-              <a:ea typeface="+mj-ea"/>
-              <a:cs typeface="+mj-cs"/>
-            </a:endParaRPr>
-          </a:p>
-        </p:txBody>
-      </p:sp>
     </p:spTree>
     <p:custDataLst>
       <p:tags r:id="rId1"/>
     </p:custDataLst>
     <p:extLst>
       <p:ext uri="{BB962C8B-B14F-4D97-AF65-F5344CB8AC3E}">
-        <p14:creationId xmlns:p14="http://schemas.microsoft.com/office/powerpoint/2010/main" val="2641189355"/>
+        <p14:creationId xmlns:p14="http://schemas.microsoft.com/office/powerpoint/2010/main" val="1249261613"/>
       </p:ext>
     </p:extLst>
   </p:cSld>
@@ -14702,7 +15127,12 @@
             <p:ph type="title"/>
           </p:nvPr>
         </p:nvSpPr>
-        <p:spPr/>
+        <p:spPr>
+          <a:xfrm>
+            <a:off x="874712" y="346076"/>
+            <a:ext cx="10580687" cy="372382"/>
+          </a:xfrm>
+        </p:spPr>
         <p:txBody>
           <a:bodyPr/>
           <a:lstStyle/>
@@ -14713,361 +15143,12 @@
             </a:r>
             <a:r>
               <a:rPr lang="en-IN" dirty="0"/>
-              <a:t>neuro-transistor</a:t>
-            </a:r>
-            <a:br>
-              <a:rPr lang="en-US" dirty="0"/>
-            </a:br>
+              <a:t>neuro-transistor with TTFP input</a:t>
+            </a:r>
             <a:br>
               <a:rPr lang="en-US" dirty="0"/>
             </a:br>
             <a:endParaRPr lang="en-US" b="0" dirty="0"/>
-          </a:p>
-        </p:txBody>
-      </p:sp>
-      <p:pic>
-        <p:nvPicPr>
-          <p:cNvPr id="5" name="Content Placeholder 4">
-            <a:extLst>
-              <a:ext uri="{FF2B5EF4-FFF2-40B4-BE49-F238E27FC236}">
-                <a16:creationId xmlns:a16="http://schemas.microsoft.com/office/drawing/2014/main" id="{5C03DA38-3634-8E95-8466-CF2EFA4B666B}"/>
-              </a:ext>
-            </a:extLst>
-          </p:cNvPr>
-          <p:cNvPicPr>
-            <a:picLocks noGrp="1" noChangeAspect="1"/>
-          </p:cNvPicPr>
-          <p:nvPr>
-            <p:ph sz="quarter" idx="10"/>
-          </p:nvPr>
-        </p:nvPicPr>
-        <p:blipFill>
-          <a:blip r:embed="rId3"/>
-          <a:stretch>
-            <a:fillRect/>
-          </a:stretch>
-        </p:blipFill>
-        <p:spPr>
-          <a:xfrm>
-            <a:off x="736602" y="894523"/>
-            <a:ext cx="3519489" cy="4313581"/>
-          </a:xfrm>
-        </p:spPr>
-      </p:pic>
-      <p:pic>
-        <p:nvPicPr>
-          <p:cNvPr id="7" name="Picture 6">
-            <a:extLst>
-              <a:ext uri="{FF2B5EF4-FFF2-40B4-BE49-F238E27FC236}">
-                <a16:creationId xmlns:a16="http://schemas.microsoft.com/office/drawing/2014/main" id="{C9F8734F-6C24-185A-0D87-18CD3F2E928D}"/>
-              </a:ext>
-            </a:extLst>
-          </p:cNvPr>
-          <p:cNvPicPr>
-            <a:picLocks noChangeAspect="1"/>
-          </p:cNvPicPr>
-          <p:nvPr/>
-        </p:nvPicPr>
-        <p:blipFill>
-          <a:blip r:embed="rId4" cstate="print">
-            <a:extLst>
-              <a:ext uri="{28A0092B-C50C-407E-A947-70E740481C1C}">
-                <a14:useLocalDpi xmlns:a14="http://schemas.microsoft.com/office/drawing/2010/main" val="0"/>
-              </a:ext>
-            </a:extLst>
-          </a:blip>
-          <a:stretch>
-            <a:fillRect/>
-          </a:stretch>
-        </p:blipFill>
-        <p:spPr>
-          <a:xfrm>
-            <a:off x="4561025" y="1120534"/>
-            <a:ext cx="3519489" cy="2398712"/>
-          </a:xfrm>
-          <a:prstGeom prst="rect">
-            <a:avLst/>
-          </a:prstGeom>
-        </p:spPr>
-      </p:pic>
-      <p:pic>
-        <p:nvPicPr>
-          <p:cNvPr id="9" name="Picture 8">
-            <a:extLst>
-              <a:ext uri="{FF2B5EF4-FFF2-40B4-BE49-F238E27FC236}">
-                <a16:creationId xmlns:a16="http://schemas.microsoft.com/office/drawing/2014/main" id="{B66CC432-6957-9D82-9435-0AE791D9EBE0}"/>
-              </a:ext>
-            </a:extLst>
-          </p:cNvPr>
-          <p:cNvPicPr>
-            <a:picLocks noChangeAspect="1"/>
-          </p:cNvPicPr>
-          <p:nvPr/>
-        </p:nvPicPr>
-        <p:blipFill>
-          <a:blip r:embed="rId5" cstate="print">
-            <a:extLst>
-              <a:ext uri="{28A0092B-C50C-407E-A947-70E740481C1C}">
-                <a14:useLocalDpi xmlns:a14="http://schemas.microsoft.com/office/drawing/2010/main" val="0"/>
-              </a:ext>
-            </a:extLst>
-          </a:blip>
-          <a:stretch>
-            <a:fillRect/>
-          </a:stretch>
-        </p:blipFill>
-        <p:spPr>
-          <a:xfrm>
-            <a:off x="4561025" y="3609492"/>
-            <a:ext cx="3519489" cy="2398713"/>
-          </a:xfrm>
-          <a:prstGeom prst="rect">
-            <a:avLst/>
-          </a:prstGeom>
-        </p:spPr>
-      </p:pic>
-      <p:sp>
-        <p:nvSpPr>
-          <p:cNvPr id="14" name="TextBox 13">
-            <a:extLst>
-              <a:ext uri="{FF2B5EF4-FFF2-40B4-BE49-F238E27FC236}">
-                <a16:creationId xmlns:a16="http://schemas.microsoft.com/office/drawing/2014/main" id="{FE9545DE-E63C-0626-E98D-267DD81ED5E4}"/>
-              </a:ext>
-            </a:extLst>
-          </p:cNvPr>
-          <p:cNvSpPr txBox="1"/>
-          <p:nvPr/>
-        </p:nvSpPr>
-        <p:spPr>
-          <a:xfrm>
-            <a:off x="5013774" y="733779"/>
-            <a:ext cx="2613991" cy="341632"/>
-          </a:xfrm>
-          <a:prstGeom prst="rect">
-            <a:avLst/>
-          </a:prstGeom>
-          <a:noFill/>
-        </p:spPr>
-        <p:txBody>
-          <a:bodyPr wrap="square" rtlCol="0">
-            <a:spAutoFit/>
-          </a:bodyPr>
-          <a:lstStyle/>
-          <a:p>
-            <a:pPr algn="ctr"/>
-            <a:r>
-              <a:rPr lang="en-US" b="1" dirty="0">
-                <a:solidFill>
-                  <a:srgbClr val="DE2526"/>
-                </a:solidFill>
-              </a:rPr>
-              <a:t>Pulse Input</a:t>
-            </a:r>
-            <a:endParaRPr lang="en-IN" b="1" dirty="0">
-              <a:solidFill>
-                <a:srgbClr val="DE2526"/>
-              </a:solidFill>
-            </a:endParaRPr>
-          </a:p>
-        </p:txBody>
-      </p:sp>
-      <p:sp>
-        <p:nvSpPr>
-          <p:cNvPr id="15" name="TextBox 14">
-            <a:extLst>
-              <a:ext uri="{FF2B5EF4-FFF2-40B4-BE49-F238E27FC236}">
-                <a16:creationId xmlns:a16="http://schemas.microsoft.com/office/drawing/2014/main" id="{1831F9C9-68C6-DAA5-67A7-ACFCEE299157}"/>
-              </a:ext>
-            </a:extLst>
-          </p:cNvPr>
-          <p:cNvSpPr txBox="1"/>
-          <p:nvPr/>
-        </p:nvSpPr>
-        <p:spPr>
-          <a:xfrm>
-            <a:off x="8696437" y="723707"/>
-            <a:ext cx="2613991" cy="341632"/>
-          </a:xfrm>
-          <a:prstGeom prst="rect">
-            <a:avLst/>
-          </a:prstGeom>
-          <a:noFill/>
-        </p:spPr>
-        <p:txBody>
-          <a:bodyPr wrap="square" rtlCol="0">
-            <a:spAutoFit/>
-          </a:bodyPr>
-          <a:lstStyle/>
-          <a:p>
-            <a:pPr algn="ctr"/>
-            <a:r>
-              <a:rPr lang="en-US" b="1" dirty="0">
-                <a:solidFill>
-                  <a:srgbClr val="DE2526"/>
-                </a:solidFill>
-              </a:rPr>
-              <a:t>TTFS Input</a:t>
-            </a:r>
-            <a:endParaRPr lang="en-IN" b="1" dirty="0">
-              <a:solidFill>
-                <a:srgbClr val="DE2526"/>
-              </a:solidFill>
-            </a:endParaRPr>
-          </a:p>
-        </p:txBody>
-      </p:sp>
-      <p:pic>
-        <p:nvPicPr>
-          <p:cNvPr id="17" name="Picture 16">
-            <a:extLst>
-              <a:ext uri="{FF2B5EF4-FFF2-40B4-BE49-F238E27FC236}">
-                <a16:creationId xmlns:a16="http://schemas.microsoft.com/office/drawing/2014/main" id="{F5EF8598-E1D7-82AA-A023-00F519F7869D}"/>
-              </a:ext>
-            </a:extLst>
-          </p:cNvPr>
-          <p:cNvPicPr>
-            <a:picLocks noChangeAspect="1"/>
-          </p:cNvPicPr>
-          <p:nvPr/>
-        </p:nvPicPr>
-        <p:blipFill>
-          <a:blip r:embed="rId6" cstate="print">
-            <a:extLst>
-              <a:ext uri="{28A0092B-C50C-407E-A947-70E740481C1C}">
-                <a14:useLocalDpi xmlns:a14="http://schemas.microsoft.com/office/drawing/2010/main" val="0"/>
-              </a:ext>
-            </a:extLst>
-          </a:blip>
-          <a:stretch>
-            <a:fillRect/>
-          </a:stretch>
-        </p:blipFill>
-        <p:spPr>
-          <a:xfrm>
-            <a:off x="8385447" y="1120534"/>
-            <a:ext cx="3235971" cy="2308466"/>
-          </a:xfrm>
-          <a:prstGeom prst="rect">
-            <a:avLst/>
-          </a:prstGeom>
-        </p:spPr>
-      </p:pic>
-      <p:pic>
-        <p:nvPicPr>
-          <p:cNvPr id="19" name="Picture 18">
-            <a:extLst>
-              <a:ext uri="{FF2B5EF4-FFF2-40B4-BE49-F238E27FC236}">
-                <a16:creationId xmlns:a16="http://schemas.microsoft.com/office/drawing/2014/main" id="{A39AD2BF-00C0-5C92-C906-58F20D8141C5}"/>
-              </a:ext>
-            </a:extLst>
-          </p:cNvPr>
-          <p:cNvPicPr>
-            <a:picLocks noChangeAspect="1"/>
-          </p:cNvPicPr>
-          <p:nvPr/>
-        </p:nvPicPr>
-        <p:blipFill>
-          <a:blip r:embed="rId7" cstate="print">
-            <a:extLst>
-              <a:ext uri="{28A0092B-C50C-407E-A947-70E740481C1C}">
-                <a14:useLocalDpi xmlns:a14="http://schemas.microsoft.com/office/drawing/2010/main" val="0"/>
-              </a:ext>
-            </a:extLst>
-          </a:blip>
-          <a:stretch>
-            <a:fillRect/>
-          </a:stretch>
-        </p:blipFill>
-        <p:spPr>
-          <a:xfrm>
-            <a:off x="8385447" y="3609491"/>
-            <a:ext cx="3235971" cy="2398713"/>
-          </a:xfrm>
-          <a:prstGeom prst="rect">
-            <a:avLst/>
-          </a:prstGeom>
-        </p:spPr>
-      </p:pic>
-      <p:sp>
-        <p:nvSpPr>
-          <p:cNvPr id="20" name="TextBox 19">
-            <a:extLst>
-              <a:ext uri="{FF2B5EF4-FFF2-40B4-BE49-F238E27FC236}">
-                <a16:creationId xmlns:a16="http://schemas.microsoft.com/office/drawing/2014/main" id="{C44D1EC1-BA73-C2FF-96DE-D48402B8BEC4}"/>
-              </a:ext>
-            </a:extLst>
-          </p:cNvPr>
-          <p:cNvSpPr txBox="1"/>
-          <p:nvPr/>
-        </p:nvSpPr>
-        <p:spPr>
-          <a:xfrm>
-            <a:off x="736602" y="5330810"/>
-            <a:ext cx="3519489" cy="584775"/>
-          </a:xfrm>
-          <a:prstGeom prst="rect">
-            <a:avLst/>
-          </a:prstGeom>
-          <a:noFill/>
-        </p:spPr>
-        <p:txBody>
-          <a:bodyPr wrap="square" rtlCol="0">
-            <a:spAutoFit/>
-          </a:bodyPr>
-          <a:lstStyle/>
-          <a:p>
-            <a:pPr algn="just"/>
-            <a:r>
-              <a:rPr lang="en-US" sz="1600" b="1" dirty="0">
-                <a:solidFill>
-                  <a:schemeClr val="accent1"/>
-                </a:solidFill>
-                <a:latin typeface="+mj-lt"/>
-                <a:ea typeface="+mj-ea"/>
-                <a:cs typeface="+mj-cs"/>
-              </a:rPr>
-              <a:t>TTFS Input: </a:t>
-            </a:r>
-            <a:r>
-              <a:rPr lang="en-US" sz="1600" dirty="0">
-                <a:solidFill>
-                  <a:schemeClr val="accent1"/>
-                </a:solidFill>
-                <a:latin typeface="+mj-lt"/>
-                <a:ea typeface="+mj-ea"/>
-                <a:cs typeface="+mj-cs"/>
-              </a:rPr>
-              <a:t>A1.png from Project1,</a:t>
-            </a:r>
-            <a:br>
-              <a:rPr lang="en-US" sz="1600" dirty="0">
-                <a:solidFill>
-                  <a:schemeClr val="accent1"/>
-                </a:solidFill>
-                <a:latin typeface="+mj-lt"/>
-                <a:ea typeface="+mj-ea"/>
-                <a:cs typeface="+mj-cs"/>
-              </a:rPr>
-            </a:br>
-            <a:r>
-              <a:rPr lang="en-US" sz="1600" dirty="0">
-                <a:solidFill>
-                  <a:schemeClr val="accent1"/>
-                </a:solidFill>
-                <a:latin typeface="+mj-lt"/>
-                <a:ea typeface="+mj-ea"/>
-                <a:cs typeface="+mj-cs"/>
-              </a:rPr>
-              <a:t>resized to 3x3 pixels.</a:t>
-            </a:r>
-            <a:endParaRPr lang="en-IN" sz="1600" dirty="0">
-              <a:solidFill>
-                <a:schemeClr val="accent1"/>
-              </a:solidFill>
-              <a:latin typeface="+mj-lt"/>
-              <a:ea typeface="+mj-ea"/>
-              <a:cs typeface="+mj-cs"/>
-            </a:endParaRPr>
           </a:p>
         </p:txBody>
       </p:sp>
@@ -15142,35 +15223,6 @@
           </a:p>
         </p:txBody>
       </p:sp>
-      <p:pic>
-        <p:nvPicPr>
-          <p:cNvPr id="5" name="Content Placeholder 4">
-            <a:extLst>
-              <a:ext uri="{FF2B5EF4-FFF2-40B4-BE49-F238E27FC236}">
-                <a16:creationId xmlns:a16="http://schemas.microsoft.com/office/drawing/2014/main" id="{F49166CC-DD5E-7298-9263-105C6D6B9056}"/>
-              </a:ext>
-            </a:extLst>
-          </p:cNvPr>
-          <p:cNvPicPr>
-            <a:picLocks noGrp="1" noChangeAspect="1"/>
-          </p:cNvPicPr>
-          <p:nvPr>
-            <p:ph sz="quarter" idx="10"/>
-          </p:nvPr>
-        </p:nvPicPr>
-        <p:blipFill>
-          <a:blip r:embed="rId3"/>
-          <a:stretch>
-            <a:fillRect/>
-          </a:stretch>
-        </p:blipFill>
-        <p:spPr>
-          <a:xfrm>
-            <a:off x="874712" y="874643"/>
-            <a:ext cx="3657531" cy="4641573"/>
-          </a:xfrm>
-        </p:spPr>
-      </p:pic>
       <p:graphicFrame>
         <p:nvGraphicFramePr>
           <p:cNvPr id="6" name="Table 5">
@@ -15779,7 +15831,7 @@
           <p:nvPr/>
         </p:nvPicPr>
         <p:blipFill>
-          <a:blip r:embed="rId4" cstate="print">
+          <a:blip r:embed="rId3" cstate="print">
             <a:extLst>
               <a:ext uri="{28A0092B-C50C-407E-A947-70E740481C1C}">
                 <a14:useLocalDpi xmlns:a14="http://schemas.microsoft.com/office/drawing/2010/main" val="0"/>
@@ -16408,7 +16460,7 @@
           <p:nvPr/>
         </p:nvPicPr>
         <p:blipFill>
-          <a:blip r:embed="rId5" cstate="print">
+          <a:blip r:embed="rId4" cstate="print">
             <a:extLst>
               <a:ext uri="{28A0092B-C50C-407E-A947-70E740481C1C}">
                 <a14:useLocalDpi xmlns:a14="http://schemas.microsoft.com/office/drawing/2010/main" val="0"/>
@@ -16824,6 +16876,35 @@
           </a:p>
         </p:txBody>
       </p:sp>
+      <p:pic>
+        <p:nvPicPr>
+          <p:cNvPr id="13" name="Picture 12">
+            <a:extLst>
+              <a:ext uri="{FF2B5EF4-FFF2-40B4-BE49-F238E27FC236}">
+                <a16:creationId xmlns:a16="http://schemas.microsoft.com/office/drawing/2014/main" id="{37363EE3-2287-1ECF-A78A-0C62811700BF}"/>
+              </a:ext>
+            </a:extLst>
+          </p:cNvPr>
+          <p:cNvPicPr>
+            <a:picLocks noChangeAspect="1"/>
+          </p:cNvPicPr>
+          <p:nvPr/>
+        </p:nvPicPr>
+        <p:blipFill>
+          <a:blip r:embed="rId5"/>
+          <a:srcRect l="11097" r="28496"/>
+          <a:stretch/>
+        </p:blipFill>
+        <p:spPr>
+          <a:xfrm>
+            <a:off x="410637" y="780873"/>
+            <a:ext cx="4170320" cy="3632507"/>
+          </a:xfrm>
+          <a:prstGeom prst="rect">
+            <a:avLst/>
+          </a:prstGeom>
+        </p:spPr>
+      </p:pic>
     </p:spTree>
     <p:custDataLst>
       <p:tags r:id="rId1"/>
